--- a/docs/uCOS-III Wrapper.pptx
+++ b/docs/uCOS-III Wrapper.pptx
@@ -5,28 +5,29 @@
     <p:sldMasterId id="2147483648" r:id="rId1"/>
   </p:sldMasterIdLst>
   <p:notesMasterIdLst>
-    <p:notesMasterId r:id="rId19"/>
+    <p:notesMasterId r:id="rId20"/>
   </p:notesMasterIdLst>
   <p:sldIdLst>
-    <p:sldId id="256" r:id="rId3"/>
-    <p:sldId id="257" r:id="rId4"/>
-    <p:sldId id="290" r:id="rId5"/>
-    <p:sldId id="301" r:id="rId6"/>
-    <p:sldId id="302" r:id="rId7"/>
-    <p:sldId id="265" r:id="rId8"/>
-    <p:sldId id="273" r:id="rId9"/>
-    <p:sldId id="281" r:id="rId10"/>
-    <p:sldId id="258" r:id="rId11"/>
-    <p:sldId id="259" r:id="rId12"/>
-    <p:sldId id="303" r:id="rId13"/>
-    <p:sldId id="260" r:id="rId14"/>
-    <p:sldId id="263" r:id="rId15"/>
-    <p:sldId id="261" r:id="rId16"/>
-    <p:sldId id="262" r:id="rId17"/>
-    <p:sldId id="314" r:id="rId18"/>
-    <p:sldId id="316" r:id="rId20"/>
-    <p:sldId id="317" r:id="rId21"/>
-    <p:sldId id="264" r:id="rId22"/>
+    <p:sldId id="319" r:id="rId3"/>
+    <p:sldId id="256" r:id="rId4"/>
+    <p:sldId id="257" r:id="rId5"/>
+    <p:sldId id="290" r:id="rId6"/>
+    <p:sldId id="301" r:id="rId7"/>
+    <p:sldId id="302" r:id="rId8"/>
+    <p:sldId id="265" r:id="rId9"/>
+    <p:sldId id="273" r:id="rId10"/>
+    <p:sldId id="281" r:id="rId11"/>
+    <p:sldId id="258" r:id="rId12"/>
+    <p:sldId id="259" r:id="rId13"/>
+    <p:sldId id="303" r:id="rId14"/>
+    <p:sldId id="260" r:id="rId15"/>
+    <p:sldId id="263" r:id="rId16"/>
+    <p:sldId id="261" r:id="rId17"/>
+    <p:sldId id="262" r:id="rId18"/>
+    <p:sldId id="314" r:id="rId19"/>
+    <p:sldId id="316" r:id="rId21"/>
+    <p:sldId id="317" r:id="rId22"/>
+    <p:sldId id="264" r:id="rId23"/>
   </p:sldIdLst>
   <p:sldSz cx="12192000" cy="6858000"/>
   <p:notesSz cx="6858000" cy="9144000"/>
@@ -3422,8 +3423,8 @@
         </p:nvSpPr>
         <p:spPr>
           <a:xfrm>
-            <a:off x="2654935" y="1122680"/>
-            <a:ext cx="6882765" cy="1198880"/>
+            <a:off x="497840" y="2706370"/>
+            <a:ext cx="11195685" cy="1445260"/>
           </a:xfrm>
           <a:prstGeom prst="rect">
             <a:avLst/>
@@ -3431,163 +3432,29 @@
           <a:noFill/>
         </p:spPr>
         <p:txBody>
-          <a:bodyPr wrap="square" rtlCol="0" anchor="t">
-            <a:spAutoFit/>
-          </a:bodyPr>
-          <a:p>
-            <a:r>
-              <a:rPr lang="zh-CN" altLang="en-US" sz="7200"/>
-              <a:t>μCOS-III Wrapper</a:t>
-            </a:r>
-            <a:endParaRPr lang="zh-CN" altLang="en-US" sz="7200"/>
-          </a:p>
-        </p:txBody>
-      </p:sp>
-      <p:sp>
-        <p:nvSpPr>
-          <p:cNvPr id="5" name="文本框 4"/>
-          <p:cNvSpPr txBox="1"/>
-          <p:nvPr/>
-        </p:nvSpPr>
-        <p:spPr>
-          <a:xfrm>
-            <a:off x="1806575" y="3075940"/>
-            <a:ext cx="8578850" cy="706755"/>
-          </a:xfrm>
-          <a:prstGeom prst="rect">
-            <a:avLst/>
-          </a:prstGeom>
-          <a:noFill/>
-        </p:spPr>
-        <p:txBody>
-          <a:bodyPr wrap="square" rtlCol="0" anchor="t">
-            <a:spAutoFit/>
-          </a:bodyPr>
-          <a:p>
-            <a:pPr algn="ctr"/>
-            <a:r>
-              <a:rPr lang="zh-CN" altLang="en-US" sz="4000"/>
-              <a:t>RT-Thread操作系统的μC/OS-III兼容层</a:t>
-            </a:r>
-            <a:endParaRPr lang="zh-CN" altLang="en-US" sz="4000"/>
-          </a:p>
-        </p:txBody>
-      </p:sp>
-      <p:sp>
-        <p:nvSpPr>
-          <p:cNvPr id="6" name="文本框 5"/>
-          <p:cNvSpPr txBox="1"/>
-          <p:nvPr/>
-        </p:nvSpPr>
-        <p:spPr>
-          <a:xfrm>
-            <a:off x="9537700" y="4799330"/>
-            <a:ext cx="1649095" cy="829945"/>
-          </a:xfrm>
-          <a:prstGeom prst="rect">
-            <a:avLst/>
-          </a:prstGeom>
-          <a:noFill/>
-        </p:spPr>
-        <p:txBody>
           <a:bodyPr wrap="square" rtlCol="0">
             <a:spAutoFit/>
           </a:bodyPr>
           <a:p>
-            <a:pPr algn="ctr"/>
-            <a:r>
-              <a:rPr lang="zh-CN" altLang="zh-CN" sz="2400"/>
-              <a:t>满鉴霆</a:t>
-            </a:r>
-            <a:endParaRPr lang="en-US" altLang="zh-CN" sz="2400"/>
-          </a:p>
-          <a:p>
-            <a:r>
-              <a:rPr lang="en-US" altLang="zh-CN" sz="2400"/>
-              <a:t>Meco Man</a:t>
-            </a:r>
-            <a:endParaRPr lang="en-US" altLang="zh-CN" sz="2400"/>
-          </a:p>
-        </p:txBody>
-      </p:sp>
-      <p:sp>
-        <p:nvSpPr>
-          <p:cNvPr id="7" name="文本框 6"/>
-          <p:cNvSpPr txBox="1"/>
-          <p:nvPr/>
-        </p:nvSpPr>
-        <p:spPr>
-          <a:xfrm>
-            <a:off x="124460" y="107950"/>
-            <a:ext cx="6961505" cy="368300"/>
-          </a:xfrm>
-          <a:prstGeom prst="rect">
-            <a:avLst/>
-          </a:prstGeom>
-          <a:noFill/>
-        </p:spPr>
-        <p:txBody>
-          <a:bodyPr wrap="square" rtlCol="0" anchor="t">
-            <a:spAutoFit/>
-          </a:bodyPr>
-          <a:p>
-            <a:r>
-              <a:rPr lang="zh-CN" altLang="en-US">
-                <a:solidFill>
-                  <a:schemeClr val="tx1"/>
-                </a:solidFill>
-                <a:uFillTx/>
-                <a:latin typeface="Times New Roman" panose="02020603050405020304" charset="0"/>
+            <a:r>
+              <a:rPr lang="zh-CN" altLang="en-US" sz="4400"/>
+              <a:t>配套本</a:t>
+            </a:r>
+            <a:r>
+              <a:rPr lang="en-US" altLang="zh-CN" sz="4400"/>
+              <a:t>PPT</a:t>
+            </a:r>
+            <a:r>
+              <a:rPr lang="zh-CN" altLang="en-US" sz="4400"/>
+              <a:t>的视频链接：</a:t>
+            </a:r>
+            <a:r>
+              <a:rPr lang="zh-CN" altLang="en-US" sz="4400">
+                <a:hlinkClick r:id="rId1" tooltip="" action="ppaction://hlinkfile"/>
               </a:rPr>
-              <a:t>https://</a:t>
-            </a:r>
-            <a:r>
-              <a:rPr lang="en-US" altLang="zh-CN">
-                <a:solidFill>
-                  <a:schemeClr val="tx1"/>
-                </a:solidFill>
-                <a:uFillTx/>
-                <a:latin typeface="Times New Roman" panose="02020603050405020304" charset="0"/>
-              </a:rPr>
-              <a:t>www.</a:t>
-            </a:r>
-            <a:r>
-              <a:rPr lang="zh-CN" altLang="en-US">
-                <a:solidFill>
-                  <a:schemeClr val="tx1"/>
-                </a:solidFill>
-                <a:uFillTx/>
-                <a:latin typeface="Times New Roman" panose="02020603050405020304" charset="0"/>
-              </a:rPr>
-              <a:t>github.</a:t>
-            </a:r>
-            <a:r>
-              <a:rPr lang="en-US" altLang="zh-CN">
-                <a:solidFill>
-                  <a:schemeClr val="tx1"/>
-                </a:solidFill>
-                <a:uFillTx/>
-                <a:latin typeface="Times New Roman" panose="02020603050405020304" charset="0"/>
-              </a:rPr>
-              <a:t>com</a:t>
-            </a:r>
-            <a:r>
-              <a:rPr lang="zh-CN" altLang="en-US">
-                <a:solidFill>
-                  <a:schemeClr val="tx1"/>
-                </a:solidFill>
-                <a:uFillTx/>
-                <a:latin typeface="Times New Roman" panose="02020603050405020304" charset="0"/>
-              </a:rPr>
-              <a:t>/mysterywolf/RT-Thread-wrapper-of-uCOS-III</a:t>
-            </a:r>
-            <a:endParaRPr lang="zh-CN" altLang="en-US">
-              <a:solidFill>
-                <a:schemeClr val="tx1"/>
-              </a:solidFill>
-              <a:uFillTx/>
-              <a:latin typeface="Times New Roman" panose="02020603050405020304" charset="0"/>
-            </a:endParaRPr>
+              <a:t>https://www.bilibili.com/video/BV1b54y1U7AG</a:t>
+            </a:r>
+            <a:endParaRPr lang="zh-CN" altLang="en-US" sz="4400"/>
           </a:p>
         </p:txBody>
       </p:sp>
@@ -3692,14 +3559,14 @@
       </p:sp>
       <p:sp>
         <p:nvSpPr>
-          <p:cNvPr id="5" name="文本框 4"/>
+          <p:cNvPr id="4" name="文本框 3"/>
           <p:cNvSpPr txBox="1"/>
           <p:nvPr/>
         </p:nvSpPr>
         <p:spPr>
           <a:xfrm>
-            <a:off x="631190" y="780415"/>
-            <a:ext cx="3683635" cy="645160"/>
+            <a:off x="1212215" y="1648460"/>
+            <a:ext cx="9768205" cy="1938020"/>
           </a:xfrm>
           <a:prstGeom prst="rect">
             <a:avLst/>
@@ -3711,24 +3578,37 @@
             <a:spAutoFit/>
           </a:bodyPr>
           <a:p>
-            <a:r>
-              <a:rPr lang="zh-CN" altLang="en-US" sz="3600"/>
-              <a:t>本兼容层适合于</a:t>
-            </a:r>
-            <a:endParaRPr lang="zh-CN" altLang="en-US" sz="3600"/>
-          </a:p>
-        </p:txBody>
-      </p:sp>
-      <p:sp>
-        <p:nvSpPr>
-          <p:cNvPr id="4" name="文本框 3"/>
+            <a:pPr fontAlgn="auto">
+              <a:lnSpc>
+                <a:spcPct val="100000"/>
+              </a:lnSpc>
+            </a:pPr>
+            <a:r>
+              <a:rPr lang="en-US" altLang="zh-CN" sz="2400"/>
+              <a:t>1.</a:t>
+            </a:r>
+            <a:r>
+              <a:rPr lang="zh-CN" altLang="en-US" sz="2400"/>
+              <a:t>之前学习过μCOS-III操作系统，意图转向学习RT-Thread国产操作系统。本兼容层可以帮您用已有的μCOS-III编程经验和习惯快速将项目跑起来，日后在应用过程中深入熟悉RT-Thread的API函数，逐步向RT-Thread过度，降低您的学习门槛和时间成本。</a:t>
+            </a:r>
+            <a:r>
+              <a:rPr lang="zh-CN" altLang="en-US" sz="2400" b="1"/>
+              <a:t>有了本兼容层，对RT-Thread API以及编程风格的不熟悉再也不是您学习RT-Thread的阻力！</a:t>
+            </a:r>
+            <a:endParaRPr lang="zh-CN" altLang="en-US" sz="2400" b="1"/>
+          </a:p>
+        </p:txBody>
+      </p:sp>
+      <p:sp>
+        <p:nvSpPr>
+          <p:cNvPr id="5" name="文本框 4"/>
           <p:cNvSpPr txBox="1"/>
           <p:nvPr/>
         </p:nvSpPr>
         <p:spPr>
           <a:xfrm>
-            <a:off x="982345" y="1750695"/>
-            <a:ext cx="11732260" cy="460375"/>
+            <a:off x="631190" y="780415"/>
+            <a:ext cx="3683635" cy="645160"/>
           </a:xfrm>
           <a:prstGeom prst="rect">
             <a:avLst/>
@@ -3741,14 +3621,10 @@
           </a:bodyPr>
           <a:p>
             <a:r>
-              <a:rPr lang="en-US" altLang="zh-CN" sz="2400"/>
-              <a:t>3.</a:t>
-            </a:r>
-            <a:r>
-              <a:rPr lang="zh-CN" altLang="en-US" sz="2400"/>
-              <a:t>现有任务（线程）模块采用μCOS-III编写，想要用在基于RT-Thread的工程上</a:t>
-            </a:r>
-            <a:endParaRPr lang="zh-CN" altLang="en-US" sz="2400"/>
+              <a:rPr lang="zh-CN" altLang="en-US" sz="3600"/>
+              <a:t>本兼容层适合于</a:t>
+            </a:r>
+            <a:endParaRPr lang="zh-CN" altLang="en-US" sz="3600"/>
           </a:p>
         </p:txBody>
       </p:sp>
@@ -3760,8 +3636,8 @@
         </p:nvSpPr>
         <p:spPr>
           <a:xfrm>
-            <a:off x="982345" y="2314575"/>
-            <a:ext cx="9573895" cy="460375"/>
+            <a:off x="1212215" y="4234815"/>
+            <a:ext cx="9867900" cy="1568450"/>
           </a:xfrm>
           <a:prstGeom prst="rect">
             <a:avLst/>
@@ -3775,44 +3651,16 @@
           <a:p>
             <a:r>
               <a:rPr lang="en-US" altLang="zh-CN" sz="2400"/>
-              <a:t>4.</a:t>
+              <a:t>2.</a:t>
             </a:r>
             <a:r>
               <a:rPr lang="zh-CN" altLang="en-US" sz="2400"/>
-              <a:t>老项目需要从μCOS-III操作系统向RT-Thread操作系统迁移</a:t>
+              <a:t>当需要快速基于RT-Thread开发产品，但是工程师之前均采用μC/OS开发，从未用过RT-Thread的开发经验。本兼容层可以帮助让工程师快速基于μC/OS开发经验开发产品，简化软件的重用、缩短微控制器新开发人员的学习过程，并缩短新设备的上市时间。</a:t>
             </a:r>
             <a:endParaRPr lang="zh-CN" altLang="en-US" sz="2400"/>
           </a:p>
         </p:txBody>
       </p:sp>
-      <p:pic>
-        <p:nvPicPr>
-          <p:cNvPr id="16" name="图片 15" descr="图片1"/>
-          <p:cNvPicPr>
-            <a:picLocks noChangeAspect="1"/>
-          </p:cNvPicPr>
-          <p:nvPr>
-            <p:custDataLst>
-              <p:tags r:id="rId1"/>
-            </p:custDataLst>
-          </p:nvPr>
-        </p:nvPicPr>
-        <p:blipFill>
-          <a:blip r:embed="rId2"/>
-          <a:stretch>
-            <a:fillRect/>
-          </a:stretch>
-        </p:blipFill>
-        <p:spPr>
-          <a:xfrm>
-            <a:off x="2136775" y="3067685"/>
-            <a:ext cx="7264400" cy="3265170"/>
-          </a:xfrm>
-          <a:prstGeom prst="rect">
-            <a:avLst/>
-          </a:prstGeom>
-        </p:spPr>
-      </p:pic>
     </p:spTree>
   </p:cSld>
   <p:clrMapOvr>
@@ -3949,8 +3797,8 @@
         </p:nvSpPr>
         <p:spPr>
           <a:xfrm>
-            <a:off x="849630" y="2322830"/>
-            <a:ext cx="10492740" cy="2676525"/>
+            <a:off x="982345" y="1750695"/>
+            <a:ext cx="11732260" cy="460375"/>
           </a:xfrm>
           <a:prstGeom prst="rect">
             <a:avLst/>
@@ -3964,107 +3812,77 @@
           <a:p>
             <a:r>
               <a:rPr lang="en-US" altLang="zh-CN" sz="2400"/>
-              <a:t>5.</a:t>
+              <a:t>3.</a:t>
             </a:r>
             <a:r>
               <a:rPr lang="zh-CN" altLang="en-US" sz="2400"/>
-              <a:t>避免在从</a:t>
-            </a:r>
+              <a:t>现有任务（线程）模块采用μCOS-III编写，想要用在基于RT-Thread的工程上</a:t>
+            </a:r>
+            <a:endParaRPr lang="zh-CN" altLang="en-US" sz="2400"/>
+          </a:p>
+        </p:txBody>
+      </p:sp>
+      <p:sp>
+        <p:nvSpPr>
+          <p:cNvPr id="6" name="文本框 5"/>
+          <p:cNvSpPr txBox="1"/>
+          <p:nvPr/>
+        </p:nvSpPr>
+        <p:spPr>
+          <a:xfrm>
+            <a:off x="982345" y="2314575"/>
+            <a:ext cx="9573895" cy="460375"/>
+          </a:xfrm>
+          <a:prstGeom prst="rect">
+            <a:avLst/>
+          </a:prstGeom>
+          <a:noFill/>
+        </p:spPr>
+        <p:txBody>
+          <a:bodyPr wrap="square" rtlCol="0" anchor="t">
+            <a:spAutoFit/>
+          </a:bodyPr>
+          <a:p>
             <a:r>
               <a:rPr lang="en-US" altLang="zh-CN" sz="2400"/>
-              <a:t>μCOS-III</a:t>
+              <a:t>4.</a:t>
             </a:r>
             <a:r>
               <a:rPr lang="zh-CN" altLang="en-US" sz="2400"/>
-              <a:t>迁移到</a:t>
-            </a:r>
-            <a:r>
-              <a:rPr lang="en-US" altLang="zh-CN" sz="2400"/>
-              <a:t>RT-Thread</a:t>
-            </a:r>
-            <a:r>
-              <a:rPr lang="zh-CN" altLang="en-US" sz="2400"/>
-              <a:t>时，</a:t>
-            </a:r>
-            <a:r>
-              <a:rPr lang="zh-CN" altLang="en-US" sz="2400"/>
-              <a:t>由于</a:t>
-            </a:r>
-            <a:r>
-              <a:rPr lang="en-US" altLang="zh-CN" sz="2400"/>
-              <a:t>μCOS-III</a:t>
-            </a:r>
-            <a:r>
-              <a:rPr lang="zh-CN" altLang="en-US" sz="2400"/>
-              <a:t>的编程经验导致的思维定式引发的错误，这种错误一般很难被发现</a:t>
+              <a:t>老项目需要从μCOS-III操作系统向RT-Thread操作系统迁移</a:t>
             </a:r>
             <a:endParaRPr lang="zh-CN" altLang="en-US" sz="2400"/>
           </a:p>
-          <a:p>
-            <a:r>
-              <a:rPr lang="zh-CN" altLang="en-US" sz="2400"/>
-              <a:t>     例如：</a:t>
-            </a:r>
-            <a:r>
-              <a:rPr lang="en-US" altLang="zh-CN" sz="2400"/>
-              <a:t>1.</a:t>
-            </a:r>
-            <a:r>
-              <a:rPr lang="zh-CN" altLang="en-US" sz="2400"/>
-              <a:t>两个操作系统对于任务</a:t>
-            </a:r>
-            <a:r>
-              <a:rPr lang="en-US" altLang="zh-CN" sz="2400"/>
-              <a:t>/</a:t>
-            </a:r>
-            <a:r>
-              <a:rPr lang="zh-CN" altLang="en-US" sz="2400"/>
-              <a:t>线程挂起、解挂函数的区别。</a:t>
-            </a:r>
-            <a:endParaRPr lang="zh-CN" altLang="en-US" sz="2400"/>
-          </a:p>
-          <a:p>
-            <a:r>
-              <a:rPr lang="en-US" altLang="zh-CN" sz="2400"/>
-              <a:t>                     RT-Thread</a:t>
-            </a:r>
-            <a:r>
-              <a:rPr lang="zh-CN" altLang="en-US" sz="2400"/>
-              <a:t>不支持任务嵌套挂起、解挂</a:t>
-            </a:r>
-            <a:endParaRPr lang="zh-CN" altLang="en-US" sz="2400"/>
-          </a:p>
-          <a:p>
-            <a:r>
-              <a:rPr lang="en-US" altLang="zh-CN" sz="2400"/>
-              <a:t>                     μCOS-III</a:t>
-            </a:r>
-            <a:r>
-              <a:rPr lang="zh-CN" altLang="en-US" sz="2400"/>
-              <a:t>支持任务嵌套挂起、解挂</a:t>
-            </a:r>
-            <a:endParaRPr lang="zh-CN" altLang="en-US" sz="2400"/>
-          </a:p>
-          <a:p>
-            <a:r>
-              <a:rPr lang="en-US" altLang="zh-CN" sz="2400"/>
-              <a:t>	     2.</a:t>
-            </a:r>
-            <a:r>
-              <a:rPr lang="zh-CN" altLang="en-US" sz="2400"/>
-              <a:t>两个操作系统软定时器的延时参数</a:t>
-            </a:r>
-            <a:endParaRPr lang="zh-CN" altLang="en-US" sz="2400"/>
-          </a:p>
-          <a:p>
-            <a:r>
-              <a:rPr lang="en-US" altLang="zh-CN" sz="2400"/>
-              <a:t>                  3.任务堆栈的数据类型不同</a:t>
-            </a:r>
-            <a:endParaRPr lang="en-US" altLang="zh-CN" sz="2400"/>
-          </a:p>
-        </p:txBody>
-      </p:sp>
+        </p:txBody>
+      </p:sp>
+      <p:pic>
+        <p:nvPicPr>
+          <p:cNvPr id="16" name="图片 15" descr="图片1"/>
+          <p:cNvPicPr>
+            <a:picLocks noChangeAspect="1"/>
+          </p:cNvPicPr>
+          <p:nvPr>
+            <p:custDataLst>
+              <p:tags r:id="rId1"/>
+            </p:custDataLst>
+          </p:nvPr>
+        </p:nvPicPr>
+        <p:blipFill>
+          <a:blip r:embed="rId2"/>
+          <a:stretch>
+            <a:fillRect/>
+          </a:stretch>
+        </p:blipFill>
+        <p:spPr>
+          <a:xfrm>
+            <a:off x="2136775" y="3067685"/>
+            <a:ext cx="7264400" cy="3265170"/>
+          </a:xfrm>
+          <a:prstGeom prst="rect">
+            <a:avLst/>
+          </a:prstGeom>
+        </p:spPr>
+      </p:pic>
     </p:spTree>
   </p:cSld>
   <p:clrMapOvr>
@@ -4074,6 +3892,258 @@
 </file>
 
 <file path=ppt/slides/slide12.xml><?xml version="1.0" encoding="utf-8"?>
+<p:sld xmlns:a="http://schemas.openxmlformats.org/drawingml/2006/main" xmlns:r="http://schemas.openxmlformats.org/officeDocument/2006/relationships" xmlns:p="http://schemas.openxmlformats.org/presentationml/2006/main">
+  <p:cSld>
+    <p:spTree>
+      <p:nvGrpSpPr>
+        <p:cNvPr id="1" name=""/>
+        <p:cNvGrpSpPr/>
+        <p:nvPr/>
+      </p:nvGrpSpPr>
+      <p:grpSpPr/>
+      <p:sp>
+        <p:nvSpPr>
+          <p:cNvPr id="7" name="文本框 6"/>
+          <p:cNvSpPr txBox="1"/>
+          <p:nvPr/>
+        </p:nvSpPr>
+        <p:spPr>
+          <a:xfrm>
+            <a:off x="124460" y="107950"/>
+            <a:ext cx="6961505" cy="368300"/>
+          </a:xfrm>
+          <a:prstGeom prst="rect">
+            <a:avLst/>
+          </a:prstGeom>
+          <a:noFill/>
+        </p:spPr>
+        <p:txBody>
+          <a:bodyPr wrap="square" rtlCol="0" anchor="t">
+            <a:spAutoFit/>
+          </a:bodyPr>
+          <a:p>
+            <a:r>
+              <a:rPr lang="zh-CN" altLang="en-US">
+                <a:solidFill>
+                  <a:schemeClr val="tx1"/>
+                </a:solidFill>
+                <a:uFillTx/>
+                <a:latin typeface="Times New Roman" panose="02020603050405020304" charset="0"/>
+              </a:rPr>
+              <a:t>https://</a:t>
+            </a:r>
+            <a:r>
+              <a:rPr lang="en-US" altLang="zh-CN">
+                <a:solidFill>
+                  <a:schemeClr val="tx1"/>
+                </a:solidFill>
+                <a:uFillTx/>
+                <a:latin typeface="Times New Roman" panose="02020603050405020304" charset="0"/>
+              </a:rPr>
+              <a:t>www.</a:t>
+            </a:r>
+            <a:r>
+              <a:rPr lang="zh-CN" altLang="en-US">
+                <a:solidFill>
+                  <a:schemeClr val="tx1"/>
+                </a:solidFill>
+                <a:uFillTx/>
+                <a:latin typeface="Times New Roman" panose="02020603050405020304" charset="0"/>
+              </a:rPr>
+              <a:t>github.</a:t>
+            </a:r>
+            <a:r>
+              <a:rPr lang="en-US" altLang="zh-CN">
+                <a:solidFill>
+                  <a:schemeClr val="tx1"/>
+                </a:solidFill>
+                <a:uFillTx/>
+                <a:latin typeface="Times New Roman" panose="02020603050405020304" charset="0"/>
+              </a:rPr>
+              <a:t>com</a:t>
+            </a:r>
+            <a:r>
+              <a:rPr lang="zh-CN" altLang="en-US">
+                <a:solidFill>
+                  <a:schemeClr val="tx1"/>
+                </a:solidFill>
+                <a:uFillTx/>
+                <a:latin typeface="Times New Roman" panose="02020603050405020304" charset="0"/>
+              </a:rPr>
+              <a:t>/mysterywolf/RT-Thread-wrapper-of-uCOS-III</a:t>
+            </a:r>
+            <a:endParaRPr lang="zh-CN" altLang="en-US">
+              <a:solidFill>
+                <a:schemeClr val="tx1"/>
+              </a:solidFill>
+              <a:uFillTx/>
+              <a:latin typeface="Times New Roman" panose="02020603050405020304" charset="0"/>
+            </a:endParaRPr>
+          </a:p>
+        </p:txBody>
+      </p:sp>
+      <p:sp>
+        <p:nvSpPr>
+          <p:cNvPr id="5" name="文本框 4"/>
+          <p:cNvSpPr txBox="1"/>
+          <p:nvPr/>
+        </p:nvSpPr>
+        <p:spPr>
+          <a:xfrm>
+            <a:off x="631190" y="780415"/>
+            <a:ext cx="3683635" cy="645160"/>
+          </a:xfrm>
+          <a:prstGeom prst="rect">
+            <a:avLst/>
+          </a:prstGeom>
+          <a:noFill/>
+        </p:spPr>
+        <p:txBody>
+          <a:bodyPr wrap="square" rtlCol="0" anchor="t">
+            <a:spAutoFit/>
+          </a:bodyPr>
+          <a:p>
+            <a:r>
+              <a:rPr lang="zh-CN" altLang="en-US" sz="3600"/>
+              <a:t>本兼容层适合于</a:t>
+            </a:r>
+            <a:endParaRPr lang="zh-CN" altLang="en-US" sz="3600"/>
+          </a:p>
+        </p:txBody>
+      </p:sp>
+      <p:sp>
+        <p:nvSpPr>
+          <p:cNvPr id="4" name="文本框 3"/>
+          <p:cNvSpPr txBox="1"/>
+          <p:nvPr/>
+        </p:nvSpPr>
+        <p:spPr>
+          <a:xfrm>
+            <a:off x="849630" y="2322830"/>
+            <a:ext cx="10492740" cy="2676525"/>
+          </a:xfrm>
+          <a:prstGeom prst="rect">
+            <a:avLst/>
+          </a:prstGeom>
+          <a:noFill/>
+        </p:spPr>
+        <p:txBody>
+          <a:bodyPr wrap="square" rtlCol="0" anchor="t">
+            <a:spAutoFit/>
+          </a:bodyPr>
+          <a:p>
+            <a:r>
+              <a:rPr lang="en-US" altLang="zh-CN" sz="2400"/>
+              <a:t>5.</a:t>
+            </a:r>
+            <a:r>
+              <a:rPr lang="zh-CN" altLang="en-US" sz="2400"/>
+              <a:t>避免在从</a:t>
+            </a:r>
+            <a:r>
+              <a:rPr lang="en-US" altLang="zh-CN" sz="2400"/>
+              <a:t>μCOS-III</a:t>
+            </a:r>
+            <a:r>
+              <a:rPr lang="zh-CN" altLang="en-US" sz="2400"/>
+              <a:t>迁移到</a:t>
+            </a:r>
+            <a:r>
+              <a:rPr lang="en-US" altLang="zh-CN" sz="2400"/>
+              <a:t>RT-Thread</a:t>
+            </a:r>
+            <a:r>
+              <a:rPr lang="zh-CN" altLang="en-US" sz="2400"/>
+              <a:t>时，</a:t>
+            </a:r>
+            <a:r>
+              <a:rPr lang="zh-CN" altLang="en-US" sz="2400"/>
+              <a:t>由于</a:t>
+            </a:r>
+            <a:r>
+              <a:rPr lang="en-US" altLang="zh-CN" sz="2400"/>
+              <a:t>μCOS-III</a:t>
+            </a:r>
+            <a:r>
+              <a:rPr lang="zh-CN" altLang="en-US" sz="2400"/>
+              <a:t>的编程经验导致的思维定式引发的错误，这种错误一般很难被发现</a:t>
+            </a:r>
+            <a:endParaRPr lang="zh-CN" altLang="en-US" sz="2400"/>
+          </a:p>
+          <a:p>
+            <a:r>
+              <a:rPr lang="zh-CN" altLang="en-US" sz="2400"/>
+              <a:t>     例如：</a:t>
+            </a:r>
+            <a:r>
+              <a:rPr lang="en-US" altLang="zh-CN" sz="2400"/>
+              <a:t>1.</a:t>
+            </a:r>
+            <a:r>
+              <a:rPr lang="zh-CN" altLang="en-US" sz="2400"/>
+              <a:t>两个操作系统对于任务</a:t>
+            </a:r>
+            <a:r>
+              <a:rPr lang="en-US" altLang="zh-CN" sz="2400"/>
+              <a:t>/</a:t>
+            </a:r>
+            <a:r>
+              <a:rPr lang="zh-CN" altLang="en-US" sz="2400"/>
+              <a:t>线程挂起、解挂函数的区别。</a:t>
+            </a:r>
+            <a:endParaRPr lang="zh-CN" altLang="en-US" sz="2400"/>
+          </a:p>
+          <a:p>
+            <a:r>
+              <a:rPr lang="en-US" altLang="zh-CN" sz="2400"/>
+              <a:t>                     RT-Thread</a:t>
+            </a:r>
+            <a:r>
+              <a:rPr lang="zh-CN" altLang="en-US" sz="2400"/>
+              <a:t>不支持任务嵌套挂起、解挂</a:t>
+            </a:r>
+            <a:endParaRPr lang="zh-CN" altLang="en-US" sz="2400"/>
+          </a:p>
+          <a:p>
+            <a:r>
+              <a:rPr lang="en-US" altLang="zh-CN" sz="2400"/>
+              <a:t>                     μCOS-III</a:t>
+            </a:r>
+            <a:r>
+              <a:rPr lang="zh-CN" altLang="en-US" sz="2400"/>
+              <a:t>支持任务嵌套挂起、解挂</a:t>
+            </a:r>
+            <a:endParaRPr lang="zh-CN" altLang="en-US" sz="2400"/>
+          </a:p>
+          <a:p>
+            <a:r>
+              <a:rPr lang="en-US" altLang="zh-CN" sz="2400"/>
+              <a:t>	     2.</a:t>
+            </a:r>
+            <a:r>
+              <a:rPr lang="zh-CN" altLang="en-US" sz="2400"/>
+              <a:t>两个操作系统软定时器的延时参数</a:t>
+            </a:r>
+            <a:endParaRPr lang="zh-CN" altLang="en-US" sz="2400"/>
+          </a:p>
+          <a:p>
+            <a:r>
+              <a:rPr lang="en-US" altLang="zh-CN" sz="2400"/>
+              <a:t>                  3.任务堆栈的数据类型不同</a:t>
+            </a:r>
+            <a:endParaRPr lang="en-US" altLang="zh-CN" sz="2400"/>
+          </a:p>
+        </p:txBody>
+      </p:sp>
+    </p:spTree>
+  </p:cSld>
+  <p:clrMapOvr>
+    <a:masterClrMapping/>
+  </p:clrMapOvr>
+</p:sld>
+</file>
+
+<file path=ppt/slides/slide13.xml><?xml version="1.0" encoding="utf-8"?>
 <p:sld xmlns:a="http://schemas.openxmlformats.org/drawingml/2006/main" xmlns:r="http://schemas.openxmlformats.org/officeDocument/2006/relationships" xmlns:p="http://schemas.openxmlformats.org/presentationml/2006/main">
   <p:cSld>
     <p:spTree>
@@ -4443,7 +4513,7 @@
 </p:sld>
 </file>
 
-<file path=ppt/slides/slide13.xml><?xml version="1.0" encoding="utf-8"?>
+<file path=ppt/slides/slide14.xml><?xml version="1.0" encoding="utf-8"?>
 <p:sld xmlns:a="http://schemas.openxmlformats.org/drawingml/2006/main" xmlns:r="http://schemas.openxmlformats.org/officeDocument/2006/relationships" xmlns:p="http://schemas.openxmlformats.org/presentationml/2006/main">
   <p:cSld>
     <p:spTree>
@@ -4485,7 +4555,7 @@
 </p:sld>
 </file>
 
-<file path=ppt/slides/slide14.xml><?xml version="1.0" encoding="utf-8"?>
+<file path=ppt/slides/slide15.xml><?xml version="1.0" encoding="utf-8"?>
 <p:sld xmlns:a="http://schemas.openxmlformats.org/drawingml/2006/main" xmlns:r="http://schemas.openxmlformats.org/officeDocument/2006/relationships" xmlns:p="http://schemas.openxmlformats.org/presentationml/2006/main">
   <p:cSld>
     <p:spTree>
@@ -4527,7 +4597,7 @@
 </p:sld>
 </file>
 
-<file path=ppt/slides/slide15.xml><?xml version="1.0" encoding="utf-8"?>
+<file path=ppt/slides/slide16.xml><?xml version="1.0" encoding="utf-8"?>
 <p:sld xmlns:a="http://schemas.openxmlformats.org/drawingml/2006/main" xmlns:r="http://schemas.openxmlformats.org/officeDocument/2006/relationships" xmlns:p="http://schemas.openxmlformats.org/presentationml/2006/main">
   <p:cSld>
     <p:spTree>
@@ -4569,7 +4639,7 @@
 </p:sld>
 </file>
 
-<file path=ppt/slides/slide16.xml><?xml version="1.0" encoding="utf-8"?>
+<file path=ppt/slides/slide17.xml><?xml version="1.0" encoding="utf-8"?>
 <p:sld xmlns:a="http://schemas.openxmlformats.org/drawingml/2006/main" xmlns:r="http://schemas.openxmlformats.org/officeDocument/2006/relationships" xmlns:p="http://schemas.openxmlformats.org/presentationml/2006/main">
   <p:cSld>
     <p:spTree>
@@ -4760,7 +4830,7 @@
 </p:sld>
 </file>
 
-<file path=ppt/slides/slide17.xml><?xml version="1.0" encoding="utf-8"?>
+<file path=ppt/slides/slide18.xml><?xml version="1.0" encoding="utf-8"?>
 <p:sld xmlns:a="http://schemas.openxmlformats.org/drawingml/2006/main" xmlns:r="http://schemas.openxmlformats.org/officeDocument/2006/relationships" xmlns:p="http://schemas.openxmlformats.org/presentationml/2006/main">
   <p:cSld>
     <p:spTree>
@@ -4955,98 +5025,6 @@
 </p:sld>
 </file>
 
-<file path=ppt/slides/slide18.xml><?xml version="1.0" encoding="utf-8"?>
-<p:sld xmlns:a="http://schemas.openxmlformats.org/drawingml/2006/main" xmlns:r="http://schemas.openxmlformats.org/officeDocument/2006/relationships" xmlns:p="http://schemas.openxmlformats.org/presentationml/2006/main">
-  <p:cSld>
-    <p:spTree>
-      <p:nvGrpSpPr>
-        <p:cNvPr id="1" name=""/>
-        <p:cNvGrpSpPr/>
-        <p:nvPr/>
-      </p:nvGrpSpPr>
-      <p:grpSpPr/>
-      <p:sp>
-        <p:nvSpPr>
-          <p:cNvPr id="4" name="文本框 3"/>
-          <p:cNvSpPr txBox="1"/>
-          <p:nvPr/>
-        </p:nvSpPr>
-        <p:spPr>
-          <a:xfrm>
-            <a:off x="287655" y="842645"/>
-            <a:ext cx="10534650" cy="706755"/>
-          </a:xfrm>
-          <a:prstGeom prst="rect">
-            <a:avLst/>
-          </a:prstGeom>
-          <a:noFill/>
-        </p:spPr>
-        <p:txBody>
-          <a:bodyPr wrap="square" rtlCol="0">
-            <a:spAutoFit/>
-          </a:bodyPr>
-          <a:p>
-            <a:r>
-              <a:rPr lang="zh-CN" altLang="en-US" sz="4000"/>
-              <a:t>友情链接：</a:t>
-            </a:r>
-            <a:r>
-              <a:rPr lang="en-US" altLang="zh-CN" sz="4000"/>
-              <a:t>RT-Thread</a:t>
-            </a:r>
-            <a:r>
-              <a:rPr lang="zh-CN" altLang="en-US" sz="4000"/>
-              <a:t>的</a:t>
-            </a:r>
-            <a:r>
-              <a:rPr lang="en-US" altLang="zh-CN" sz="4000"/>
-              <a:t>CMSIS-RTOS</a:t>
-            </a:r>
-            <a:r>
-              <a:rPr lang="zh-CN" altLang="en-US" sz="4000"/>
-              <a:t>接口封装层</a:t>
-            </a:r>
-            <a:endParaRPr lang="zh-CN" altLang="en-US" sz="4000"/>
-          </a:p>
-        </p:txBody>
-      </p:sp>
-      <p:sp>
-        <p:nvSpPr>
-          <p:cNvPr id="5" name="文本框 4"/>
-          <p:cNvSpPr txBox="1"/>
-          <p:nvPr/>
-        </p:nvSpPr>
-        <p:spPr>
-          <a:xfrm>
-            <a:off x="1729105" y="3136900"/>
-            <a:ext cx="8733790" cy="583565"/>
-          </a:xfrm>
-          <a:prstGeom prst="rect">
-            <a:avLst/>
-          </a:prstGeom>
-          <a:noFill/>
-        </p:spPr>
-        <p:txBody>
-          <a:bodyPr wrap="square" rtlCol="0">
-            <a:spAutoFit/>
-          </a:bodyPr>
-          <a:p>
-            <a:r>
-              <a:rPr lang="zh-CN" altLang="en-US" sz="3200"/>
-              <a:t>https://github.com/RT-Thread-packages/CMSIS</a:t>
-            </a:r>
-            <a:endParaRPr lang="zh-CN" altLang="en-US" sz="3200"/>
-          </a:p>
-        </p:txBody>
-      </p:sp>
-    </p:spTree>
-  </p:cSld>
-  <p:clrMapOvr>
-    <a:masterClrMapping/>
-  </p:clrMapOvr>
-</p:sld>
-</file>
-
 <file path=ppt/slides/slide19.xml><?xml version="1.0" encoding="utf-8"?>
 <p:sld xmlns:a="http://schemas.openxmlformats.org/drawingml/2006/main" xmlns:r="http://schemas.openxmlformats.org/officeDocument/2006/relationships" xmlns:p="http://schemas.openxmlformats.org/presentationml/2006/main">
   <p:cSld>
@@ -5059,14 +5037,14 @@
       <p:grpSpPr/>
       <p:sp>
         <p:nvSpPr>
-          <p:cNvPr id="2" name="文本框 1"/>
+          <p:cNvPr id="4" name="文本框 3"/>
           <p:cNvSpPr txBox="1"/>
           <p:nvPr/>
         </p:nvSpPr>
         <p:spPr>
           <a:xfrm>
-            <a:off x="4667250" y="2574290"/>
-            <a:ext cx="2857500" cy="1445260"/>
+            <a:off x="287655" y="842645"/>
+            <a:ext cx="10534650" cy="706755"/>
           </a:xfrm>
           <a:prstGeom prst="rect">
             <a:avLst/>
@@ -5079,23 +5057,39 @@
           </a:bodyPr>
           <a:p>
             <a:r>
-              <a:rPr lang="zh-CN" altLang="en-US" sz="8800"/>
-              <a:t>演示</a:t>
-            </a:r>
-            <a:endParaRPr lang="zh-CN" altLang="en-US" sz="8800"/>
-          </a:p>
-        </p:txBody>
-      </p:sp>
-      <p:sp>
-        <p:nvSpPr>
-          <p:cNvPr id="7" name="文本框 6"/>
+              <a:rPr lang="zh-CN" altLang="en-US" sz="4000"/>
+              <a:t>友情链接：</a:t>
+            </a:r>
+            <a:r>
+              <a:rPr lang="en-US" altLang="zh-CN" sz="4000"/>
+              <a:t>RT-Thread</a:t>
+            </a:r>
+            <a:r>
+              <a:rPr lang="zh-CN" altLang="en-US" sz="4000"/>
+              <a:t>的</a:t>
+            </a:r>
+            <a:r>
+              <a:rPr lang="en-US" altLang="zh-CN" sz="4000"/>
+              <a:t>CMSIS-RTOS</a:t>
+            </a:r>
+            <a:r>
+              <a:rPr lang="zh-CN" altLang="en-US" sz="4000"/>
+              <a:t>接口封装层</a:t>
+            </a:r>
+            <a:endParaRPr lang="zh-CN" altLang="en-US" sz="4000"/>
+          </a:p>
+        </p:txBody>
+      </p:sp>
+      <p:sp>
+        <p:nvSpPr>
+          <p:cNvPr id="5" name="文本框 4"/>
           <p:cNvSpPr txBox="1"/>
           <p:nvPr/>
         </p:nvSpPr>
         <p:spPr>
           <a:xfrm>
-            <a:off x="124460" y="107950"/>
-            <a:ext cx="6961505" cy="368300"/>
+            <a:off x="1729105" y="3136900"/>
+            <a:ext cx="8733790" cy="583565"/>
           </a:xfrm>
           <a:prstGeom prst="rect">
             <a:avLst/>
@@ -5103,67 +5097,15 @@
           <a:noFill/>
         </p:spPr>
         <p:txBody>
-          <a:bodyPr wrap="square" rtlCol="0" anchor="t">
+          <a:bodyPr wrap="square" rtlCol="0">
             <a:spAutoFit/>
           </a:bodyPr>
           <a:p>
             <a:r>
-              <a:rPr lang="zh-CN" altLang="en-US">
-                <a:solidFill>
-                  <a:schemeClr val="tx1"/>
-                </a:solidFill>
-                <a:uFillTx/>
-                <a:latin typeface="Times New Roman" panose="02020603050405020304" charset="0"/>
-              </a:rPr>
-              <a:t>https://</a:t>
-            </a:r>
-            <a:r>
-              <a:rPr lang="en-US" altLang="zh-CN">
-                <a:solidFill>
-                  <a:schemeClr val="tx1"/>
-                </a:solidFill>
-                <a:uFillTx/>
-                <a:latin typeface="Times New Roman" panose="02020603050405020304" charset="0"/>
-              </a:rPr>
-              <a:t>www.</a:t>
-            </a:r>
-            <a:r>
-              <a:rPr lang="zh-CN" altLang="en-US">
-                <a:solidFill>
-                  <a:schemeClr val="tx1"/>
-                </a:solidFill>
-                <a:uFillTx/>
-                <a:latin typeface="Times New Roman" panose="02020603050405020304" charset="0"/>
-              </a:rPr>
-              <a:t>github.</a:t>
-            </a:r>
-            <a:r>
-              <a:rPr lang="en-US" altLang="zh-CN">
-                <a:solidFill>
-                  <a:schemeClr val="tx1"/>
-                </a:solidFill>
-                <a:uFillTx/>
-                <a:latin typeface="Times New Roman" panose="02020603050405020304" charset="0"/>
-              </a:rPr>
-              <a:t>com</a:t>
-            </a:r>
-            <a:r>
-              <a:rPr lang="zh-CN" altLang="en-US">
-                <a:solidFill>
-                  <a:schemeClr val="tx1"/>
-                </a:solidFill>
-                <a:uFillTx/>
-                <a:latin typeface="Times New Roman" panose="02020603050405020304" charset="0"/>
-              </a:rPr>
-              <a:t>/mysterywolf/RT-Thread-wrapper-of-uCOS-III</a:t>
-            </a:r>
-            <a:endParaRPr lang="zh-CN" altLang="en-US">
-              <a:solidFill>
-                <a:schemeClr val="tx1"/>
-              </a:solidFill>
-              <a:uFillTx/>
-              <a:latin typeface="Times New Roman" panose="02020603050405020304" charset="0"/>
-            </a:endParaRPr>
+              <a:rPr lang="zh-CN" altLang="en-US" sz="3200"/>
+              <a:t>https://github.com/RT-Thread-packages/CMSIS</a:t>
+            </a:r>
+            <a:endParaRPr lang="zh-CN" altLang="en-US" sz="3200"/>
           </a:p>
         </p:txBody>
       </p:sp>
@@ -5187,6 +5129,329 @@
       <p:grpSpPr/>
       <p:sp>
         <p:nvSpPr>
+          <p:cNvPr id="4" name="文本框 3"/>
+          <p:cNvSpPr txBox="1"/>
+          <p:nvPr/>
+        </p:nvSpPr>
+        <p:spPr>
+          <a:xfrm>
+            <a:off x="2654935" y="1122680"/>
+            <a:ext cx="6882765" cy="1198880"/>
+          </a:xfrm>
+          <a:prstGeom prst="rect">
+            <a:avLst/>
+          </a:prstGeom>
+          <a:noFill/>
+        </p:spPr>
+        <p:txBody>
+          <a:bodyPr wrap="square" rtlCol="0" anchor="t">
+            <a:spAutoFit/>
+          </a:bodyPr>
+          <a:p>
+            <a:r>
+              <a:rPr lang="zh-CN" altLang="en-US" sz="7200"/>
+              <a:t>μCOS-III Wrapper</a:t>
+            </a:r>
+            <a:endParaRPr lang="zh-CN" altLang="en-US" sz="7200"/>
+          </a:p>
+        </p:txBody>
+      </p:sp>
+      <p:sp>
+        <p:nvSpPr>
+          <p:cNvPr id="5" name="文本框 4"/>
+          <p:cNvSpPr txBox="1"/>
+          <p:nvPr/>
+        </p:nvSpPr>
+        <p:spPr>
+          <a:xfrm>
+            <a:off x="1806575" y="3075940"/>
+            <a:ext cx="8578850" cy="706755"/>
+          </a:xfrm>
+          <a:prstGeom prst="rect">
+            <a:avLst/>
+          </a:prstGeom>
+          <a:noFill/>
+        </p:spPr>
+        <p:txBody>
+          <a:bodyPr wrap="square" rtlCol="0" anchor="t">
+            <a:spAutoFit/>
+          </a:bodyPr>
+          <a:p>
+            <a:pPr algn="ctr"/>
+            <a:r>
+              <a:rPr lang="zh-CN" altLang="en-US" sz="4000"/>
+              <a:t>RT-Thread操作系统的μC/OS-III兼容层</a:t>
+            </a:r>
+            <a:endParaRPr lang="zh-CN" altLang="en-US" sz="4000"/>
+          </a:p>
+        </p:txBody>
+      </p:sp>
+      <p:sp>
+        <p:nvSpPr>
+          <p:cNvPr id="6" name="文本框 5"/>
+          <p:cNvSpPr txBox="1"/>
+          <p:nvPr/>
+        </p:nvSpPr>
+        <p:spPr>
+          <a:xfrm>
+            <a:off x="9537700" y="4799330"/>
+            <a:ext cx="1649095" cy="829945"/>
+          </a:xfrm>
+          <a:prstGeom prst="rect">
+            <a:avLst/>
+          </a:prstGeom>
+          <a:noFill/>
+        </p:spPr>
+        <p:txBody>
+          <a:bodyPr wrap="square" rtlCol="0">
+            <a:spAutoFit/>
+          </a:bodyPr>
+          <a:p>
+            <a:pPr algn="ctr"/>
+            <a:r>
+              <a:rPr lang="zh-CN" altLang="zh-CN" sz="2400"/>
+              <a:t>满鉴霆</a:t>
+            </a:r>
+            <a:endParaRPr lang="en-US" altLang="zh-CN" sz="2400"/>
+          </a:p>
+          <a:p>
+            <a:r>
+              <a:rPr lang="en-US" altLang="zh-CN" sz="2400"/>
+              <a:t>Meco Man</a:t>
+            </a:r>
+            <a:endParaRPr lang="en-US" altLang="zh-CN" sz="2400"/>
+          </a:p>
+        </p:txBody>
+      </p:sp>
+      <p:sp>
+        <p:nvSpPr>
+          <p:cNvPr id="7" name="文本框 6"/>
+          <p:cNvSpPr txBox="1"/>
+          <p:nvPr/>
+        </p:nvSpPr>
+        <p:spPr>
+          <a:xfrm>
+            <a:off x="124460" y="107950"/>
+            <a:ext cx="6961505" cy="368300"/>
+          </a:xfrm>
+          <a:prstGeom prst="rect">
+            <a:avLst/>
+          </a:prstGeom>
+          <a:noFill/>
+        </p:spPr>
+        <p:txBody>
+          <a:bodyPr wrap="square" rtlCol="0" anchor="t">
+            <a:spAutoFit/>
+          </a:bodyPr>
+          <a:p>
+            <a:r>
+              <a:rPr lang="zh-CN" altLang="en-US">
+                <a:solidFill>
+                  <a:schemeClr val="tx1"/>
+                </a:solidFill>
+                <a:uFillTx/>
+                <a:latin typeface="Times New Roman" panose="02020603050405020304" charset="0"/>
+              </a:rPr>
+              <a:t>https://</a:t>
+            </a:r>
+            <a:r>
+              <a:rPr lang="en-US" altLang="zh-CN">
+                <a:solidFill>
+                  <a:schemeClr val="tx1"/>
+                </a:solidFill>
+                <a:uFillTx/>
+                <a:latin typeface="Times New Roman" panose="02020603050405020304" charset="0"/>
+              </a:rPr>
+              <a:t>www.</a:t>
+            </a:r>
+            <a:r>
+              <a:rPr lang="zh-CN" altLang="en-US">
+                <a:solidFill>
+                  <a:schemeClr val="tx1"/>
+                </a:solidFill>
+                <a:uFillTx/>
+                <a:latin typeface="Times New Roman" panose="02020603050405020304" charset="0"/>
+              </a:rPr>
+              <a:t>github.</a:t>
+            </a:r>
+            <a:r>
+              <a:rPr lang="en-US" altLang="zh-CN">
+                <a:solidFill>
+                  <a:schemeClr val="tx1"/>
+                </a:solidFill>
+                <a:uFillTx/>
+                <a:latin typeface="Times New Roman" panose="02020603050405020304" charset="0"/>
+              </a:rPr>
+              <a:t>com</a:t>
+            </a:r>
+            <a:r>
+              <a:rPr lang="zh-CN" altLang="en-US">
+                <a:solidFill>
+                  <a:schemeClr val="tx1"/>
+                </a:solidFill>
+                <a:uFillTx/>
+                <a:latin typeface="Times New Roman" panose="02020603050405020304" charset="0"/>
+              </a:rPr>
+              <a:t>/mysterywolf/RT-Thread-wrapper-of-uCOS-III</a:t>
+            </a:r>
+            <a:endParaRPr lang="zh-CN" altLang="en-US">
+              <a:solidFill>
+                <a:schemeClr val="tx1"/>
+              </a:solidFill>
+              <a:uFillTx/>
+              <a:latin typeface="Times New Roman" panose="02020603050405020304" charset="0"/>
+            </a:endParaRPr>
+          </a:p>
+        </p:txBody>
+      </p:sp>
+    </p:spTree>
+  </p:cSld>
+  <p:clrMapOvr>
+    <a:masterClrMapping/>
+  </p:clrMapOvr>
+</p:sld>
+</file>
+
+<file path=ppt/slides/slide20.xml><?xml version="1.0" encoding="utf-8"?>
+<p:sld xmlns:a="http://schemas.openxmlformats.org/drawingml/2006/main" xmlns:r="http://schemas.openxmlformats.org/officeDocument/2006/relationships" xmlns:p="http://schemas.openxmlformats.org/presentationml/2006/main">
+  <p:cSld>
+    <p:spTree>
+      <p:nvGrpSpPr>
+        <p:cNvPr id="1" name=""/>
+        <p:cNvGrpSpPr/>
+        <p:nvPr/>
+      </p:nvGrpSpPr>
+      <p:grpSpPr/>
+      <p:sp>
+        <p:nvSpPr>
+          <p:cNvPr id="2" name="文本框 1"/>
+          <p:cNvSpPr txBox="1"/>
+          <p:nvPr/>
+        </p:nvSpPr>
+        <p:spPr>
+          <a:xfrm>
+            <a:off x="4667250" y="2574290"/>
+            <a:ext cx="2857500" cy="1445260"/>
+          </a:xfrm>
+          <a:prstGeom prst="rect">
+            <a:avLst/>
+          </a:prstGeom>
+          <a:noFill/>
+        </p:spPr>
+        <p:txBody>
+          <a:bodyPr wrap="square" rtlCol="0">
+            <a:spAutoFit/>
+          </a:bodyPr>
+          <a:p>
+            <a:r>
+              <a:rPr lang="zh-CN" altLang="en-US" sz="8800"/>
+              <a:t>演示</a:t>
+            </a:r>
+            <a:endParaRPr lang="zh-CN" altLang="en-US" sz="8800"/>
+          </a:p>
+        </p:txBody>
+      </p:sp>
+      <p:sp>
+        <p:nvSpPr>
+          <p:cNvPr id="7" name="文本框 6"/>
+          <p:cNvSpPr txBox="1"/>
+          <p:nvPr/>
+        </p:nvSpPr>
+        <p:spPr>
+          <a:xfrm>
+            <a:off x="124460" y="107950"/>
+            <a:ext cx="6961505" cy="368300"/>
+          </a:xfrm>
+          <a:prstGeom prst="rect">
+            <a:avLst/>
+          </a:prstGeom>
+          <a:noFill/>
+        </p:spPr>
+        <p:txBody>
+          <a:bodyPr wrap="square" rtlCol="0" anchor="t">
+            <a:spAutoFit/>
+          </a:bodyPr>
+          <a:p>
+            <a:r>
+              <a:rPr lang="zh-CN" altLang="en-US">
+                <a:solidFill>
+                  <a:schemeClr val="tx1"/>
+                </a:solidFill>
+                <a:uFillTx/>
+                <a:latin typeface="Times New Roman" panose="02020603050405020304" charset="0"/>
+              </a:rPr>
+              <a:t>https://</a:t>
+            </a:r>
+            <a:r>
+              <a:rPr lang="en-US" altLang="zh-CN">
+                <a:solidFill>
+                  <a:schemeClr val="tx1"/>
+                </a:solidFill>
+                <a:uFillTx/>
+                <a:latin typeface="Times New Roman" panose="02020603050405020304" charset="0"/>
+              </a:rPr>
+              <a:t>www.</a:t>
+            </a:r>
+            <a:r>
+              <a:rPr lang="zh-CN" altLang="en-US">
+                <a:solidFill>
+                  <a:schemeClr val="tx1"/>
+                </a:solidFill>
+                <a:uFillTx/>
+                <a:latin typeface="Times New Roman" panose="02020603050405020304" charset="0"/>
+              </a:rPr>
+              <a:t>github.</a:t>
+            </a:r>
+            <a:r>
+              <a:rPr lang="en-US" altLang="zh-CN">
+                <a:solidFill>
+                  <a:schemeClr val="tx1"/>
+                </a:solidFill>
+                <a:uFillTx/>
+                <a:latin typeface="Times New Roman" panose="02020603050405020304" charset="0"/>
+              </a:rPr>
+              <a:t>com</a:t>
+            </a:r>
+            <a:r>
+              <a:rPr lang="zh-CN" altLang="en-US">
+                <a:solidFill>
+                  <a:schemeClr val="tx1"/>
+                </a:solidFill>
+                <a:uFillTx/>
+                <a:latin typeface="Times New Roman" panose="02020603050405020304" charset="0"/>
+              </a:rPr>
+              <a:t>/mysterywolf/RT-Thread-wrapper-of-uCOS-III</a:t>
+            </a:r>
+            <a:endParaRPr lang="zh-CN" altLang="en-US">
+              <a:solidFill>
+                <a:schemeClr val="tx1"/>
+              </a:solidFill>
+              <a:uFillTx/>
+              <a:latin typeface="Times New Roman" panose="02020603050405020304" charset="0"/>
+            </a:endParaRPr>
+          </a:p>
+        </p:txBody>
+      </p:sp>
+    </p:spTree>
+  </p:cSld>
+  <p:clrMapOvr>
+    <a:masterClrMapping/>
+  </p:clrMapOvr>
+</p:sld>
+</file>
+
+<file path=ppt/slides/slide3.xml><?xml version="1.0" encoding="utf-8"?>
+<p:sld xmlns:a="http://schemas.openxmlformats.org/drawingml/2006/main" xmlns:r="http://schemas.openxmlformats.org/officeDocument/2006/relationships" xmlns:p="http://schemas.openxmlformats.org/presentationml/2006/main">
+  <p:cSld>
+    <p:spTree>
+      <p:nvGrpSpPr>
+        <p:cNvPr id="1" name=""/>
+        <p:cNvGrpSpPr/>
+        <p:nvPr/>
+      </p:nvGrpSpPr>
+      <p:grpSpPr/>
+      <p:sp>
+        <p:nvSpPr>
           <p:cNvPr id="7" name="文本框 6"/>
           <p:cNvSpPr txBox="1"/>
           <p:nvPr/>
@@ -5371,7 +5636,7 @@
 </p:sld>
 </file>
 
-<file path=ppt/slides/slide3.xml><?xml version="1.0" encoding="utf-8"?>
+<file path=ppt/slides/slide4.xml><?xml version="1.0" encoding="utf-8"?>
 <p:sld xmlns:a="http://schemas.openxmlformats.org/drawingml/2006/main" xmlns:r="http://schemas.openxmlformats.org/officeDocument/2006/relationships" xmlns:p="http://schemas.openxmlformats.org/presentationml/2006/main">
   <p:cSld>
     <p:spTree>
@@ -5579,7 +5844,7 @@
 </p:sld>
 </file>
 
-<file path=ppt/slides/slide4.xml><?xml version="1.0" encoding="utf-8"?>
+<file path=ppt/slides/slide5.xml><?xml version="1.0" encoding="utf-8"?>
 <p:sld xmlns:a="http://schemas.openxmlformats.org/drawingml/2006/main" xmlns:r="http://schemas.openxmlformats.org/officeDocument/2006/relationships" xmlns:p="http://schemas.openxmlformats.org/presentationml/2006/main">
   <p:cSld>
     <p:spTree>
@@ -5803,289 +6068,6 @@
 </p:sld>
 </file>
 
-<file path=ppt/slides/slide5.xml><?xml version="1.0" encoding="utf-8"?>
-<p:sld xmlns:a="http://schemas.openxmlformats.org/drawingml/2006/main" xmlns:r="http://schemas.openxmlformats.org/officeDocument/2006/relationships" xmlns:p="http://schemas.openxmlformats.org/presentationml/2006/main">
-  <p:cSld>
-    <p:spTree>
-      <p:nvGrpSpPr>
-        <p:cNvPr id="1" name=""/>
-        <p:cNvGrpSpPr/>
-        <p:nvPr/>
-      </p:nvGrpSpPr>
-      <p:grpSpPr/>
-      <p:sp>
-        <p:nvSpPr>
-          <p:cNvPr id="4" name="文本框 3"/>
-          <p:cNvSpPr txBox="1"/>
-          <p:nvPr/>
-        </p:nvSpPr>
-        <p:spPr>
-          <a:xfrm>
-            <a:off x="2654935" y="975995"/>
-            <a:ext cx="6882765" cy="1198880"/>
-          </a:xfrm>
-          <a:prstGeom prst="rect">
-            <a:avLst/>
-          </a:prstGeom>
-          <a:noFill/>
-        </p:spPr>
-        <p:txBody>
-          <a:bodyPr wrap="square" rtlCol="0" anchor="t">
-            <a:spAutoFit/>
-          </a:bodyPr>
-          <a:p>
-            <a:r>
-              <a:rPr lang="zh-CN" altLang="en-US" sz="7200"/>
-              <a:t>μCOS-III Wrapper</a:t>
-            </a:r>
-            <a:endParaRPr lang="zh-CN" altLang="en-US" sz="7200"/>
-          </a:p>
-        </p:txBody>
-      </p:sp>
-      <p:sp>
-        <p:nvSpPr>
-          <p:cNvPr id="5" name="文本框 4"/>
-          <p:cNvSpPr txBox="1"/>
-          <p:nvPr/>
-        </p:nvSpPr>
-        <p:spPr>
-          <a:xfrm>
-            <a:off x="1806575" y="2413000"/>
-            <a:ext cx="8578850" cy="706755"/>
-          </a:xfrm>
-          <a:prstGeom prst="rect">
-            <a:avLst/>
-          </a:prstGeom>
-          <a:noFill/>
-        </p:spPr>
-        <p:txBody>
-          <a:bodyPr wrap="square" rtlCol="0" anchor="t">
-            <a:spAutoFit/>
-          </a:bodyPr>
-          <a:p>
-            <a:pPr algn="ctr"/>
-            <a:r>
-              <a:rPr lang="zh-CN" altLang="en-US" sz="4000"/>
-              <a:t>RT-Thread操作系统的μC/OS-III兼容层</a:t>
-            </a:r>
-            <a:endParaRPr lang="zh-CN" altLang="en-US" sz="4000"/>
-          </a:p>
-        </p:txBody>
-      </p:sp>
-      <p:sp>
-        <p:nvSpPr>
-          <p:cNvPr id="7" name="文本框 6"/>
-          <p:cNvSpPr txBox="1"/>
-          <p:nvPr/>
-        </p:nvSpPr>
-        <p:spPr>
-          <a:xfrm>
-            <a:off x="124460" y="107950"/>
-            <a:ext cx="6961505" cy="368300"/>
-          </a:xfrm>
-          <a:prstGeom prst="rect">
-            <a:avLst/>
-          </a:prstGeom>
-          <a:noFill/>
-        </p:spPr>
-        <p:txBody>
-          <a:bodyPr wrap="square" rtlCol="0" anchor="t">
-            <a:spAutoFit/>
-          </a:bodyPr>
-          <a:p>
-            <a:r>
-              <a:rPr lang="zh-CN" altLang="en-US">
-                <a:solidFill>
-                  <a:schemeClr val="tx1"/>
-                </a:solidFill>
-                <a:uFillTx/>
-                <a:latin typeface="Times New Roman" panose="02020603050405020304" charset="0"/>
-              </a:rPr>
-              <a:t>https://</a:t>
-            </a:r>
-            <a:r>
-              <a:rPr lang="en-US" altLang="zh-CN">
-                <a:solidFill>
-                  <a:schemeClr val="tx1"/>
-                </a:solidFill>
-                <a:uFillTx/>
-                <a:latin typeface="Times New Roman" panose="02020603050405020304" charset="0"/>
-              </a:rPr>
-              <a:t>www.</a:t>
-            </a:r>
-            <a:r>
-              <a:rPr lang="zh-CN" altLang="en-US">
-                <a:solidFill>
-                  <a:schemeClr val="tx1"/>
-                </a:solidFill>
-                <a:uFillTx/>
-                <a:latin typeface="Times New Roman" panose="02020603050405020304" charset="0"/>
-              </a:rPr>
-              <a:t>github.</a:t>
-            </a:r>
-            <a:r>
-              <a:rPr lang="en-US" altLang="zh-CN">
-                <a:solidFill>
-                  <a:schemeClr val="tx1"/>
-                </a:solidFill>
-                <a:uFillTx/>
-                <a:latin typeface="Times New Roman" panose="02020603050405020304" charset="0"/>
-              </a:rPr>
-              <a:t>com</a:t>
-            </a:r>
-            <a:r>
-              <a:rPr lang="zh-CN" altLang="en-US">
-                <a:solidFill>
-                  <a:schemeClr val="tx1"/>
-                </a:solidFill>
-                <a:uFillTx/>
-                <a:latin typeface="Times New Roman" panose="02020603050405020304" charset="0"/>
-              </a:rPr>
-              <a:t>/mysterywolf/RT-Thread-wrapper-of-uCOS-III</a:t>
-            </a:r>
-            <a:endParaRPr lang="zh-CN" altLang="en-US">
-              <a:solidFill>
-                <a:schemeClr val="tx1"/>
-              </a:solidFill>
-              <a:uFillTx/>
-              <a:latin typeface="Times New Roman" panose="02020603050405020304" charset="0"/>
-            </a:endParaRPr>
-          </a:p>
-        </p:txBody>
-      </p:sp>
-      <p:sp>
-        <p:nvSpPr>
-          <p:cNvPr id="2" name="文本框 1"/>
-          <p:cNvSpPr txBox="1"/>
-          <p:nvPr/>
-        </p:nvSpPr>
-        <p:spPr>
-          <a:xfrm>
-            <a:off x="575945" y="3900170"/>
-            <a:ext cx="11355070" cy="583565"/>
-          </a:xfrm>
-          <a:prstGeom prst="rect">
-            <a:avLst/>
-          </a:prstGeom>
-          <a:noFill/>
-        </p:spPr>
-        <p:txBody>
-          <a:bodyPr wrap="square" rtlCol="0">
-            <a:spAutoFit/>
-          </a:bodyPr>
-          <a:p>
-            <a:r>
-              <a:rPr lang="zh-CN" altLang="en-US" sz="3200"/>
-              <a:t>让基于</a:t>
-            </a:r>
-            <a:r>
-              <a:rPr lang="zh-CN" altLang="en-US" sz="3200">
-                <a:sym typeface="+mn-ea"/>
-              </a:rPr>
-              <a:t>μC/OS-III开发的</a:t>
-            </a:r>
-            <a:r>
-              <a:rPr lang="zh-CN" altLang="en-US" sz="3200"/>
-              <a:t>应用层</a:t>
-            </a:r>
-            <a:r>
-              <a:rPr lang="zh-CN" altLang="en-US" sz="3200">
-                <a:solidFill>
-                  <a:srgbClr val="FF0000"/>
-                </a:solidFill>
-              </a:rPr>
-              <a:t>无感</a:t>
-            </a:r>
-            <a:r>
-              <a:rPr lang="zh-CN" altLang="en-US" sz="3200"/>
-              <a:t>地迁移到</a:t>
-            </a:r>
-            <a:r>
-              <a:rPr lang="en-US" altLang="zh-CN" sz="3200"/>
-              <a:t>RT-Thread</a:t>
-            </a:r>
-            <a:r>
-              <a:rPr lang="zh-CN" altLang="en-US" sz="3200"/>
-              <a:t>操作系统</a:t>
-            </a:r>
-            <a:endParaRPr lang="zh-CN" altLang="en-US" sz="3200"/>
-          </a:p>
-        </p:txBody>
-      </p:sp>
-      <p:sp>
-        <p:nvSpPr>
-          <p:cNvPr id="3" name="文本框 2"/>
-          <p:cNvSpPr txBox="1"/>
-          <p:nvPr/>
-        </p:nvSpPr>
-        <p:spPr>
-          <a:xfrm>
-            <a:off x="738505" y="4772025"/>
-            <a:ext cx="10977245" cy="1076325"/>
-          </a:xfrm>
-          <a:prstGeom prst="rect">
-            <a:avLst/>
-          </a:prstGeom>
-          <a:noFill/>
-        </p:spPr>
-        <p:txBody>
-          <a:bodyPr wrap="square" rtlCol="0">
-            <a:spAutoFit/>
-          </a:bodyPr>
-          <a:p>
-            <a:pPr algn="ctr"/>
-            <a:r>
-              <a:rPr lang="zh-CN" altLang="en-US" sz="3200"/>
-              <a:t>在兼容层的设计、编写上尊重原版</a:t>
-            </a:r>
-            <a:r>
-              <a:rPr lang="en-US" altLang="zh-CN" sz="3200"/>
-              <a:t>μC/OS-III</a:t>
-            </a:r>
-            <a:r>
-              <a:rPr lang="zh-CN" altLang="zh-CN" sz="3200"/>
-              <a:t>，</a:t>
-            </a:r>
-            <a:endParaRPr lang="zh-CN" altLang="zh-CN" sz="3200"/>
-          </a:p>
-          <a:p>
-            <a:pPr algn="ctr"/>
-            <a:r>
-              <a:rPr lang="zh-CN" altLang="zh-CN" sz="3200"/>
-              <a:t>保证原版</a:t>
-            </a:r>
-            <a:r>
-              <a:rPr lang="en-US" altLang="zh-CN" sz="3200"/>
-              <a:t>μC/OS-III</a:t>
-            </a:r>
-            <a:r>
-              <a:rPr lang="zh-CN" altLang="en-US" sz="3200"/>
-              <a:t>的</a:t>
-            </a:r>
-            <a:r>
-              <a:rPr lang="zh-CN" altLang="en-US" sz="3200">
-                <a:solidFill>
-                  <a:srgbClr val="FF0000"/>
-                </a:solidFill>
-              </a:rPr>
-              <a:t>原汁原味</a:t>
-            </a:r>
-            <a:endParaRPr lang="zh-CN" altLang="en-US" sz="3200">
-              <a:solidFill>
-                <a:srgbClr val="FF0000"/>
-              </a:solidFill>
-            </a:endParaRPr>
-          </a:p>
-        </p:txBody>
-      </p:sp>
-    </p:spTree>
-  </p:cSld>
-  <p:clrMapOvr>
-    <a:masterClrMapping/>
-  </p:clrMapOvr>
-</p:sld>
-</file>
-
 <file path=ppt/slides/slide6.xml><?xml version="1.0" encoding="utf-8"?>
 <p:sld xmlns:a="http://schemas.openxmlformats.org/drawingml/2006/main" xmlns:r="http://schemas.openxmlformats.org/officeDocument/2006/relationships" xmlns:p="http://schemas.openxmlformats.org/presentationml/2006/main">
   <p:cSld>
@@ -6098,6 +6080,65 @@
       <p:grpSpPr/>
       <p:sp>
         <p:nvSpPr>
+          <p:cNvPr id="4" name="文本框 3"/>
+          <p:cNvSpPr txBox="1"/>
+          <p:nvPr/>
+        </p:nvSpPr>
+        <p:spPr>
+          <a:xfrm>
+            <a:off x="2654935" y="975995"/>
+            <a:ext cx="6882765" cy="1198880"/>
+          </a:xfrm>
+          <a:prstGeom prst="rect">
+            <a:avLst/>
+          </a:prstGeom>
+          <a:noFill/>
+        </p:spPr>
+        <p:txBody>
+          <a:bodyPr wrap="square" rtlCol="0" anchor="t">
+            <a:spAutoFit/>
+          </a:bodyPr>
+          <a:p>
+            <a:r>
+              <a:rPr lang="zh-CN" altLang="en-US" sz="7200"/>
+              <a:t>μCOS-III Wrapper</a:t>
+            </a:r>
+            <a:endParaRPr lang="zh-CN" altLang="en-US" sz="7200"/>
+          </a:p>
+        </p:txBody>
+      </p:sp>
+      <p:sp>
+        <p:nvSpPr>
+          <p:cNvPr id="5" name="文本框 4"/>
+          <p:cNvSpPr txBox="1"/>
+          <p:nvPr/>
+        </p:nvSpPr>
+        <p:spPr>
+          <a:xfrm>
+            <a:off x="1806575" y="2413000"/>
+            <a:ext cx="8578850" cy="706755"/>
+          </a:xfrm>
+          <a:prstGeom prst="rect">
+            <a:avLst/>
+          </a:prstGeom>
+          <a:noFill/>
+        </p:spPr>
+        <p:txBody>
+          <a:bodyPr wrap="square" rtlCol="0" anchor="t">
+            <a:spAutoFit/>
+          </a:bodyPr>
+          <a:p>
+            <a:pPr algn="ctr"/>
+            <a:r>
+              <a:rPr lang="zh-CN" altLang="en-US" sz="4000"/>
+              <a:t>RT-Thread操作系统的μC/OS-III兼容层</a:t>
+            </a:r>
+            <a:endParaRPr lang="zh-CN" altLang="en-US" sz="4000"/>
+          </a:p>
+        </p:txBody>
+      </p:sp>
+      <p:sp>
+        <p:nvSpPr>
           <p:cNvPr id="7" name="文本框 6"/>
           <p:cNvSpPr txBox="1"/>
           <p:nvPr/>
@@ -6179,14 +6220,14 @@
       </p:sp>
       <p:sp>
         <p:nvSpPr>
-          <p:cNvPr id="4" name="文本框 3"/>
+          <p:cNvPr id="2" name="文本框 1"/>
           <p:cNvSpPr txBox="1"/>
           <p:nvPr/>
         </p:nvSpPr>
         <p:spPr>
           <a:xfrm>
-            <a:off x="3089275" y="1083945"/>
-            <a:ext cx="5782310" cy="1322070"/>
+            <a:off x="575945" y="3900170"/>
+            <a:ext cx="11355070" cy="583565"/>
           </a:xfrm>
           <a:prstGeom prst="rect">
             <a:avLst/>
@@ -6194,21 +6235,43 @@
           <a:noFill/>
         </p:spPr>
         <p:txBody>
-          <a:bodyPr wrap="square" rtlCol="0" anchor="t">
+          <a:bodyPr wrap="square" rtlCol="0">
             <a:spAutoFit/>
           </a:bodyPr>
           <a:p>
             <a:r>
               <a:rPr lang="zh-CN" altLang="en-US" sz="3200"/>
-              <a:t>没有实现兼容的API：仅</a:t>
-            </a:r>
-            <a:r>
-              <a:rPr lang="en-US" altLang="zh-CN" sz="8000"/>
-              <a:t>1</a:t>
+              <a:t>让基于</a:t>
+            </a:r>
+            <a:r>
+              <a:rPr lang="zh-CN" altLang="en-US" sz="3200">
+                <a:sym typeface="+mn-ea"/>
+              </a:rPr>
+              <a:t>μC/OS-III开发的</a:t>
             </a:r>
             <a:r>
               <a:rPr lang="zh-CN" altLang="en-US" sz="3200"/>
-              <a:t>个</a:t>
+              <a:t>应用层</a:t>
+            </a:r>
+            <a:r>
+              <a:rPr lang="zh-CN" altLang="en-US" sz="3200">
+                <a:solidFill>
+                  <a:srgbClr val="FF0000"/>
+                </a:solidFill>
+              </a:rPr>
+              <a:t>无感</a:t>
+            </a:r>
+            <a:r>
+              <a:rPr lang="zh-CN" altLang="en-US" sz="3200"/>
+              <a:t>地迁移到</a:t>
+            </a:r>
+            <a:r>
+              <a:rPr lang="en-US" altLang="zh-CN" sz="3200"/>
+              <a:t>RT-Thread</a:t>
+            </a:r>
+            <a:r>
+              <a:rPr lang="zh-CN" altLang="en-US" sz="3200"/>
+              <a:t>操作系统</a:t>
             </a:r>
             <a:endParaRPr lang="zh-CN" altLang="en-US" sz="3200"/>
           </a:p>
@@ -6216,14 +6279,14 @@
       </p:sp>
       <p:sp>
         <p:nvSpPr>
-          <p:cNvPr id="5" name="文本框 4"/>
+          <p:cNvPr id="3" name="文本框 2"/>
           <p:cNvSpPr txBox="1"/>
           <p:nvPr/>
         </p:nvSpPr>
         <p:spPr>
           <a:xfrm>
-            <a:off x="426720" y="2701290"/>
-            <a:ext cx="11339195" cy="460375"/>
+            <a:off x="738505" y="4772025"/>
+            <a:ext cx="10977245" cy="1076325"/>
           </a:xfrm>
           <a:prstGeom prst="rect">
             <a:avLst/>
@@ -6231,80 +6294,52 @@
           <a:noFill/>
         </p:spPr>
         <p:txBody>
-          <a:bodyPr wrap="square" rtlCol="0" anchor="t">
-            <a:spAutoFit/>
-          </a:bodyPr>
-          <a:p>
-            <a:r>
-              <a:rPr lang="zh-CN" altLang="en-US" sz="2400"/>
-              <a:t>void  OSTaskTimeQuantaSet (OS_TCB *p_tcb, OS_TICK time_quanta, OS_ERR *p_err);</a:t>
-            </a:r>
-            <a:endParaRPr lang="zh-CN" altLang="en-US" sz="2400"/>
-          </a:p>
-        </p:txBody>
-      </p:sp>
-      <p:sp>
-        <p:nvSpPr>
-          <p:cNvPr id="2" name="文本框 1"/>
-          <p:cNvSpPr txBox="1"/>
-          <p:nvPr/>
-        </p:nvSpPr>
-        <p:spPr>
-          <a:xfrm>
-            <a:off x="608330" y="4629150"/>
-            <a:ext cx="10974070" cy="829945"/>
-          </a:xfrm>
-          <a:prstGeom prst="rect">
-            <a:avLst/>
-          </a:prstGeom>
-          <a:noFill/>
-        </p:spPr>
-        <p:txBody>
           <a:bodyPr wrap="square" rtlCol="0">
             <a:spAutoFit/>
           </a:bodyPr>
           <a:p>
-            <a:r>
-              <a:rPr lang="zh-CN" altLang="en-US" sz="2800"/>
-              <a:t>在</a:t>
-            </a:r>
-            <a:r>
-              <a:rPr lang="en-US" altLang="zh-CN" sz="2800"/>
-              <a:t>3.03.00</a:t>
-            </a:r>
-            <a:r>
-              <a:rPr lang="zh-CN" altLang="en-US" sz="2800"/>
-              <a:t>基础上</a:t>
-            </a:r>
-            <a:r>
-              <a:rPr lang="zh-CN" altLang="en-US" sz="2800"/>
-              <a:t>，实现</a:t>
-            </a:r>
-            <a:r>
-              <a:rPr lang="en-US" altLang="zh-CN" sz="2800"/>
-              <a:t>μ</a:t>
-            </a:r>
-            <a:r>
-              <a:rPr lang="en-US" altLang="zh-CN" sz="2800"/>
-              <a:t>COS-III</a:t>
-            </a:r>
-            <a:r>
-              <a:rPr lang="zh-CN" altLang="en-US" sz="4800"/>
-              <a:t>全版本兼容</a:t>
-            </a:r>
-            <a:r>
-              <a:rPr lang="zh-CN" altLang="en-US" sz="2800"/>
-              <a:t>（</a:t>
-            </a:r>
-            <a:r>
-              <a:rPr lang="en-US" altLang="zh-CN" sz="2800"/>
-              <a:t>3.00.00-3.08.00</a:t>
-            </a:r>
-            <a:r>
-              <a:rPr lang="zh-CN" altLang="en-US" sz="2800"/>
-              <a:t>）</a:t>
-            </a:r>
-            <a:endParaRPr lang="zh-CN" altLang="en-US" sz="2800"/>
+            <a:pPr algn="ctr"/>
+            <a:r>
+              <a:rPr lang="zh-CN" altLang="en-US" sz="3200"/>
+              <a:t>在兼容层的设计、编写上尊重原版</a:t>
+            </a:r>
+            <a:r>
+              <a:rPr lang="en-US" altLang="zh-CN" sz="3200"/>
+              <a:t>μC/OS-III</a:t>
+            </a:r>
+            <a:r>
+              <a:rPr lang="zh-CN" altLang="zh-CN" sz="3200"/>
+              <a:t>，</a:t>
+            </a:r>
+            <a:endParaRPr lang="zh-CN" altLang="zh-CN" sz="3200"/>
+          </a:p>
+          <a:p>
+            <a:pPr algn="ctr"/>
+            <a:r>
+              <a:rPr lang="zh-CN" altLang="zh-CN" sz="3200"/>
+              <a:t>保证原版</a:t>
+            </a:r>
+            <a:r>
+              <a:rPr lang="en-US" altLang="zh-CN" sz="3200"/>
+              <a:t>μC/OS-III</a:t>
+            </a:r>
+            <a:r>
+              <a:rPr lang="zh-CN" altLang="en-US" sz="3200"/>
+              <a:t>的</a:t>
+            </a:r>
+            <a:r>
+              <a:rPr lang="zh-CN" altLang="en-US" sz="3200">
+                <a:solidFill>
+                  <a:srgbClr val="FF0000"/>
+                </a:solidFill>
+              </a:rPr>
+              <a:t>原汁原味</a:t>
+            </a:r>
+            <a:endParaRPr lang="zh-CN" altLang="en-US" sz="3200">
+              <a:solidFill>
+                <a:srgbClr val="FF0000"/>
+              </a:solidFill>
+            </a:endParaRPr>
           </a:p>
         </p:txBody>
       </p:sp>
@@ -6409,14 +6444,14 @@
       </p:sp>
       <p:sp>
         <p:nvSpPr>
-          <p:cNvPr id="5" name="文本框 4"/>
+          <p:cNvPr id="4" name="文本框 3"/>
           <p:cNvSpPr txBox="1"/>
           <p:nvPr/>
         </p:nvSpPr>
         <p:spPr>
           <a:xfrm>
-            <a:off x="614045" y="476250"/>
-            <a:ext cx="3683635" cy="645160"/>
+            <a:off x="3089275" y="1083945"/>
+            <a:ext cx="5782310" cy="1322070"/>
           </a:xfrm>
           <a:prstGeom prst="rect">
             <a:avLst/>
@@ -6429,23 +6464,31 @@
           </a:bodyPr>
           <a:p>
             <a:r>
-              <a:rPr lang="zh-CN" altLang="en-US" sz="3600"/>
-              <a:t>本兼容层实现了</a:t>
-            </a:r>
-            <a:endParaRPr lang="zh-CN" altLang="en-US" sz="3600"/>
-          </a:p>
-        </p:txBody>
-      </p:sp>
-      <p:sp>
-        <p:nvSpPr>
-          <p:cNvPr id="4" name="文本框 3"/>
+              <a:rPr lang="zh-CN" altLang="en-US" sz="3200"/>
+              <a:t>没有实现兼容的API：仅</a:t>
+            </a:r>
+            <a:r>
+              <a:rPr lang="en-US" altLang="zh-CN" sz="8000"/>
+              <a:t>1</a:t>
+            </a:r>
+            <a:r>
+              <a:rPr lang="zh-CN" altLang="en-US" sz="3200"/>
+              <a:t>个</a:t>
+            </a:r>
+            <a:endParaRPr lang="zh-CN" altLang="en-US" sz="3200"/>
+          </a:p>
+        </p:txBody>
+      </p:sp>
+      <p:sp>
+        <p:nvSpPr>
+          <p:cNvPr id="5" name="文本框 4"/>
           <p:cNvSpPr txBox="1"/>
           <p:nvPr/>
         </p:nvSpPr>
         <p:spPr>
           <a:xfrm>
-            <a:off x="1014095" y="1218565"/>
-            <a:ext cx="9525000" cy="521970"/>
+            <a:off x="426720" y="2701290"/>
+            <a:ext cx="11339195" cy="460375"/>
           </a:xfrm>
           <a:prstGeom prst="rect">
             <a:avLst/>
@@ -6453,80 +6496,28 @@
           <a:noFill/>
         </p:spPr>
         <p:txBody>
-          <a:bodyPr wrap="square" rtlCol="0">
+          <a:bodyPr wrap="square" rtlCol="0" anchor="t">
             <a:spAutoFit/>
           </a:bodyPr>
           <a:p>
             <a:r>
-              <a:rPr lang="en-US" altLang="zh-CN" sz="2800"/>
-              <a:t>1.  </a:t>
-            </a:r>
-            <a:r>
-              <a:rPr lang="zh-CN" altLang="en-US" sz="2800"/>
-              <a:t>原版详尽的</a:t>
-            </a:r>
-            <a:r>
-              <a:rPr lang="zh-CN" altLang="en-US" sz="2800">
-                <a:solidFill>
-                  <a:srgbClr val="FF0000"/>
-                </a:solidFill>
-              </a:rPr>
-              <a:t>错误检查</a:t>
-            </a:r>
-            <a:r>
-              <a:rPr lang="zh-CN" altLang="en-US" sz="2800"/>
-              <a:t>和</a:t>
-            </a:r>
-            <a:r>
-              <a:rPr lang="zh-CN" altLang="en-US" sz="2800">
-                <a:solidFill>
-                  <a:srgbClr val="FF0000"/>
-                </a:solidFill>
-              </a:rPr>
-              <a:t>错误代码反馈</a:t>
-            </a:r>
-            <a:r>
-              <a:rPr lang="zh-CN" altLang="en-US" sz="2800">
-                <a:solidFill>
-                  <a:schemeClr val="tx1"/>
-                </a:solidFill>
-              </a:rPr>
-              <a:t>（</a:t>
-            </a:r>
-            <a:r>
-              <a:rPr lang="en-US" altLang="zh-CN" sz="2800">
-                <a:solidFill>
-                  <a:schemeClr val="tx1"/>
-                </a:solidFill>
-              </a:rPr>
-              <a:t>OS_ERR *p_err</a:t>
-            </a:r>
-            <a:r>
-              <a:rPr lang="zh-CN" altLang="en-US" sz="2800">
-                <a:solidFill>
-                  <a:schemeClr val="tx1"/>
-                </a:solidFill>
-              </a:rPr>
-              <a:t>）</a:t>
-            </a:r>
-            <a:endParaRPr lang="zh-CN" altLang="en-US" sz="2800">
-              <a:solidFill>
-                <a:schemeClr val="tx1"/>
-              </a:solidFill>
-            </a:endParaRPr>
-          </a:p>
-        </p:txBody>
-      </p:sp>
-      <p:sp>
-        <p:nvSpPr>
-          <p:cNvPr id="6" name="文本框 5"/>
+              <a:rPr lang="zh-CN" altLang="en-US" sz="2400"/>
+              <a:t>void  OSTaskTimeQuantaSet (OS_TCB *p_tcb, OS_TICK time_quanta, OS_ERR *p_err);</a:t>
+            </a:r>
+            <a:endParaRPr lang="zh-CN" altLang="en-US" sz="2400"/>
+          </a:p>
+        </p:txBody>
+      </p:sp>
+      <p:sp>
+        <p:nvSpPr>
+          <p:cNvPr id="2" name="文本框 1"/>
           <p:cNvSpPr txBox="1"/>
           <p:nvPr/>
         </p:nvSpPr>
         <p:spPr>
           <a:xfrm>
-            <a:off x="1014095" y="1740535"/>
-            <a:ext cx="10781665" cy="521970"/>
+            <a:off x="608330" y="4629150"/>
+            <a:ext cx="10974070" cy="829945"/>
           </a:xfrm>
           <a:prstGeom prst="rect">
             <a:avLst/>
@@ -6539,297 +6530,46 @@
           </a:bodyPr>
           <a:p>
             <a:r>
-              <a:rPr lang="en-US" sz="2800"/>
-              <a:t>2. </a:t>
-            </a:r>
-            <a:r>
               <a:rPr lang="zh-CN" altLang="en-US" sz="2800"/>
-              <a:t>任务内建消息队列、任务内建信号量机制的相关</a:t>
+              <a:t>在</a:t>
             </a:r>
             <a:r>
               <a:rPr lang="en-US" altLang="zh-CN" sz="2800"/>
-              <a:t>API</a:t>
+              <a:t>3.03.00</a:t>
             </a:r>
             <a:r>
               <a:rPr lang="zh-CN" altLang="en-US" sz="2800"/>
-              <a:t>全部实现</a:t>
-            </a:r>
-            <a:endParaRPr lang="zh-CN" altLang="en-US" sz="2800">
-              <a:solidFill>
-                <a:schemeClr val="tx1"/>
-              </a:solidFill>
-            </a:endParaRPr>
-          </a:p>
-        </p:txBody>
-      </p:sp>
-      <p:sp>
-        <p:nvSpPr>
-          <p:cNvPr id="8" name="文本框 7"/>
-          <p:cNvSpPr txBox="1"/>
-          <p:nvPr/>
-        </p:nvSpPr>
-        <p:spPr>
-          <a:xfrm>
-            <a:off x="1014095" y="2262505"/>
-            <a:ext cx="9525000" cy="521970"/>
-          </a:xfrm>
-          <a:prstGeom prst="rect">
-            <a:avLst/>
-          </a:prstGeom>
-          <a:noFill/>
-        </p:spPr>
-        <p:txBody>
-          <a:bodyPr wrap="square" rtlCol="0">
-            <a:spAutoFit/>
-          </a:bodyPr>
-          <a:p>
-            <a:r>
-              <a:rPr lang="en-US" sz="2800"/>
-              <a:t>3. </a:t>
-            </a:r>
-            <a:r>
-              <a:rPr lang="zh-CN" sz="2800"/>
-              <a:t>任务</a:t>
+              <a:t>基础上</a:t>
             </a:r>
             <a:r>
               <a:rPr lang="zh-CN" altLang="en-US" sz="2800"/>
-              <a:t>嵌套挂起</a:t>
-            </a:r>
-            <a:endParaRPr lang="zh-CN" altLang="en-US" sz="2800">
-              <a:solidFill>
-                <a:schemeClr val="tx1"/>
-              </a:solidFill>
-            </a:endParaRPr>
-          </a:p>
-        </p:txBody>
-      </p:sp>
-      <p:sp>
-        <p:nvSpPr>
-          <p:cNvPr id="2" name="文本框 1"/>
-          <p:cNvSpPr txBox="1"/>
-          <p:nvPr/>
-        </p:nvSpPr>
-        <p:spPr>
-          <a:xfrm>
-            <a:off x="1014095" y="4350385"/>
-            <a:ext cx="10781665" cy="1814830"/>
-          </a:xfrm>
-          <a:prstGeom prst="rect">
-            <a:avLst/>
-          </a:prstGeom>
-          <a:noFill/>
-        </p:spPr>
-        <p:txBody>
-          <a:bodyPr wrap="square" rtlCol="0">
-            <a:spAutoFit/>
-          </a:bodyPr>
-          <a:p>
-            <a:r>
-              <a:rPr lang="en-US" sz="2800"/>
-              <a:t>7. </a:t>
+              <a:t>，实现</a:t>
+            </a:r>
+            <a:r>
+              <a:rPr lang="en-US" altLang="zh-CN" sz="2800"/>
+              <a:t>μ</a:t>
+            </a:r>
+            <a:r>
+              <a:rPr lang="en-US" altLang="zh-CN" sz="2800"/>
+              <a:t>COS-III</a:t>
+            </a:r>
+            <a:r>
+              <a:rPr lang="zh-CN" altLang="en-US" sz="4800"/>
+              <a:t>全版本兼容</a:t>
             </a:r>
             <a:r>
               <a:rPr lang="zh-CN" altLang="en-US" sz="2800"/>
-              <a:t>统计任务（OS_StatTask()、os_stat.c）</a:t>
+              <a:t>（</a:t>
+            </a:r>
+            <a:r>
+              <a:rPr lang="en-US" altLang="zh-CN" sz="2800"/>
+              <a:t>3.00.00-3.08.00</a:t>
+            </a:r>
+            <a:r>
+              <a:rPr lang="zh-CN" altLang="en-US" sz="2800"/>
+              <a:t>）</a:t>
             </a:r>
             <a:endParaRPr lang="zh-CN" altLang="en-US" sz="2800"/>
-          </a:p>
-          <a:p>
-            <a:r>
-              <a:rPr lang="zh-CN" altLang="en-US" sz="2800"/>
-              <a:t>    CPU使用率的计算策略和原版μCOS-III</a:t>
-            </a:r>
-            <a:r>
-              <a:rPr lang="zh-CN" altLang="en-US" sz="2800">
-                <a:solidFill>
-                  <a:srgbClr val="FF0000"/>
-                </a:solidFill>
-              </a:rPr>
-              <a:t>完全一致</a:t>
-            </a:r>
-            <a:endParaRPr lang="zh-CN" altLang="en-US" sz="2800">
-              <a:solidFill>
-                <a:srgbClr val="FF0000"/>
-              </a:solidFill>
-            </a:endParaRPr>
-          </a:p>
-          <a:p>
-            <a:r>
-              <a:rPr lang="zh-CN" altLang="en-US" sz="2800">
-                <a:solidFill>
-                  <a:srgbClr val="FF0000"/>
-                </a:solidFill>
-              </a:rPr>
-              <a:t>    </a:t>
-            </a:r>
-            <a:r>
-              <a:rPr lang="zh-CN" altLang="en-US" sz="2800">
-                <a:solidFill>
-                  <a:schemeClr val="tx1"/>
-                </a:solidFill>
-              </a:rPr>
-              <a:t>用户仅需调用OSStatTaskCPUUsage全局变量即可获取当前的CPU使用率</a:t>
-            </a:r>
-            <a:endParaRPr lang="zh-CN" altLang="en-US" sz="2800">
-              <a:solidFill>
-                <a:schemeClr val="tx1"/>
-              </a:solidFill>
-            </a:endParaRPr>
-          </a:p>
-        </p:txBody>
-      </p:sp>
-      <p:sp>
-        <p:nvSpPr>
-          <p:cNvPr id="3" name="文本框 2"/>
-          <p:cNvSpPr txBox="1"/>
-          <p:nvPr/>
-        </p:nvSpPr>
-        <p:spPr>
-          <a:xfrm>
-            <a:off x="1014095" y="2784475"/>
-            <a:ext cx="9525000" cy="521970"/>
-          </a:xfrm>
-          <a:prstGeom prst="rect">
-            <a:avLst/>
-          </a:prstGeom>
-          <a:noFill/>
-        </p:spPr>
-        <p:txBody>
-          <a:bodyPr wrap="square" rtlCol="0">
-            <a:spAutoFit/>
-          </a:bodyPr>
-          <a:p>
-            <a:r>
-              <a:rPr lang="en-US" sz="2800"/>
-              <a:t>4. </a:t>
-            </a:r>
-            <a:r>
-              <a:rPr lang="zh-CN" altLang="en-US" sz="2800"/>
-              <a:t>消息队列清空 OSQFlush</a:t>
-            </a:r>
-            <a:r>
-              <a:rPr lang="en-US" altLang="zh-CN" sz="2800"/>
-              <a:t>()</a:t>
-            </a:r>
-            <a:r>
-              <a:rPr lang="zh-CN" altLang="en-US" sz="2800"/>
-              <a:t> </a:t>
-            </a:r>
-            <a:endParaRPr lang="zh-CN" altLang="en-US" sz="2800">
-              <a:solidFill>
-                <a:schemeClr val="tx1"/>
-              </a:solidFill>
-            </a:endParaRPr>
-          </a:p>
-        </p:txBody>
-      </p:sp>
-      <p:sp>
-        <p:nvSpPr>
-          <p:cNvPr id="9" name="文本框 8"/>
-          <p:cNvSpPr txBox="1"/>
-          <p:nvPr/>
-        </p:nvSpPr>
-        <p:spPr>
-          <a:xfrm>
-            <a:off x="1014095" y="3306445"/>
-            <a:ext cx="11177905" cy="521970"/>
-          </a:xfrm>
-          <a:prstGeom prst="rect">
-            <a:avLst/>
-          </a:prstGeom>
-          <a:noFill/>
-        </p:spPr>
-        <p:txBody>
-          <a:bodyPr wrap="square" rtlCol="0">
-            <a:spAutoFit/>
-          </a:bodyPr>
-          <a:p>
-            <a:r>
-              <a:rPr lang="en-US" sz="2800"/>
-              <a:t>5. </a:t>
-            </a:r>
-            <a:r>
-              <a:rPr lang="zh-CN" altLang="en-US" sz="2800"/>
-              <a:t>内核对象放弃等待 OS</a:t>
-            </a:r>
-            <a:r>
-              <a:rPr lang="en-US" altLang="zh-CN" sz="2800"/>
-              <a:t>xxxPendAbort()  </a:t>
-            </a:r>
-            <a:r>
-              <a:rPr lang="zh-CN" altLang="en-US" sz="2800"/>
-              <a:t>放弃一个</a:t>
-            </a:r>
-            <a:r>
-              <a:rPr lang="en-US" altLang="zh-CN" sz="2800"/>
-              <a:t>/</a:t>
-            </a:r>
-            <a:r>
-              <a:rPr lang="zh-CN" altLang="en-US" sz="2800"/>
-              <a:t>放弃所有</a:t>
-            </a:r>
-            <a:r>
-              <a:rPr lang="zh-CN" altLang="en-US" sz="2800"/>
-              <a:t> </a:t>
-            </a:r>
-            <a:endParaRPr lang="zh-CN" altLang="en-US" sz="2800">
-              <a:solidFill>
-                <a:schemeClr val="tx1"/>
-              </a:solidFill>
-            </a:endParaRPr>
-          </a:p>
-        </p:txBody>
-      </p:sp>
-      <p:sp>
-        <p:nvSpPr>
-          <p:cNvPr id="10" name="文本框 9"/>
-          <p:cNvSpPr txBox="1"/>
-          <p:nvPr/>
-        </p:nvSpPr>
-        <p:spPr>
-          <a:xfrm>
-            <a:off x="1014095" y="3828415"/>
-            <a:ext cx="9525000" cy="521970"/>
-          </a:xfrm>
-          <a:prstGeom prst="rect">
-            <a:avLst/>
-          </a:prstGeom>
-          <a:noFill/>
-        </p:spPr>
-        <p:txBody>
-          <a:bodyPr wrap="square" rtlCol="0">
-            <a:spAutoFit/>
-          </a:bodyPr>
-          <a:p>
-            <a:r>
-              <a:rPr lang="en-US" sz="2800"/>
-              <a:t>6. </a:t>
-            </a:r>
-            <a:r>
-              <a:rPr lang="zh-CN" altLang="en-US" sz="2800"/>
-              <a:t>广播</a:t>
-            </a:r>
-            <a:r>
-              <a:rPr lang="zh-CN" altLang="en-US" sz="2800" b="1"/>
-              <a:t>信号量</a:t>
-            </a:r>
-            <a:r>
-              <a:rPr lang="zh-CN" altLang="en-US" sz="2800"/>
-              <a:t> </a:t>
-            </a:r>
-            <a:r>
-              <a:rPr lang="en-US" altLang="zh-CN" sz="2800"/>
-              <a:t>OS_OPT_POST_ALL</a:t>
-            </a:r>
-            <a:r>
-              <a:rPr lang="zh-CN" altLang="en-US" sz="2800"/>
-              <a:t> </a:t>
-            </a:r>
-            <a:endParaRPr lang="zh-CN" altLang="en-US" sz="2800">
-              <a:solidFill>
-                <a:schemeClr val="tx1"/>
-              </a:solidFill>
-            </a:endParaRPr>
           </a:p>
         </p:txBody>
       </p:sp>
@@ -6853,104 +6593,6 @@
       <p:grpSpPr/>
       <p:sp>
         <p:nvSpPr>
-          <p:cNvPr id="9" name="文本框 8"/>
-          <p:cNvSpPr txBox="1"/>
-          <p:nvPr/>
-        </p:nvSpPr>
-        <p:spPr>
-          <a:xfrm>
-            <a:off x="1757045" y="2152650"/>
-            <a:ext cx="8677910" cy="2553335"/>
-          </a:xfrm>
-          <a:prstGeom prst="rect">
-            <a:avLst/>
-          </a:prstGeom>
-          <a:noFill/>
-        </p:spPr>
-        <p:txBody>
-          <a:bodyPr wrap="square" rtlCol="0" anchor="t">
-            <a:spAutoFit/>
-          </a:bodyPr>
-          <a:p>
-            <a:pPr algn="ctr"/>
-            <a:r>
-              <a:rPr lang="zh-CN" altLang="en-US" sz="3200"/>
-              <a:t>仅</a:t>
-            </a:r>
-            <a:r>
-              <a:rPr lang="en-US" altLang="zh-CN" sz="8000"/>
-              <a:t>8</a:t>
-            </a:r>
-            <a:r>
-              <a:rPr lang="zh-CN" altLang="en-US" sz="3200"/>
-              <a:t>个</a:t>
-            </a:r>
-            <a:r>
-              <a:rPr lang="en-US" altLang="zh-CN" sz="3200"/>
-              <a:t>API</a:t>
-            </a:r>
-            <a:r>
-              <a:rPr lang="zh-CN" altLang="en-US" sz="3200"/>
-              <a:t>存在轻度功能受限（不影响正常功能）       </a:t>
-            </a:r>
-            <a:r>
-              <a:rPr lang="en-US" altLang="zh-CN" sz="3200"/>
-              <a:t>OSxxxxPost</a:t>
-            </a:r>
-            <a:r>
-              <a:rPr lang="zh-CN" altLang="en-US" sz="3200"/>
-              <a:t>函数</a:t>
-            </a:r>
-            <a:r>
-              <a:rPr lang="zh-CN" altLang="en-US" sz="2400"/>
-              <a:t>无法使用OS_OPT_POST_NO_SCHED选项</a:t>
-            </a:r>
-            <a:endParaRPr lang="zh-CN" altLang="en-US" sz="2400"/>
-          </a:p>
-          <a:p>
-            <a:pPr algn="ctr"/>
-            <a:r>
-              <a:rPr lang="zh-CN" altLang="en-US" sz="2400"/>
-              <a:t>没有实现广播</a:t>
-            </a:r>
-            <a:r>
-              <a:rPr lang="zh-CN" altLang="en-US" sz="2400" b="1"/>
-              <a:t>消息队列</a:t>
-            </a:r>
-            <a:r>
-              <a:rPr lang="zh-CN" altLang="en-US" sz="2400"/>
-              <a:t> </a:t>
-            </a:r>
-            <a:r>
-              <a:rPr lang="en-US" altLang="zh-CN" sz="2400">
-                <a:sym typeface="+mn-ea"/>
-              </a:rPr>
-              <a:t>OS_OPT_POST_ALL</a:t>
-            </a:r>
-            <a:endParaRPr lang="en-US" altLang="zh-CN" sz="2400">
-              <a:sym typeface="+mn-ea"/>
-            </a:endParaRPr>
-          </a:p>
-          <a:p>
-            <a:pPr algn="ctr"/>
-            <a:r>
-              <a:rPr lang="zh-CN" altLang="en-US" sz="2400"/>
-              <a:t>事件标志组（事件集）必须</a:t>
-            </a:r>
-            <a:r>
-              <a:rPr lang="en-US" altLang="zh-CN" sz="2400"/>
-              <a:t>bit</a:t>
-            </a:r>
-            <a:r>
-              <a:rPr lang="zh-CN" altLang="en-US" sz="2400"/>
-              <a:t>置1为事件发生</a:t>
-            </a:r>
-            <a:endParaRPr lang="zh-CN" altLang="en-US" sz="2400"/>
-          </a:p>
-        </p:txBody>
-      </p:sp>
-      <p:sp>
-        <p:nvSpPr>
           <p:cNvPr id="7" name="文本框 6"/>
           <p:cNvSpPr txBox="1"/>
           <p:nvPr/>
@@ -7026,6 +6668,432 @@
               </a:solidFill>
               <a:uFillTx/>
               <a:latin typeface="Times New Roman" panose="02020603050405020304" charset="0"/>
+            </a:endParaRPr>
+          </a:p>
+        </p:txBody>
+      </p:sp>
+      <p:sp>
+        <p:nvSpPr>
+          <p:cNvPr id="5" name="文本框 4"/>
+          <p:cNvSpPr txBox="1"/>
+          <p:nvPr/>
+        </p:nvSpPr>
+        <p:spPr>
+          <a:xfrm>
+            <a:off x="614045" y="476250"/>
+            <a:ext cx="3683635" cy="645160"/>
+          </a:xfrm>
+          <a:prstGeom prst="rect">
+            <a:avLst/>
+          </a:prstGeom>
+          <a:noFill/>
+        </p:spPr>
+        <p:txBody>
+          <a:bodyPr wrap="square" rtlCol="0" anchor="t">
+            <a:spAutoFit/>
+          </a:bodyPr>
+          <a:p>
+            <a:r>
+              <a:rPr lang="zh-CN" altLang="en-US" sz="3600"/>
+              <a:t>本兼容层实现了</a:t>
+            </a:r>
+            <a:endParaRPr lang="zh-CN" altLang="en-US" sz="3600"/>
+          </a:p>
+        </p:txBody>
+      </p:sp>
+      <p:sp>
+        <p:nvSpPr>
+          <p:cNvPr id="4" name="文本框 3"/>
+          <p:cNvSpPr txBox="1"/>
+          <p:nvPr/>
+        </p:nvSpPr>
+        <p:spPr>
+          <a:xfrm>
+            <a:off x="1014095" y="1218565"/>
+            <a:ext cx="9525000" cy="521970"/>
+          </a:xfrm>
+          <a:prstGeom prst="rect">
+            <a:avLst/>
+          </a:prstGeom>
+          <a:noFill/>
+        </p:spPr>
+        <p:txBody>
+          <a:bodyPr wrap="square" rtlCol="0">
+            <a:spAutoFit/>
+          </a:bodyPr>
+          <a:p>
+            <a:r>
+              <a:rPr lang="en-US" altLang="zh-CN" sz="2800"/>
+              <a:t>1.  </a:t>
+            </a:r>
+            <a:r>
+              <a:rPr lang="zh-CN" altLang="en-US" sz="2800"/>
+              <a:t>原版详尽的</a:t>
+            </a:r>
+            <a:r>
+              <a:rPr lang="zh-CN" altLang="en-US" sz="2800">
+                <a:solidFill>
+                  <a:srgbClr val="FF0000"/>
+                </a:solidFill>
+              </a:rPr>
+              <a:t>错误检查</a:t>
+            </a:r>
+            <a:r>
+              <a:rPr lang="zh-CN" altLang="en-US" sz="2800"/>
+              <a:t>和</a:t>
+            </a:r>
+            <a:r>
+              <a:rPr lang="zh-CN" altLang="en-US" sz="2800">
+                <a:solidFill>
+                  <a:srgbClr val="FF0000"/>
+                </a:solidFill>
+              </a:rPr>
+              <a:t>错误代码反馈</a:t>
+            </a:r>
+            <a:r>
+              <a:rPr lang="zh-CN" altLang="en-US" sz="2800">
+                <a:solidFill>
+                  <a:schemeClr val="tx1"/>
+                </a:solidFill>
+              </a:rPr>
+              <a:t>（</a:t>
+            </a:r>
+            <a:r>
+              <a:rPr lang="en-US" altLang="zh-CN" sz="2800">
+                <a:solidFill>
+                  <a:schemeClr val="tx1"/>
+                </a:solidFill>
+              </a:rPr>
+              <a:t>OS_ERR *p_err</a:t>
+            </a:r>
+            <a:r>
+              <a:rPr lang="zh-CN" altLang="en-US" sz="2800">
+                <a:solidFill>
+                  <a:schemeClr val="tx1"/>
+                </a:solidFill>
+              </a:rPr>
+              <a:t>）</a:t>
+            </a:r>
+            <a:endParaRPr lang="zh-CN" altLang="en-US" sz="2800">
+              <a:solidFill>
+                <a:schemeClr val="tx1"/>
+              </a:solidFill>
+            </a:endParaRPr>
+          </a:p>
+        </p:txBody>
+      </p:sp>
+      <p:sp>
+        <p:nvSpPr>
+          <p:cNvPr id="6" name="文本框 5"/>
+          <p:cNvSpPr txBox="1"/>
+          <p:nvPr/>
+        </p:nvSpPr>
+        <p:spPr>
+          <a:xfrm>
+            <a:off x="1014095" y="1740535"/>
+            <a:ext cx="10781665" cy="521970"/>
+          </a:xfrm>
+          <a:prstGeom prst="rect">
+            <a:avLst/>
+          </a:prstGeom>
+          <a:noFill/>
+        </p:spPr>
+        <p:txBody>
+          <a:bodyPr wrap="square" rtlCol="0">
+            <a:spAutoFit/>
+          </a:bodyPr>
+          <a:p>
+            <a:r>
+              <a:rPr lang="en-US" sz="2800"/>
+              <a:t>2. </a:t>
+            </a:r>
+            <a:r>
+              <a:rPr lang="zh-CN" altLang="en-US" sz="2800"/>
+              <a:t>任务内建消息队列、任务内建信号量机制的相关</a:t>
+            </a:r>
+            <a:r>
+              <a:rPr lang="en-US" altLang="zh-CN" sz="2800"/>
+              <a:t>API</a:t>
+            </a:r>
+            <a:r>
+              <a:rPr lang="zh-CN" altLang="en-US" sz="2800"/>
+              <a:t>全部实现</a:t>
+            </a:r>
+            <a:endParaRPr lang="zh-CN" altLang="en-US" sz="2800">
+              <a:solidFill>
+                <a:schemeClr val="tx1"/>
+              </a:solidFill>
+            </a:endParaRPr>
+          </a:p>
+        </p:txBody>
+      </p:sp>
+      <p:sp>
+        <p:nvSpPr>
+          <p:cNvPr id="8" name="文本框 7"/>
+          <p:cNvSpPr txBox="1"/>
+          <p:nvPr/>
+        </p:nvSpPr>
+        <p:spPr>
+          <a:xfrm>
+            <a:off x="1014095" y="2262505"/>
+            <a:ext cx="9525000" cy="521970"/>
+          </a:xfrm>
+          <a:prstGeom prst="rect">
+            <a:avLst/>
+          </a:prstGeom>
+          <a:noFill/>
+        </p:spPr>
+        <p:txBody>
+          <a:bodyPr wrap="square" rtlCol="0">
+            <a:spAutoFit/>
+          </a:bodyPr>
+          <a:p>
+            <a:r>
+              <a:rPr lang="en-US" sz="2800"/>
+              <a:t>3. </a:t>
+            </a:r>
+            <a:r>
+              <a:rPr lang="zh-CN" sz="2800"/>
+              <a:t>任务</a:t>
+            </a:r>
+            <a:r>
+              <a:rPr lang="zh-CN" altLang="en-US" sz="2800"/>
+              <a:t>嵌套挂起</a:t>
+            </a:r>
+            <a:endParaRPr lang="zh-CN" altLang="en-US" sz="2800">
+              <a:solidFill>
+                <a:schemeClr val="tx1"/>
+              </a:solidFill>
+            </a:endParaRPr>
+          </a:p>
+        </p:txBody>
+      </p:sp>
+      <p:sp>
+        <p:nvSpPr>
+          <p:cNvPr id="2" name="文本框 1"/>
+          <p:cNvSpPr txBox="1"/>
+          <p:nvPr/>
+        </p:nvSpPr>
+        <p:spPr>
+          <a:xfrm>
+            <a:off x="1014095" y="4350385"/>
+            <a:ext cx="10781665" cy="1814830"/>
+          </a:xfrm>
+          <a:prstGeom prst="rect">
+            <a:avLst/>
+          </a:prstGeom>
+          <a:noFill/>
+        </p:spPr>
+        <p:txBody>
+          <a:bodyPr wrap="square" rtlCol="0">
+            <a:spAutoFit/>
+          </a:bodyPr>
+          <a:p>
+            <a:r>
+              <a:rPr lang="en-US" sz="2800"/>
+              <a:t>7. </a:t>
+            </a:r>
+            <a:r>
+              <a:rPr lang="zh-CN" altLang="en-US" sz="2800"/>
+              <a:t>统计任务（OS_StatTask()、os_stat.c）</a:t>
+            </a:r>
+            <a:endParaRPr lang="zh-CN" altLang="en-US" sz="2800"/>
+          </a:p>
+          <a:p>
+            <a:r>
+              <a:rPr lang="zh-CN" altLang="en-US" sz="2800"/>
+              <a:t>    CPU使用率的计算策略和原版μCOS-III</a:t>
+            </a:r>
+            <a:r>
+              <a:rPr lang="zh-CN" altLang="en-US" sz="2800">
+                <a:solidFill>
+                  <a:srgbClr val="FF0000"/>
+                </a:solidFill>
+              </a:rPr>
+              <a:t>完全一致</a:t>
+            </a:r>
+            <a:endParaRPr lang="zh-CN" altLang="en-US" sz="2800">
+              <a:solidFill>
+                <a:srgbClr val="FF0000"/>
+              </a:solidFill>
+            </a:endParaRPr>
+          </a:p>
+          <a:p>
+            <a:r>
+              <a:rPr lang="zh-CN" altLang="en-US" sz="2800">
+                <a:solidFill>
+                  <a:srgbClr val="FF0000"/>
+                </a:solidFill>
+              </a:rPr>
+              <a:t>    </a:t>
+            </a:r>
+            <a:r>
+              <a:rPr lang="zh-CN" altLang="en-US" sz="2800">
+                <a:solidFill>
+                  <a:schemeClr val="tx1"/>
+                </a:solidFill>
+              </a:rPr>
+              <a:t>用户仅需调用OSStatTaskCPUUsage全局变量即可获取当前的CPU使用率</a:t>
+            </a:r>
+            <a:endParaRPr lang="zh-CN" altLang="en-US" sz="2800">
+              <a:solidFill>
+                <a:schemeClr val="tx1"/>
+              </a:solidFill>
+            </a:endParaRPr>
+          </a:p>
+        </p:txBody>
+      </p:sp>
+      <p:sp>
+        <p:nvSpPr>
+          <p:cNvPr id="3" name="文本框 2"/>
+          <p:cNvSpPr txBox="1"/>
+          <p:nvPr/>
+        </p:nvSpPr>
+        <p:spPr>
+          <a:xfrm>
+            <a:off x="1014095" y="2784475"/>
+            <a:ext cx="9525000" cy="521970"/>
+          </a:xfrm>
+          <a:prstGeom prst="rect">
+            <a:avLst/>
+          </a:prstGeom>
+          <a:noFill/>
+        </p:spPr>
+        <p:txBody>
+          <a:bodyPr wrap="square" rtlCol="0">
+            <a:spAutoFit/>
+          </a:bodyPr>
+          <a:p>
+            <a:r>
+              <a:rPr lang="en-US" sz="2800"/>
+              <a:t>4. </a:t>
+            </a:r>
+            <a:r>
+              <a:rPr lang="zh-CN" altLang="en-US" sz="2800"/>
+              <a:t>消息队列清空 OSQFlush</a:t>
+            </a:r>
+            <a:r>
+              <a:rPr lang="en-US" altLang="zh-CN" sz="2800"/>
+              <a:t>()</a:t>
+            </a:r>
+            <a:r>
+              <a:rPr lang="zh-CN" altLang="en-US" sz="2800"/>
+              <a:t> </a:t>
+            </a:r>
+            <a:endParaRPr lang="zh-CN" altLang="en-US" sz="2800">
+              <a:solidFill>
+                <a:schemeClr val="tx1"/>
+              </a:solidFill>
+            </a:endParaRPr>
+          </a:p>
+        </p:txBody>
+      </p:sp>
+      <p:sp>
+        <p:nvSpPr>
+          <p:cNvPr id="9" name="文本框 8"/>
+          <p:cNvSpPr txBox="1"/>
+          <p:nvPr/>
+        </p:nvSpPr>
+        <p:spPr>
+          <a:xfrm>
+            <a:off x="1014095" y="3306445"/>
+            <a:ext cx="11177905" cy="521970"/>
+          </a:xfrm>
+          <a:prstGeom prst="rect">
+            <a:avLst/>
+          </a:prstGeom>
+          <a:noFill/>
+        </p:spPr>
+        <p:txBody>
+          <a:bodyPr wrap="square" rtlCol="0">
+            <a:spAutoFit/>
+          </a:bodyPr>
+          <a:p>
+            <a:r>
+              <a:rPr lang="en-US" sz="2800"/>
+              <a:t>5. </a:t>
+            </a:r>
+            <a:r>
+              <a:rPr lang="zh-CN" altLang="en-US" sz="2800"/>
+              <a:t>内核对象放弃等待 OS</a:t>
+            </a:r>
+            <a:r>
+              <a:rPr lang="en-US" altLang="zh-CN" sz="2800"/>
+              <a:t>xxxPendAbort()  </a:t>
+            </a:r>
+            <a:r>
+              <a:rPr lang="zh-CN" altLang="en-US" sz="2800"/>
+              <a:t>放弃一个</a:t>
+            </a:r>
+            <a:r>
+              <a:rPr lang="en-US" altLang="zh-CN" sz="2800"/>
+              <a:t>/</a:t>
+            </a:r>
+            <a:r>
+              <a:rPr lang="zh-CN" altLang="en-US" sz="2800"/>
+              <a:t>放弃所有</a:t>
+            </a:r>
+            <a:r>
+              <a:rPr lang="zh-CN" altLang="en-US" sz="2800"/>
+              <a:t> </a:t>
+            </a:r>
+            <a:endParaRPr lang="zh-CN" altLang="en-US" sz="2800">
+              <a:solidFill>
+                <a:schemeClr val="tx1"/>
+              </a:solidFill>
+            </a:endParaRPr>
+          </a:p>
+        </p:txBody>
+      </p:sp>
+      <p:sp>
+        <p:nvSpPr>
+          <p:cNvPr id="10" name="文本框 9"/>
+          <p:cNvSpPr txBox="1"/>
+          <p:nvPr/>
+        </p:nvSpPr>
+        <p:spPr>
+          <a:xfrm>
+            <a:off x="1014095" y="3828415"/>
+            <a:ext cx="9525000" cy="521970"/>
+          </a:xfrm>
+          <a:prstGeom prst="rect">
+            <a:avLst/>
+          </a:prstGeom>
+          <a:noFill/>
+        </p:spPr>
+        <p:txBody>
+          <a:bodyPr wrap="square" rtlCol="0">
+            <a:spAutoFit/>
+          </a:bodyPr>
+          <a:p>
+            <a:r>
+              <a:rPr lang="en-US" sz="2800"/>
+              <a:t>6. </a:t>
+            </a:r>
+            <a:r>
+              <a:rPr lang="zh-CN" altLang="en-US" sz="2800"/>
+              <a:t>广播</a:t>
+            </a:r>
+            <a:r>
+              <a:rPr lang="zh-CN" altLang="en-US" sz="2800" b="1"/>
+              <a:t>信号量</a:t>
+            </a:r>
+            <a:r>
+              <a:rPr lang="zh-CN" altLang="en-US" sz="2800"/>
+              <a:t> </a:t>
+            </a:r>
+            <a:r>
+              <a:rPr lang="en-US" altLang="zh-CN" sz="2800"/>
+              <a:t>OS_OPT_POST_ALL</a:t>
+            </a:r>
+            <a:r>
+              <a:rPr lang="zh-CN" altLang="en-US" sz="2800"/>
+              <a:t> </a:t>
+            </a:r>
+            <a:endParaRPr lang="zh-CN" altLang="en-US" sz="2800">
+              <a:solidFill>
+                <a:schemeClr val="tx1"/>
+              </a:solidFill>
             </a:endParaRPr>
           </a:p>
         </p:txBody>
@@ -7050,6 +7118,104 @@
       <p:grpSpPr/>
       <p:sp>
         <p:nvSpPr>
+          <p:cNvPr id="9" name="文本框 8"/>
+          <p:cNvSpPr txBox="1"/>
+          <p:nvPr/>
+        </p:nvSpPr>
+        <p:spPr>
+          <a:xfrm>
+            <a:off x="1757045" y="2152650"/>
+            <a:ext cx="8677910" cy="2553335"/>
+          </a:xfrm>
+          <a:prstGeom prst="rect">
+            <a:avLst/>
+          </a:prstGeom>
+          <a:noFill/>
+        </p:spPr>
+        <p:txBody>
+          <a:bodyPr wrap="square" rtlCol="0" anchor="t">
+            <a:spAutoFit/>
+          </a:bodyPr>
+          <a:p>
+            <a:pPr algn="ctr"/>
+            <a:r>
+              <a:rPr lang="zh-CN" altLang="en-US" sz="3200"/>
+              <a:t>仅</a:t>
+            </a:r>
+            <a:r>
+              <a:rPr lang="en-US" altLang="zh-CN" sz="8000"/>
+              <a:t>8</a:t>
+            </a:r>
+            <a:r>
+              <a:rPr lang="zh-CN" altLang="en-US" sz="3200"/>
+              <a:t>个</a:t>
+            </a:r>
+            <a:r>
+              <a:rPr lang="en-US" altLang="zh-CN" sz="3200"/>
+              <a:t>API</a:t>
+            </a:r>
+            <a:r>
+              <a:rPr lang="zh-CN" altLang="en-US" sz="3200"/>
+              <a:t>存在轻度功能受限（不影响正常功能）       </a:t>
+            </a:r>
+            <a:r>
+              <a:rPr lang="en-US" altLang="zh-CN" sz="3200"/>
+              <a:t>OSxxxxPost</a:t>
+            </a:r>
+            <a:r>
+              <a:rPr lang="zh-CN" altLang="en-US" sz="3200"/>
+              <a:t>函数</a:t>
+            </a:r>
+            <a:r>
+              <a:rPr lang="zh-CN" altLang="en-US" sz="2400"/>
+              <a:t>无法使用OS_OPT_POST_NO_SCHED选项</a:t>
+            </a:r>
+            <a:endParaRPr lang="zh-CN" altLang="en-US" sz="2400"/>
+          </a:p>
+          <a:p>
+            <a:pPr algn="ctr"/>
+            <a:r>
+              <a:rPr lang="zh-CN" altLang="en-US" sz="2400"/>
+              <a:t>没有实现广播</a:t>
+            </a:r>
+            <a:r>
+              <a:rPr lang="zh-CN" altLang="en-US" sz="2400" b="1"/>
+              <a:t>消息队列</a:t>
+            </a:r>
+            <a:r>
+              <a:rPr lang="zh-CN" altLang="en-US" sz="2400"/>
+              <a:t> </a:t>
+            </a:r>
+            <a:r>
+              <a:rPr lang="en-US" altLang="zh-CN" sz="2400">
+                <a:sym typeface="+mn-ea"/>
+              </a:rPr>
+              <a:t>OS_OPT_POST_ALL</a:t>
+            </a:r>
+            <a:endParaRPr lang="en-US" altLang="zh-CN" sz="2400">
+              <a:sym typeface="+mn-ea"/>
+            </a:endParaRPr>
+          </a:p>
+          <a:p>
+            <a:pPr algn="ctr"/>
+            <a:r>
+              <a:rPr lang="zh-CN" altLang="en-US" sz="2400"/>
+              <a:t>事件标志组（事件集）必须</a:t>
+            </a:r>
+            <a:r>
+              <a:rPr lang="en-US" altLang="zh-CN" sz="2400"/>
+              <a:t>bit</a:t>
+            </a:r>
+            <a:r>
+              <a:rPr lang="zh-CN" altLang="en-US" sz="2400"/>
+              <a:t>置1为事件发生</a:t>
+            </a:r>
+            <a:endParaRPr lang="zh-CN" altLang="en-US" sz="2400"/>
+          </a:p>
+        </p:txBody>
+      </p:sp>
+      <p:sp>
+        <p:nvSpPr>
           <p:cNvPr id="7" name="文本框 6"/>
           <p:cNvSpPr txBox="1"/>
           <p:nvPr/>
@@ -7126,110 +7292,6 @@
               <a:uFillTx/>
               <a:latin typeface="Times New Roman" panose="02020603050405020304" charset="0"/>
             </a:endParaRPr>
-          </a:p>
-        </p:txBody>
-      </p:sp>
-      <p:sp>
-        <p:nvSpPr>
-          <p:cNvPr id="4" name="文本框 3"/>
-          <p:cNvSpPr txBox="1"/>
-          <p:nvPr/>
-        </p:nvSpPr>
-        <p:spPr>
-          <a:xfrm>
-            <a:off x="1212215" y="1648460"/>
-            <a:ext cx="9768205" cy="1938020"/>
-          </a:xfrm>
-          <a:prstGeom prst="rect">
-            <a:avLst/>
-          </a:prstGeom>
-          <a:noFill/>
-        </p:spPr>
-        <p:txBody>
-          <a:bodyPr wrap="square" rtlCol="0" anchor="t">
-            <a:spAutoFit/>
-          </a:bodyPr>
-          <a:p>
-            <a:pPr fontAlgn="auto">
-              <a:lnSpc>
-                <a:spcPct val="100000"/>
-              </a:lnSpc>
-            </a:pPr>
-            <a:r>
-              <a:rPr lang="en-US" altLang="zh-CN" sz="2400"/>
-              <a:t>1.</a:t>
-            </a:r>
-            <a:r>
-              <a:rPr lang="zh-CN" altLang="en-US" sz="2400"/>
-              <a:t>之前学习过μCOS-III操作系统，意图转向学习RT-Thread国产操作系统。本兼容层可以帮您用已有的μCOS-III编程经验和习惯快速将项目跑起来，日后在应用过程中深入熟悉RT-Thread的API函数，逐步向RT-Thread过度，降低您的学习门槛和时间成本。</a:t>
-            </a:r>
-            <a:r>
-              <a:rPr lang="zh-CN" altLang="en-US" sz="2400" b="1"/>
-              <a:t>有了本兼容层，对RT-Thread API以及编程风格的不熟悉再也不是您学习RT-Thread的阻力！</a:t>
-            </a:r>
-            <a:endParaRPr lang="zh-CN" altLang="en-US" sz="2400" b="1"/>
-          </a:p>
-        </p:txBody>
-      </p:sp>
-      <p:sp>
-        <p:nvSpPr>
-          <p:cNvPr id="5" name="文本框 4"/>
-          <p:cNvSpPr txBox="1"/>
-          <p:nvPr/>
-        </p:nvSpPr>
-        <p:spPr>
-          <a:xfrm>
-            <a:off x="631190" y="780415"/>
-            <a:ext cx="3683635" cy="645160"/>
-          </a:xfrm>
-          <a:prstGeom prst="rect">
-            <a:avLst/>
-          </a:prstGeom>
-          <a:noFill/>
-        </p:spPr>
-        <p:txBody>
-          <a:bodyPr wrap="square" rtlCol="0" anchor="t">
-            <a:spAutoFit/>
-          </a:bodyPr>
-          <a:p>
-            <a:r>
-              <a:rPr lang="zh-CN" altLang="en-US" sz="3600"/>
-              <a:t>本兼容层适合于</a:t>
-            </a:r>
-            <a:endParaRPr lang="zh-CN" altLang="en-US" sz="3600"/>
-          </a:p>
-        </p:txBody>
-      </p:sp>
-      <p:sp>
-        <p:nvSpPr>
-          <p:cNvPr id="6" name="文本框 5"/>
-          <p:cNvSpPr txBox="1"/>
-          <p:nvPr/>
-        </p:nvSpPr>
-        <p:spPr>
-          <a:xfrm>
-            <a:off x="1212215" y="4234815"/>
-            <a:ext cx="9867900" cy="1568450"/>
-          </a:xfrm>
-          <a:prstGeom prst="rect">
-            <a:avLst/>
-          </a:prstGeom>
-          <a:noFill/>
-        </p:spPr>
-        <p:txBody>
-          <a:bodyPr wrap="square" rtlCol="0" anchor="t">
-            <a:spAutoFit/>
-          </a:bodyPr>
-          <a:p>
-            <a:r>
-              <a:rPr lang="en-US" altLang="zh-CN" sz="2400"/>
-              <a:t>2.</a:t>
-            </a:r>
-            <a:r>
-              <a:rPr lang="zh-CN" altLang="en-US" sz="2400"/>
-              <a:t>当需要快速基于RT-Thread开发产品，但是工程师之前均采用μC/OS开发，从未用过RT-Thread的开发经验。本兼容层可以帮助让工程师快速基于μC/OS开发经验开发产品，简化软件的重用、缩短微控制器新开发人员的学习过程，并缩短新设备的上市时间。</a:t>
-            </a:r>
-            <a:endParaRPr lang="zh-CN" altLang="en-US" sz="2400"/>
           </a:p>
         </p:txBody>
       </p:sp>

--- a/docs/uCOS-III Wrapper.pptx
+++ b/docs/uCOS-III Wrapper.pptx
@@ -5,29 +5,29 @@
     <p:sldMasterId id="2147483648" r:id="rId1"/>
   </p:sldMasterIdLst>
   <p:notesMasterIdLst>
-    <p:notesMasterId r:id="rId20"/>
+    <p:notesMasterId r:id="rId22"/>
   </p:notesMasterIdLst>
   <p:sldIdLst>
-    <p:sldId id="319" r:id="rId3"/>
-    <p:sldId id="256" r:id="rId4"/>
-    <p:sldId id="257" r:id="rId5"/>
-    <p:sldId id="290" r:id="rId6"/>
-    <p:sldId id="301" r:id="rId7"/>
-    <p:sldId id="302" r:id="rId8"/>
-    <p:sldId id="265" r:id="rId9"/>
-    <p:sldId id="273" r:id="rId10"/>
-    <p:sldId id="281" r:id="rId11"/>
-    <p:sldId id="258" r:id="rId12"/>
-    <p:sldId id="259" r:id="rId13"/>
-    <p:sldId id="303" r:id="rId14"/>
-    <p:sldId id="260" r:id="rId15"/>
-    <p:sldId id="263" r:id="rId16"/>
-    <p:sldId id="261" r:id="rId17"/>
-    <p:sldId id="262" r:id="rId18"/>
-    <p:sldId id="314" r:id="rId19"/>
-    <p:sldId id="316" r:id="rId21"/>
-    <p:sldId id="317" r:id="rId22"/>
-    <p:sldId id="264" r:id="rId23"/>
+    <p:sldId id="319" r:id="rId2"/>
+    <p:sldId id="256" r:id="rId3"/>
+    <p:sldId id="257" r:id="rId4"/>
+    <p:sldId id="290" r:id="rId5"/>
+    <p:sldId id="301" r:id="rId6"/>
+    <p:sldId id="302" r:id="rId7"/>
+    <p:sldId id="265" r:id="rId8"/>
+    <p:sldId id="273" r:id="rId9"/>
+    <p:sldId id="281" r:id="rId10"/>
+    <p:sldId id="258" r:id="rId11"/>
+    <p:sldId id="259" r:id="rId12"/>
+    <p:sldId id="303" r:id="rId13"/>
+    <p:sldId id="260" r:id="rId14"/>
+    <p:sldId id="263" r:id="rId15"/>
+    <p:sldId id="261" r:id="rId16"/>
+    <p:sldId id="262" r:id="rId17"/>
+    <p:sldId id="314" r:id="rId18"/>
+    <p:sldId id="316" r:id="rId19"/>
+    <p:sldId id="317" r:id="rId20"/>
+    <p:sldId id="264" r:id="rId21"/>
   </p:sldIdLst>
   <p:sldSz cx="12192000" cy="6858000"/>
   <p:notesSz cx="6858000" cy="9144000"/>
@@ -126,6 +126,11 @@
       </a:defRPr>
     </a:lvl9pPr>
   </p:defaultTextStyle>
+  <p:extLst>
+    <p:ext uri="{EFAFB233-063F-42B5-8137-9DF3F51BA10A}">
+      <p15:sldGuideLst xmlns:p15="http://schemas.microsoft.com/office/powerpoint/2012/main"/>
+    </p:ext>
+  </p:extLst>
 </p:presentation>
 </file>
 
@@ -211,6 +216,7 @@
           <a:p>
             <a:fld id="{D2A48B96-639E-45A3-A0BA-2464DFDB1FAA}" type="datetimeFigureOut">
               <a:rPr lang="zh-CN" altLang="en-US" smtClean="0"/>
+              <a:t>2020/11/1</a:t>
             </a:fld>
             <a:endParaRPr lang="zh-CN" altLang="en-US"/>
           </a:p>
@@ -274,42 +280,37 @@
           <a:p>
             <a:pPr lvl="0"/>
             <a:r>
-              <a:rPr lang="zh-CN" altLang="en-US" smtClean="0"/>
+              <a:rPr lang="zh-CN" altLang="en-US"/>
               <a:t>单击此处编辑母版文本样式</a:t>
             </a:r>
-            <a:endParaRPr lang="zh-CN" altLang="en-US" smtClean="0"/>
           </a:p>
           <a:p>
             <a:pPr lvl="1"/>
             <a:r>
-              <a:rPr lang="zh-CN" altLang="en-US" smtClean="0"/>
+              <a:rPr lang="zh-CN" altLang="en-US"/>
               <a:t>第二级</a:t>
             </a:r>
-            <a:endParaRPr lang="zh-CN" altLang="en-US" smtClean="0"/>
           </a:p>
           <a:p>
             <a:pPr lvl="2"/>
             <a:r>
-              <a:rPr lang="zh-CN" altLang="en-US" smtClean="0"/>
+              <a:rPr lang="zh-CN" altLang="en-US"/>
               <a:t>第三级</a:t>
             </a:r>
-            <a:endParaRPr lang="zh-CN" altLang="en-US" smtClean="0"/>
           </a:p>
           <a:p>
             <a:pPr lvl="3"/>
             <a:r>
-              <a:rPr lang="zh-CN" altLang="en-US" smtClean="0"/>
+              <a:rPr lang="zh-CN" altLang="en-US"/>
               <a:t>第四级</a:t>
             </a:r>
-            <a:endParaRPr lang="zh-CN" altLang="en-US" smtClean="0"/>
           </a:p>
           <a:p>
             <a:pPr lvl="4"/>
             <a:r>
-              <a:rPr lang="zh-CN" altLang="en-US" smtClean="0"/>
+              <a:rPr lang="zh-CN" altLang="en-US"/>
               <a:t>第五级</a:t>
             </a:r>
-            <a:endParaRPr lang="zh-CN" altLang="en-US"/>
           </a:p>
         </p:txBody>
       </p:sp>
@@ -373,6 +374,7 @@
           <a:p>
             <a:fld id="{A6837353-30EB-4A48-80EB-173D804AEFBD}" type="slidenum">
               <a:rPr lang="zh-CN" altLang="en-US" smtClean="0"/>
+              <a:t>‹#›</a:t>
             </a:fld>
             <a:endParaRPr lang="zh-CN" altLang="en-US"/>
           </a:p>
@@ -485,11 +487,20 @@
         <p:cNvGrpSpPr/>
         <p:nvPr/>
       </p:nvGrpSpPr>
-      <p:grpSpPr/>
+      <p:grpSpPr>
+        <a:xfrm>
+          <a:off x="0" y="0"/>
+          <a:ext cx="0" cy="0"/>
+          <a:chOff x="0" y="0"/>
+          <a:chExt cx="0" cy="0"/>
+        </a:xfrm>
+      </p:grpSpPr>
       <p:sp>
         <p:nvSpPr>
           <p:cNvPr id="2" name="幻灯片图像占位符 1"/>
-          <p:cNvSpPr/>
+          <p:cNvSpPr>
+            <a:spLocks noGrp="1" noRot="1" noChangeAspect="1"/>
+          </p:cNvSpPr>
           <p:nvPr>
             <p:ph type="sldImg" idx="2"/>
           </p:nvPr>
@@ -499,7 +510,9 @@
       <p:sp>
         <p:nvSpPr>
           <p:cNvPr id="3" name="文本占位符 2"/>
-          <p:cNvSpPr/>
+          <p:cNvSpPr>
+            <a:spLocks noGrp="1"/>
+          </p:cNvSpPr>
           <p:nvPr>
             <p:ph type="body" idx="3"/>
           </p:nvPr>
@@ -507,6 +520,7 @@
         <p:spPr/>
         <p:txBody>
           <a:bodyPr/>
+          <a:lstStyle/>
           <a:p>
             <a:endParaRPr lang="zh-CN" altLang="en-US"/>
           </a:p>
@@ -529,11 +543,20 @@
         <p:cNvGrpSpPr/>
         <p:nvPr/>
       </p:nvGrpSpPr>
-      <p:grpSpPr/>
+      <p:grpSpPr>
+        <a:xfrm>
+          <a:off x="0" y="0"/>
+          <a:ext cx="0" cy="0"/>
+          <a:chOff x="0" y="0"/>
+          <a:chExt cx="0" cy="0"/>
+        </a:xfrm>
+      </p:grpSpPr>
       <p:sp>
         <p:nvSpPr>
           <p:cNvPr id="2" name="幻灯片图像占位符 1"/>
-          <p:cNvSpPr/>
+          <p:cNvSpPr>
+            <a:spLocks noGrp="1" noRot="1" noChangeAspect="1"/>
+          </p:cNvSpPr>
           <p:nvPr>
             <p:ph type="sldImg" idx="2"/>
           </p:nvPr>
@@ -543,7 +566,9 @@
       <p:sp>
         <p:nvSpPr>
           <p:cNvPr id="3" name="文本占位符 2"/>
-          <p:cNvSpPr/>
+          <p:cNvSpPr>
+            <a:spLocks noGrp="1"/>
+          </p:cNvSpPr>
           <p:nvPr>
             <p:ph type="body" idx="3"/>
           </p:nvPr>
@@ -551,6 +576,7 @@
         <p:spPr/>
         <p:txBody>
           <a:bodyPr/>
+          <a:lstStyle/>
           <a:p>
             <a:endParaRPr lang="zh-CN" altLang="en-US"/>
           </a:p>
@@ -573,11 +599,20 @@
         <p:cNvGrpSpPr/>
         <p:nvPr/>
       </p:nvGrpSpPr>
-      <p:grpSpPr/>
+      <p:grpSpPr>
+        <a:xfrm>
+          <a:off x="0" y="0"/>
+          <a:ext cx="0" cy="0"/>
+          <a:chOff x="0" y="0"/>
+          <a:chExt cx="0" cy="0"/>
+        </a:xfrm>
+      </p:grpSpPr>
       <p:sp>
         <p:nvSpPr>
           <p:cNvPr id="2" name="幻灯片图像占位符 1"/>
-          <p:cNvSpPr/>
+          <p:cNvSpPr>
+            <a:spLocks noGrp="1" noRot="1" noChangeAspect="1"/>
+          </p:cNvSpPr>
           <p:nvPr>
             <p:ph type="sldImg" idx="2"/>
           </p:nvPr>
@@ -587,7 +622,9 @@
       <p:sp>
         <p:nvSpPr>
           <p:cNvPr id="3" name="文本占位符 2"/>
-          <p:cNvSpPr/>
+          <p:cNvSpPr>
+            <a:spLocks noGrp="1"/>
+          </p:cNvSpPr>
           <p:nvPr>
             <p:ph type="body" idx="3"/>
           </p:nvPr>
@@ -595,6 +632,7 @@
         <p:spPr/>
         <p:txBody>
           <a:bodyPr/>
+          <a:lstStyle/>
           <a:p>
             <a:endParaRPr lang="zh-CN" altLang="en-US"/>
           </a:p>
@@ -650,10 +688,9 @@
           </a:lstStyle>
           <a:p>
             <a:r>
-              <a:rPr lang="zh-CN" altLang="en-US" smtClean="0"/>
+              <a:rPr lang="zh-CN" altLang="en-US"/>
               <a:t>单击此处编辑母版标题样式</a:t>
             </a:r>
-            <a:endParaRPr lang="zh-CN" altLang="en-US"/>
           </a:p>
         </p:txBody>
       </p:sp>
@@ -715,10 +752,9 @@
           </a:lstStyle>
           <a:p>
             <a:r>
-              <a:rPr lang="zh-CN" altLang="en-US" smtClean="0"/>
+              <a:rPr lang="zh-CN" altLang="en-US"/>
               <a:t>单击此处编辑母版副标题样式</a:t>
             </a:r>
-            <a:endParaRPr lang="zh-CN" altLang="en-US"/>
           </a:p>
         </p:txBody>
       </p:sp>
@@ -739,6 +775,7 @@
           <a:p>
             <a:fld id="{D997B5FA-0921-464F-AAE1-844C04324D75}" type="datetimeFigureOut">
               <a:rPr lang="zh-CN" altLang="en-US" smtClean="0"/>
+              <a:t>2020/11/1</a:t>
             </a:fld>
             <a:endParaRPr lang="zh-CN" altLang="en-US"/>
           </a:p>
@@ -780,6 +817,7 @@
           <a:p>
             <a:fld id="{565CE74E-AB26-4998-AD42-012C4C1AD076}" type="slidenum">
               <a:rPr lang="zh-CN" altLang="en-US" smtClean="0"/>
+              <a:t>‹#›</a:t>
             </a:fld>
             <a:endParaRPr lang="zh-CN" altLang="en-US"/>
           </a:p>
@@ -826,10 +864,9 @@
           <a:lstStyle/>
           <a:p>
             <a:r>
-              <a:rPr lang="zh-CN" altLang="en-US" smtClean="0"/>
+              <a:rPr lang="zh-CN" altLang="en-US"/>
               <a:t>单击此处编辑母版标题样式</a:t>
             </a:r>
-            <a:endParaRPr lang="zh-CN" altLang="en-US"/>
           </a:p>
         </p:txBody>
       </p:sp>
@@ -850,42 +887,37 @@
           <a:p>
             <a:pPr lvl="0"/>
             <a:r>
-              <a:rPr lang="zh-CN" altLang="en-US" smtClean="0"/>
+              <a:rPr lang="zh-CN" altLang="en-US"/>
               <a:t>单击此处编辑母版文本样式</a:t>
             </a:r>
-            <a:endParaRPr lang="zh-CN" altLang="en-US" smtClean="0"/>
           </a:p>
           <a:p>
             <a:pPr lvl="1"/>
             <a:r>
-              <a:rPr lang="zh-CN" altLang="en-US" smtClean="0"/>
+              <a:rPr lang="zh-CN" altLang="en-US"/>
               <a:t>第二级</a:t>
             </a:r>
-            <a:endParaRPr lang="zh-CN" altLang="en-US" smtClean="0"/>
           </a:p>
           <a:p>
             <a:pPr lvl="2"/>
             <a:r>
-              <a:rPr lang="zh-CN" altLang="en-US" smtClean="0"/>
+              <a:rPr lang="zh-CN" altLang="en-US"/>
               <a:t>第三级</a:t>
             </a:r>
-            <a:endParaRPr lang="zh-CN" altLang="en-US" smtClean="0"/>
           </a:p>
           <a:p>
             <a:pPr lvl="3"/>
             <a:r>
-              <a:rPr lang="zh-CN" altLang="en-US" smtClean="0"/>
+              <a:rPr lang="zh-CN" altLang="en-US"/>
               <a:t>第四级</a:t>
             </a:r>
-            <a:endParaRPr lang="zh-CN" altLang="en-US" smtClean="0"/>
           </a:p>
           <a:p>
             <a:pPr lvl="4"/>
             <a:r>
-              <a:rPr lang="zh-CN" altLang="en-US" smtClean="0"/>
+              <a:rPr lang="zh-CN" altLang="en-US"/>
               <a:t>第五级</a:t>
             </a:r>
-            <a:endParaRPr lang="zh-CN" altLang="en-US"/>
           </a:p>
         </p:txBody>
       </p:sp>
@@ -906,6 +938,7 @@
           <a:p>
             <a:fld id="{D997B5FA-0921-464F-AAE1-844C04324D75}" type="datetimeFigureOut">
               <a:rPr lang="zh-CN" altLang="en-US" smtClean="0"/>
+              <a:t>2020/11/1</a:t>
             </a:fld>
             <a:endParaRPr lang="zh-CN" altLang="en-US"/>
           </a:p>
@@ -947,6 +980,7 @@
           <a:p>
             <a:fld id="{565CE74E-AB26-4998-AD42-012C4C1AD076}" type="slidenum">
               <a:rPr lang="zh-CN" altLang="en-US" smtClean="0"/>
+              <a:t>‹#›</a:t>
             </a:fld>
             <a:endParaRPr lang="zh-CN" altLang="en-US"/>
           </a:p>
@@ -998,10 +1032,9 @@
           <a:lstStyle/>
           <a:p>
             <a:r>
-              <a:rPr lang="zh-CN" altLang="en-US" smtClean="0"/>
+              <a:rPr lang="zh-CN" altLang="en-US"/>
               <a:t>单击此处编辑母版标题样式</a:t>
             </a:r>
-            <a:endParaRPr lang="zh-CN" altLang="en-US"/>
           </a:p>
         </p:txBody>
       </p:sp>
@@ -1027,42 +1060,37 @@
           <a:p>
             <a:pPr lvl="0"/>
             <a:r>
-              <a:rPr lang="zh-CN" altLang="en-US" smtClean="0"/>
+              <a:rPr lang="zh-CN" altLang="en-US"/>
               <a:t>单击此处编辑母版文本样式</a:t>
             </a:r>
-            <a:endParaRPr lang="zh-CN" altLang="en-US" smtClean="0"/>
           </a:p>
           <a:p>
             <a:pPr lvl="1"/>
             <a:r>
-              <a:rPr lang="zh-CN" altLang="en-US" smtClean="0"/>
+              <a:rPr lang="zh-CN" altLang="en-US"/>
               <a:t>第二级</a:t>
             </a:r>
-            <a:endParaRPr lang="zh-CN" altLang="en-US" smtClean="0"/>
           </a:p>
           <a:p>
             <a:pPr lvl="2"/>
             <a:r>
-              <a:rPr lang="zh-CN" altLang="en-US" smtClean="0"/>
+              <a:rPr lang="zh-CN" altLang="en-US"/>
               <a:t>第三级</a:t>
             </a:r>
-            <a:endParaRPr lang="zh-CN" altLang="en-US" smtClean="0"/>
           </a:p>
           <a:p>
             <a:pPr lvl="3"/>
             <a:r>
-              <a:rPr lang="zh-CN" altLang="en-US" smtClean="0"/>
+              <a:rPr lang="zh-CN" altLang="en-US"/>
               <a:t>第四级</a:t>
             </a:r>
-            <a:endParaRPr lang="zh-CN" altLang="en-US" smtClean="0"/>
           </a:p>
           <a:p>
             <a:pPr lvl="4"/>
             <a:r>
-              <a:rPr lang="zh-CN" altLang="en-US" smtClean="0"/>
+              <a:rPr lang="zh-CN" altLang="en-US"/>
               <a:t>第五级</a:t>
             </a:r>
-            <a:endParaRPr lang="zh-CN" altLang="en-US"/>
           </a:p>
         </p:txBody>
       </p:sp>
@@ -1083,6 +1111,7 @@
           <a:p>
             <a:fld id="{D997B5FA-0921-464F-AAE1-844C04324D75}" type="datetimeFigureOut">
               <a:rPr lang="zh-CN" altLang="en-US" smtClean="0"/>
+              <a:t>2020/11/1</a:t>
             </a:fld>
             <a:endParaRPr lang="zh-CN" altLang="en-US"/>
           </a:p>
@@ -1124,6 +1153,7 @@
           <a:p>
             <a:fld id="{565CE74E-AB26-4998-AD42-012C4C1AD076}" type="slidenum">
               <a:rPr lang="zh-CN" altLang="en-US" smtClean="0"/>
+              <a:t>‹#›</a:t>
             </a:fld>
             <a:endParaRPr lang="zh-CN" altLang="en-US"/>
           </a:p>
@@ -1170,10 +1200,9 @@
           <a:lstStyle/>
           <a:p>
             <a:r>
-              <a:rPr lang="zh-CN" altLang="en-US" smtClean="0"/>
+              <a:rPr lang="zh-CN" altLang="en-US"/>
               <a:t>单击此处编辑母版标题样式</a:t>
             </a:r>
-            <a:endParaRPr lang="zh-CN" altLang="en-US"/>
           </a:p>
         </p:txBody>
       </p:sp>
@@ -1194,42 +1223,37 @@
           <a:p>
             <a:pPr lvl="0"/>
             <a:r>
-              <a:rPr lang="zh-CN" altLang="en-US" smtClean="0"/>
+              <a:rPr lang="zh-CN" altLang="en-US"/>
               <a:t>单击此处编辑母版文本样式</a:t>
             </a:r>
-            <a:endParaRPr lang="zh-CN" altLang="en-US" smtClean="0"/>
           </a:p>
           <a:p>
             <a:pPr lvl="1"/>
             <a:r>
-              <a:rPr lang="zh-CN" altLang="en-US" smtClean="0"/>
+              <a:rPr lang="zh-CN" altLang="en-US"/>
               <a:t>第二级</a:t>
             </a:r>
-            <a:endParaRPr lang="zh-CN" altLang="en-US" smtClean="0"/>
           </a:p>
           <a:p>
             <a:pPr lvl="2"/>
             <a:r>
-              <a:rPr lang="zh-CN" altLang="en-US" smtClean="0"/>
+              <a:rPr lang="zh-CN" altLang="en-US"/>
               <a:t>第三级</a:t>
             </a:r>
-            <a:endParaRPr lang="zh-CN" altLang="en-US" smtClean="0"/>
           </a:p>
           <a:p>
             <a:pPr lvl="3"/>
             <a:r>
-              <a:rPr lang="zh-CN" altLang="en-US" smtClean="0"/>
+              <a:rPr lang="zh-CN" altLang="en-US"/>
               <a:t>第四级</a:t>
             </a:r>
-            <a:endParaRPr lang="zh-CN" altLang="en-US" smtClean="0"/>
           </a:p>
           <a:p>
             <a:pPr lvl="4"/>
             <a:r>
-              <a:rPr lang="zh-CN" altLang="en-US" smtClean="0"/>
+              <a:rPr lang="zh-CN" altLang="en-US"/>
               <a:t>第五级</a:t>
             </a:r>
-            <a:endParaRPr lang="zh-CN" altLang="en-US"/>
           </a:p>
         </p:txBody>
       </p:sp>
@@ -1250,6 +1274,7 @@
           <a:p>
             <a:fld id="{D997B5FA-0921-464F-AAE1-844C04324D75}" type="datetimeFigureOut">
               <a:rPr lang="zh-CN" altLang="en-US" smtClean="0"/>
+              <a:t>2020/11/1</a:t>
             </a:fld>
             <a:endParaRPr lang="zh-CN" altLang="en-US"/>
           </a:p>
@@ -1291,6 +1316,7 @@
           <a:p>
             <a:fld id="{565CE74E-AB26-4998-AD42-012C4C1AD076}" type="slidenum">
               <a:rPr lang="zh-CN" altLang="en-US" smtClean="0"/>
+              <a:t>‹#›</a:t>
             </a:fld>
             <a:endParaRPr lang="zh-CN" altLang="en-US"/>
           </a:p>
@@ -1346,10 +1372,9 @@
           </a:lstStyle>
           <a:p>
             <a:r>
-              <a:rPr lang="zh-CN" altLang="en-US" smtClean="0"/>
+              <a:rPr lang="zh-CN" altLang="en-US"/>
               <a:t>单击此处编辑母版标题样式</a:t>
             </a:r>
-            <a:endParaRPr lang="zh-CN" altLang="en-US"/>
           </a:p>
         </p:txBody>
       </p:sp>
@@ -1466,10 +1491,9 @@
           <a:p>
             <a:pPr lvl="0"/>
             <a:r>
-              <a:rPr lang="zh-CN" altLang="en-US" smtClean="0"/>
+              <a:rPr lang="zh-CN" altLang="en-US"/>
               <a:t>单击此处编辑母版文本样式</a:t>
             </a:r>
-            <a:endParaRPr lang="zh-CN" altLang="en-US" smtClean="0"/>
           </a:p>
         </p:txBody>
       </p:sp>
@@ -1490,6 +1514,7 @@
           <a:p>
             <a:fld id="{D997B5FA-0921-464F-AAE1-844C04324D75}" type="datetimeFigureOut">
               <a:rPr lang="zh-CN" altLang="en-US" smtClean="0"/>
+              <a:t>2020/11/1</a:t>
             </a:fld>
             <a:endParaRPr lang="zh-CN" altLang="en-US"/>
           </a:p>
@@ -1531,6 +1556,7 @@
           <a:p>
             <a:fld id="{565CE74E-AB26-4998-AD42-012C4C1AD076}" type="slidenum">
               <a:rPr lang="zh-CN" altLang="en-US" smtClean="0"/>
+              <a:t>‹#›</a:t>
             </a:fld>
             <a:endParaRPr lang="zh-CN" altLang="en-US"/>
           </a:p>
@@ -1577,10 +1603,9 @@
           <a:lstStyle/>
           <a:p>
             <a:r>
-              <a:rPr lang="zh-CN" altLang="en-US" smtClean="0"/>
+              <a:rPr lang="zh-CN" altLang="en-US"/>
               <a:t>单击此处编辑母版标题样式</a:t>
             </a:r>
-            <a:endParaRPr lang="zh-CN" altLang="en-US"/>
           </a:p>
         </p:txBody>
       </p:sp>
@@ -1606,42 +1631,37 @@
           <a:p>
             <a:pPr lvl="0"/>
             <a:r>
-              <a:rPr lang="zh-CN" altLang="en-US" smtClean="0"/>
+              <a:rPr lang="zh-CN" altLang="en-US"/>
               <a:t>单击此处编辑母版文本样式</a:t>
             </a:r>
-            <a:endParaRPr lang="zh-CN" altLang="en-US" smtClean="0"/>
           </a:p>
           <a:p>
             <a:pPr lvl="1"/>
             <a:r>
-              <a:rPr lang="zh-CN" altLang="en-US" smtClean="0"/>
+              <a:rPr lang="zh-CN" altLang="en-US"/>
               <a:t>第二级</a:t>
             </a:r>
-            <a:endParaRPr lang="zh-CN" altLang="en-US" smtClean="0"/>
           </a:p>
           <a:p>
             <a:pPr lvl="2"/>
             <a:r>
-              <a:rPr lang="zh-CN" altLang="en-US" smtClean="0"/>
+              <a:rPr lang="zh-CN" altLang="en-US"/>
               <a:t>第三级</a:t>
             </a:r>
-            <a:endParaRPr lang="zh-CN" altLang="en-US" smtClean="0"/>
           </a:p>
           <a:p>
             <a:pPr lvl="3"/>
             <a:r>
-              <a:rPr lang="zh-CN" altLang="en-US" smtClean="0"/>
+              <a:rPr lang="zh-CN" altLang="en-US"/>
               <a:t>第四级</a:t>
             </a:r>
-            <a:endParaRPr lang="zh-CN" altLang="en-US" smtClean="0"/>
           </a:p>
           <a:p>
             <a:pPr lvl="4"/>
             <a:r>
-              <a:rPr lang="zh-CN" altLang="en-US" smtClean="0"/>
+              <a:rPr lang="zh-CN" altLang="en-US"/>
               <a:t>第五级</a:t>
             </a:r>
-            <a:endParaRPr lang="zh-CN" altLang="en-US"/>
           </a:p>
         </p:txBody>
       </p:sp>
@@ -1667,42 +1687,37 @@
           <a:p>
             <a:pPr lvl="0"/>
             <a:r>
-              <a:rPr lang="zh-CN" altLang="en-US" smtClean="0"/>
+              <a:rPr lang="zh-CN" altLang="en-US"/>
               <a:t>单击此处编辑母版文本样式</a:t>
             </a:r>
-            <a:endParaRPr lang="zh-CN" altLang="en-US" smtClean="0"/>
           </a:p>
           <a:p>
             <a:pPr lvl="1"/>
             <a:r>
-              <a:rPr lang="zh-CN" altLang="en-US" smtClean="0"/>
+              <a:rPr lang="zh-CN" altLang="en-US"/>
               <a:t>第二级</a:t>
             </a:r>
-            <a:endParaRPr lang="zh-CN" altLang="en-US" smtClean="0"/>
           </a:p>
           <a:p>
             <a:pPr lvl="2"/>
             <a:r>
-              <a:rPr lang="zh-CN" altLang="en-US" smtClean="0"/>
+              <a:rPr lang="zh-CN" altLang="en-US"/>
               <a:t>第三级</a:t>
             </a:r>
-            <a:endParaRPr lang="zh-CN" altLang="en-US" smtClean="0"/>
           </a:p>
           <a:p>
             <a:pPr lvl="3"/>
             <a:r>
-              <a:rPr lang="zh-CN" altLang="en-US" smtClean="0"/>
+              <a:rPr lang="zh-CN" altLang="en-US"/>
               <a:t>第四级</a:t>
             </a:r>
-            <a:endParaRPr lang="zh-CN" altLang="en-US" smtClean="0"/>
           </a:p>
           <a:p>
             <a:pPr lvl="4"/>
             <a:r>
-              <a:rPr lang="zh-CN" altLang="en-US" smtClean="0"/>
+              <a:rPr lang="zh-CN" altLang="en-US"/>
               <a:t>第五级</a:t>
             </a:r>
-            <a:endParaRPr lang="zh-CN" altLang="en-US"/>
           </a:p>
         </p:txBody>
       </p:sp>
@@ -1723,6 +1738,7 @@
           <a:p>
             <a:fld id="{D997B5FA-0921-464F-AAE1-844C04324D75}" type="datetimeFigureOut">
               <a:rPr lang="zh-CN" altLang="en-US" smtClean="0"/>
+              <a:t>2020/11/1</a:t>
             </a:fld>
             <a:endParaRPr lang="zh-CN" altLang="en-US"/>
           </a:p>
@@ -1764,6 +1780,7 @@
           <a:p>
             <a:fld id="{565CE74E-AB26-4998-AD42-012C4C1AD076}" type="slidenum">
               <a:rPr lang="zh-CN" altLang="en-US" smtClean="0"/>
+              <a:t>‹#›</a:t>
             </a:fld>
             <a:endParaRPr lang="zh-CN" altLang="en-US"/>
           </a:p>
@@ -1815,10 +1832,9 @@
           <a:lstStyle/>
           <a:p>
             <a:r>
-              <a:rPr lang="zh-CN" altLang="en-US" smtClean="0"/>
+              <a:rPr lang="zh-CN" altLang="en-US"/>
               <a:t>单击此处编辑母版标题样式</a:t>
             </a:r>
-            <a:endParaRPr lang="zh-CN" altLang="en-US"/>
           </a:p>
         </p:txBody>
       </p:sp>
@@ -1881,10 +1897,9 @@
           <a:p>
             <a:pPr lvl="0"/>
             <a:r>
-              <a:rPr lang="zh-CN" altLang="en-US" smtClean="0"/>
+              <a:rPr lang="zh-CN" altLang="en-US"/>
               <a:t>单击此处编辑母版文本样式</a:t>
             </a:r>
-            <a:endParaRPr lang="zh-CN" altLang="en-US" smtClean="0"/>
           </a:p>
         </p:txBody>
       </p:sp>
@@ -1910,42 +1925,37 @@
           <a:p>
             <a:pPr lvl="0"/>
             <a:r>
-              <a:rPr lang="zh-CN" altLang="en-US" smtClean="0"/>
+              <a:rPr lang="zh-CN" altLang="en-US"/>
               <a:t>单击此处编辑母版文本样式</a:t>
             </a:r>
-            <a:endParaRPr lang="zh-CN" altLang="en-US" smtClean="0"/>
           </a:p>
           <a:p>
             <a:pPr lvl="1"/>
             <a:r>
-              <a:rPr lang="zh-CN" altLang="en-US" smtClean="0"/>
+              <a:rPr lang="zh-CN" altLang="en-US"/>
               <a:t>第二级</a:t>
             </a:r>
-            <a:endParaRPr lang="zh-CN" altLang="en-US" smtClean="0"/>
           </a:p>
           <a:p>
             <a:pPr lvl="2"/>
             <a:r>
-              <a:rPr lang="zh-CN" altLang="en-US" smtClean="0"/>
+              <a:rPr lang="zh-CN" altLang="en-US"/>
               <a:t>第三级</a:t>
             </a:r>
-            <a:endParaRPr lang="zh-CN" altLang="en-US" smtClean="0"/>
           </a:p>
           <a:p>
             <a:pPr lvl="3"/>
             <a:r>
-              <a:rPr lang="zh-CN" altLang="en-US" smtClean="0"/>
+              <a:rPr lang="zh-CN" altLang="en-US"/>
               <a:t>第四级</a:t>
             </a:r>
-            <a:endParaRPr lang="zh-CN" altLang="en-US" smtClean="0"/>
           </a:p>
           <a:p>
             <a:pPr lvl="4"/>
             <a:r>
-              <a:rPr lang="zh-CN" altLang="en-US" smtClean="0"/>
+              <a:rPr lang="zh-CN" altLang="en-US"/>
               <a:t>第五级</a:t>
             </a:r>
-            <a:endParaRPr lang="zh-CN" altLang="en-US"/>
           </a:p>
         </p:txBody>
       </p:sp>
@@ -2008,10 +2018,9 @@
           <a:p>
             <a:pPr lvl="0"/>
             <a:r>
-              <a:rPr lang="zh-CN" altLang="en-US" smtClean="0"/>
+              <a:rPr lang="zh-CN" altLang="en-US"/>
               <a:t>单击此处编辑母版文本样式</a:t>
             </a:r>
-            <a:endParaRPr lang="zh-CN" altLang="en-US" smtClean="0"/>
           </a:p>
         </p:txBody>
       </p:sp>
@@ -2037,42 +2046,37 @@
           <a:p>
             <a:pPr lvl="0"/>
             <a:r>
-              <a:rPr lang="zh-CN" altLang="en-US" smtClean="0"/>
+              <a:rPr lang="zh-CN" altLang="en-US"/>
               <a:t>单击此处编辑母版文本样式</a:t>
             </a:r>
-            <a:endParaRPr lang="zh-CN" altLang="en-US" smtClean="0"/>
           </a:p>
           <a:p>
             <a:pPr lvl="1"/>
             <a:r>
-              <a:rPr lang="zh-CN" altLang="en-US" smtClean="0"/>
+              <a:rPr lang="zh-CN" altLang="en-US"/>
               <a:t>第二级</a:t>
             </a:r>
-            <a:endParaRPr lang="zh-CN" altLang="en-US" smtClean="0"/>
           </a:p>
           <a:p>
             <a:pPr lvl="2"/>
             <a:r>
-              <a:rPr lang="zh-CN" altLang="en-US" smtClean="0"/>
+              <a:rPr lang="zh-CN" altLang="en-US"/>
               <a:t>第三级</a:t>
             </a:r>
-            <a:endParaRPr lang="zh-CN" altLang="en-US" smtClean="0"/>
           </a:p>
           <a:p>
             <a:pPr lvl="3"/>
             <a:r>
-              <a:rPr lang="zh-CN" altLang="en-US" smtClean="0"/>
+              <a:rPr lang="zh-CN" altLang="en-US"/>
               <a:t>第四级</a:t>
             </a:r>
-            <a:endParaRPr lang="zh-CN" altLang="en-US" smtClean="0"/>
           </a:p>
           <a:p>
             <a:pPr lvl="4"/>
             <a:r>
-              <a:rPr lang="zh-CN" altLang="en-US" smtClean="0"/>
+              <a:rPr lang="zh-CN" altLang="en-US"/>
               <a:t>第五级</a:t>
             </a:r>
-            <a:endParaRPr lang="zh-CN" altLang="en-US"/>
           </a:p>
         </p:txBody>
       </p:sp>
@@ -2093,6 +2097,7 @@
           <a:p>
             <a:fld id="{D997B5FA-0921-464F-AAE1-844C04324D75}" type="datetimeFigureOut">
               <a:rPr lang="zh-CN" altLang="en-US" smtClean="0"/>
+              <a:t>2020/11/1</a:t>
             </a:fld>
             <a:endParaRPr lang="zh-CN" altLang="en-US"/>
           </a:p>
@@ -2134,6 +2139,7 @@
           <a:p>
             <a:fld id="{565CE74E-AB26-4998-AD42-012C4C1AD076}" type="slidenum">
               <a:rPr lang="zh-CN" altLang="en-US" smtClean="0"/>
+              <a:t>‹#›</a:t>
             </a:fld>
             <a:endParaRPr lang="zh-CN" altLang="en-US"/>
           </a:p>
@@ -2180,10 +2186,9 @@
           <a:lstStyle/>
           <a:p>
             <a:r>
-              <a:rPr lang="zh-CN" altLang="en-US" smtClean="0"/>
+              <a:rPr lang="zh-CN" altLang="en-US"/>
               <a:t>单击此处编辑母版标题样式</a:t>
             </a:r>
-            <a:endParaRPr lang="zh-CN" altLang="en-US"/>
           </a:p>
         </p:txBody>
       </p:sp>
@@ -2204,6 +2209,7 @@
           <a:p>
             <a:fld id="{D997B5FA-0921-464F-AAE1-844C04324D75}" type="datetimeFigureOut">
               <a:rPr lang="zh-CN" altLang="en-US" smtClean="0"/>
+              <a:t>2020/11/1</a:t>
             </a:fld>
             <a:endParaRPr lang="zh-CN" altLang="en-US"/>
           </a:p>
@@ -2245,6 +2251,7 @@
           <a:p>
             <a:fld id="{565CE74E-AB26-4998-AD42-012C4C1AD076}" type="slidenum">
               <a:rPr lang="zh-CN" altLang="en-US" smtClean="0"/>
+              <a:t>‹#›</a:t>
             </a:fld>
             <a:endParaRPr lang="zh-CN" altLang="en-US"/>
           </a:p>
@@ -2292,6 +2299,7 @@
           <a:p>
             <a:fld id="{D997B5FA-0921-464F-AAE1-844C04324D75}" type="datetimeFigureOut">
               <a:rPr lang="zh-CN" altLang="en-US" smtClean="0"/>
+              <a:t>2020/11/1</a:t>
             </a:fld>
             <a:endParaRPr lang="zh-CN" altLang="en-US"/>
           </a:p>
@@ -2333,6 +2341,7 @@
           <a:p>
             <a:fld id="{565CE74E-AB26-4998-AD42-012C4C1AD076}" type="slidenum">
               <a:rPr lang="zh-CN" altLang="en-US" smtClean="0"/>
+              <a:t>‹#›</a:t>
             </a:fld>
             <a:endParaRPr lang="zh-CN" altLang="en-US"/>
           </a:p>
@@ -2388,10 +2397,9 @@
           </a:lstStyle>
           <a:p>
             <a:r>
-              <a:rPr lang="zh-CN" altLang="en-US" smtClean="0"/>
+              <a:rPr lang="zh-CN" altLang="en-US"/>
               <a:t>单击此处编辑母版标题样式</a:t>
             </a:r>
-            <a:endParaRPr lang="zh-CN" altLang="en-US"/>
           </a:p>
         </p:txBody>
       </p:sp>
@@ -2445,42 +2453,37 @@
           <a:p>
             <a:pPr lvl="0"/>
             <a:r>
-              <a:rPr lang="zh-CN" altLang="en-US" smtClean="0"/>
+              <a:rPr lang="zh-CN" altLang="en-US"/>
               <a:t>单击此处编辑母版文本样式</a:t>
             </a:r>
-            <a:endParaRPr lang="zh-CN" altLang="en-US" smtClean="0"/>
           </a:p>
           <a:p>
             <a:pPr lvl="1"/>
             <a:r>
-              <a:rPr lang="zh-CN" altLang="en-US" smtClean="0"/>
+              <a:rPr lang="zh-CN" altLang="en-US"/>
               <a:t>第二级</a:t>
             </a:r>
-            <a:endParaRPr lang="zh-CN" altLang="en-US" smtClean="0"/>
           </a:p>
           <a:p>
             <a:pPr lvl="2"/>
             <a:r>
-              <a:rPr lang="zh-CN" altLang="en-US" smtClean="0"/>
+              <a:rPr lang="zh-CN" altLang="en-US"/>
               <a:t>第三级</a:t>
             </a:r>
-            <a:endParaRPr lang="zh-CN" altLang="en-US" smtClean="0"/>
           </a:p>
           <a:p>
             <a:pPr lvl="3"/>
             <a:r>
-              <a:rPr lang="zh-CN" altLang="en-US" smtClean="0"/>
+              <a:rPr lang="zh-CN" altLang="en-US"/>
               <a:t>第四级</a:t>
             </a:r>
-            <a:endParaRPr lang="zh-CN" altLang="en-US" smtClean="0"/>
           </a:p>
           <a:p>
             <a:pPr lvl="4"/>
             <a:r>
-              <a:rPr lang="zh-CN" altLang="en-US" smtClean="0"/>
+              <a:rPr lang="zh-CN" altLang="en-US"/>
               <a:t>第五级</a:t>
             </a:r>
-            <a:endParaRPr lang="zh-CN" altLang="en-US"/>
           </a:p>
         </p:txBody>
       </p:sp>
@@ -2543,10 +2546,9 @@
           <a:p>
             <a:pPr lvl="0"/>
             <a:r>
-              <a:rPr lang="zh-CN" altLang="en-US" smtClean="0"/>
+              <a:rPr lang="zh-CN" altLang="en-US"/>
               <a:t>单击此处编辑母版文本样式</a:t>
             </a:r>
-            <a:endParaRPr lang="zh-CN" altLang="en-US" smtClean="0"/>
           </a:p>
         </p:txBody>
       </p:sp>
@@ -2567,6 +2569,7 @@
           <a:p>
             <a:fld id="{D997B5FA-0921-464F-AAE1-844C04324D75}" type="datetimeFigureOut">
               <a:rPr lang="zh-CN" altLang="en-US" smtClean="0"/>
+              <a:t>2020/11/1</a:t>
             </a:fld>
             <a:endParaRPr lang="zh-CN" altLang="en-US"/>
           </a:p>
@@ -2608,6 +2611,7 @@
           <a:p>
             <a:fld id="{565CE74E-AB26-4998-AD42-012C4C1AD076}" type="slidenum">
               <a:rPr lang="zh-CN" altLang="en-US" smtClean="0"/>
+              <a:t>‹#›</a:t>
             </a:fld>
             <a:endParaRPr lang="zh-CN" altLang="en-US"/>
           </a:p>
@@ -2663,10 +2667,9 @@
           </a:lstStyle>
           <a:p>
             <a:r>
-              <a:rPr lang="zh-CN" altLang="en-US" smtClean="0"/>
+              <a:rPr lang="zh-CN" altLang="en-US"/>
               <a:t>单击此处编辑母版标题样式</a:t>
             </a:r>
-            <a:endParaRPr lang="zh-CN" altLang="en-US"/>
           </a:p>
         </p:txBody>
       </p:sp>
@@ -2790,10 +2793,9 @@
           <a:p>
             <a:pPr lvl="0"/>
             <a:r>
-              <a:rPr lang="zh-CN" altLang="en-US" smtClean="0"/>
+              <a:rPr lang="zh-CN" altLang="en-US"/>
               <a:t>单击此处编辑母版文本样式</a:t>
             </a:r>
-            <a:endParaRPr lang="zh-CN" altLang="en-US" smtClean="0"/>
           </a:p>
         </p:txBody>
       </p:sp>
@@ -2814,6 +2816,7 @@
           <a:p>
             <a:fld id="{D997B5FA-0921-464F-AAE1-844C04324D75}" type="datetimeFigureOut">
               <a:rPr lang="zh-CN" altLang="en-US" smtClean="0"/>
+              <a:t>2020/11/1</a:t>
             </a:fld>
             <a:endParaRPr lang="zh-CN" altLang="en-US"/>
           </a:p>
@@ -2855,6 +2858,7 @@
           <a:p>
             <a:fld id="{565CE74E-AB26-4998-AD42-012C4C1AD076}" type="slidenum">
               <a:rPr lang="zh-CN" altLang="en-US" smtClean="0"/>
+              <a:t>‹#›</a:t>
             </a:fld>
             <a:endParaRPr lang="zh-CN" altLang="en-US"/>
           </a:p>
@@ -2916,10 +2920,9 @@
           <a:lstStyle/>
           <a:p>
             <a:r>
-              <a:rPr lang="zh-CN" altLang="en-US" smtClean="0"/>
+              <a:rPr lang="zh-CN" altLang="en-US"/>
               <a:t>单击此处编辑母版标题样式</a:t>
             </a:r>
-            <a:endParaRPr lang="zh-CN" altLang="en-US"/>
           </a:p>
         </p:txBody>
       </p:sp>
@@ -2950,42 +2953,37 @@
           <a:p>
             <a:pPr lvl="0"/>
             <a:r>
-              <a:rPr lang="zh-CN" altLang="en-US" smtClean="0"/>
+              <a:rPr lang="zh-CN" altLang="en-US"/>
               <a:t>单击此处编辑母版文本样式</a:t>
             </a:r>
-            <a:endParaRPr lang="zh-CN" altLang="en-US" smtClean="0"/>
           </a:p>
           <a:p>
             <a:pPr lvl="1"/>
             <a:r>
-              <a:rPr lang="zh-CN" altLang="en-US" smtClean="0"/>
+              <a:rPr lang="zh-CN" altLang="en-US"/>
               <a:t>第二级</a:t>
             </a:r>
-            <a:endParaRPr lang="zh-CN" altLang="en-US" smtClean="0"/>
           </a:p>
           <a:p>
             <a:pPr lvl="2"/>
             <a:r>
-              <a:rPr lang="zh-CN" altLang="en-US" smtClean="0"/>
+              <a:rPr lang="zh-CN" altLang="en-US"/>
               <a:t>第三级</a:t>
             </a:r>
-            <a:endParaRPr lang="zh-CN" altLang="en-US" smtClean="0"/>
           </a:p>
           <a:p>
             <a:pPr lvl="3"/>
             <a:r>
-              <a:rPr lang="zh-CN" altLang="en-US" smtClean="0"/>
+              <a:rPr lang="zh-CN" altLang="en-US"/>
               <a:t>第四级</a:t>
             </a:r>
-            <a:endParaRPr lang="zh-CN" altLang="en-US" smtClean="0"/>
           </a:p>
           <a:p>
             <a:pPr lvl="4"/>
             <a:r>
-              <a:rPr lang="zh-CN" altLang="en-US" smtClean="0"/>
+              <a:rPr lang="zh-CN" altLang="en-US"/>
               <a:t>第五级</a:t>
             </a:r>
-            <a:endParaRPr lang="zh-CN" altLang="en-US"/>
           </a:p>
         </p:txBody>
       </p:sp>
@@ -3024,6 +3022,7 @@
           <a:p>
             <a:fld id="{D997B5FA-0921-464F-AAE1-844C04324D75}" type="datetimeFigureOut">
               <a:rPr lang="zh-CN" altLang="en-US" smtClean="0"/>
+              <a:t>2020/11/1</a:t>
             </a:fld>
             <a:endParaRPr lang="zh-CN" altLang="en-US"/>
           </a:p>
@@ -3101,6 +3100,7 @@
           <a:p>
             <a:fld id="{565CE74E-AB26-4998-AD42-012C4C1AD076}" type="slidenum">
               <a:rPr lang="zh-CN" altLang="en-US" smtClean="0"/>
+              <a:t>‹#›</a:t>
             </a:fld>
             <a:endParaRPr lang="zh-CN" altLang="en-US"/>
           </a:p>
@@ -3414,7 +3414,14 @@
         <p:cNvGrpSpPr/>
         <p:nvPr/>
       </p:nvGrpSpPr>
-      <p:grpSpPr/>
+      <p:grpSpPr>
+        <a:xfrm>
+          <a:off x="0" y="0"/>
+          <a:ext cx="0" cy="0"/>
+          <a:chOff x="0" y="0"/>
+          <a:chExt cx="0" cy="0"/>
+        </a:xfrm>
+      </p:grpSpPr>
       <p:sp>
         <p:nvSpPr>
           <p:cNvPr id="4" name="文本框 3"/>
@@ -3435,26 +3442,23 @@
           <a:bodyPr wrap="square" rtlCol="0">
             <a:spAutoFit/>
           </a:bodyPr>
+          <a:lstStyle/>
           <a:p>
             <a:r>
               <a:rPr lang="zh-CN" altLang="en-US" sz="4400"/>
-              <a:t>配套本</a:t>
-            </a:r>
-            <a:r>
-              <a:rPr lang="en-US" altLang="zh-CN" sz="4400"/>
-              <a:t>PPT</a:t>
-            </a:r>
-            <a:r>
-              <a:rPr lang="zh-CN" altLang="en-US" sz="4400"/>
-              <a:t>的视频链接：</a:t>
-            </a:r>
-            <a:r>
-              <a:rPr lang="zh-CN" altLang="en-US" sz="4400">
-                <a:hlinkClick r:id="rId1" tooltip="" action="ppaction://hlinkfile"/>
+              <a:t>配套的</a:t>
+            </a:r>
+            <a:r>
+              <a:rPr lang="zh-CN" altLang="en-US" sz="4400" dirty="0"/>
+              <a:t>视频链接：</a:t>
+            </a:r>
+            <a:r>
+              <a:rPr lang="zh-CN" altLang="en-US" sz="4400" dirty="0">
+                <a:hlinkClick r:id="rId2" action="ppaction://hlinkfile"/>
               </a:rPr>
               <a:t>https://www.bilibili.com/video/BV1b54y1U7AG</a:t>
             </a:r>
-            <a:endParaRPr lang="zh-CN" altLang="en-US" sz="4400"/>
+            <a:endParaRPr lang="zh-CN" altLang="en-US" sz="4400" dirty="0"/>
           </a:p>
         </p:txBody>
       </p:sp>
@@ -3475,7 +3479,14 @@
         <p:cNvGrpSpPr/>
         <p:nvPr/>
       </p:nvGrpSpPr>
-      <p:grpSpPr/>
+      <p:grpSpPr>
+        <a:xfrm>
+          <a:off x="0" y="0"/>
+          <a:ext cx="0" cy="0"/>
+          <a:chOff x="0" y="0"/>
+          <a:chExt cx="0" cy="0"/>
+        </a:xfrm>
+      </p:grpSpPr>
       <p:sp>
         <p:nvSpPr>
           <p:cNvPr id="7" name="文本框 6"/>
@@ -3496,6 +3507,7 @@
           <a:bodyPr wrap="square" rtlCol="0" anchor="t">
             <a:spAutoFit/>
           </a:bodyPr>
+          <a:lstStyle/>
           <a:p>
             <a:r>
               <a:rPr lang="zh-CN" altLang="en-US">
@@ -3547,13 +3559,6 @@
               </a:rPr>
               <a:t>/mysterywolf/RT-Thread-wrapper-of-uCOS-III</a:t>
             </a:r>
-            <a:endParaRPr lang="zh-CN" altLang="en-US">
-              <a:solidFill>
-                <a:schemeClr val="tx1"/>
-              </a:solidFill>
-              <a:uFillTx/>
-              <a:latin typeface="Times New Roman" panose="02020603050405020304" charset="0"/>
-            </a:endParaRPr>
           </a:p>
         </p:txBody>
       </p:sp>
@@ -3577,6 +3582,7 @@
           <a:bodyPr wrap="square" rtlCol="0" anchor="t">
             <a:spAutoFit/>
           </a:bodyPr>
+          <a:lstStyle/>
           <a:p>
             <a:pPr fontAlgn="auto">
               <a:lnSpc>
@@ -3595,7 +3601,6 @@
               <a:rPr lang="zh-CN" altLang="en-US" sz="2400" b="1"/>
               <a:t>有了本兼容层，对RT-Thread API以及编程风格的不熟悉再也不是您学习RT-Thread的阻力！</a:t>
             </a:r>
-            <a:endParaRPr lang="zh-CN" altLang="en-US" sz="2400" b="1"/>
           </a:p>
         </p:txBody>
       </p:sp>
@@ -3619,12 +3624,12 @@
           <a:bodyPr wrap="square" rtlCol="0" anchor="t">
             <a:spAutoFit/>
           </a:bodyPr>
+          <a:lstStyle/>
           <a:p>
             <a:r>
               <a:rPr lang="zh-CN" altLang="en-US" sz="3600"/>
               <a:t>本兼容层适合于</a:t>
             </a:r>
-            <a:endParaRPr lang="zh-CN" altLang="en-US" sz="3600"/>
           </a:p>
         </p:txBody>
       </p:sp>
@@ -3648,6 +3653,7 @@
           <a:bodyPr wrap="square" rtlCol="0" anchor="t">
             <a:spAutoFit/>
           </a:bodyPr>
+          <a:lstStyle/>
           <a:p>
             <a:r>
               <a:rPr lang="en-US" altLang="zh-CN" sz="2400"/>
@@ -3657,7 +3663,6 @@
               <a:rPr lang="zh-CN" altLang="en-US" sz="2400"/>
               <a:t>当需要快速基于RT-Thread开发产品，但是工程师之前均采用μC/OS开发，从未用过RT-Thread的开发经验。本兼容层可以帮助让工程师快速基于μC/OS开发经验开发产品，简化软件的重用、缩短微控制器新开发人员的学习过程，并缩短新设备的上市时间。</a:t>
             </a:r>
-            <a:endParaRPr lang="zh-CN" altLang="en-US" sz="2400"/>
           </a:p>
         </p:txBody>
       </p:sp>
@@ -3678,7 +3683,14 @@
         <p:cNvGrpSpPr/>
         <p:nvPr/>
       </p:nvGrpSpPr>
-      <p:grpSpPr/>
+      <p:grpSpPr>
+        <a:xfrm>
+          <a:off x="0" y="0"/>
+          <a:ext cx="0" cy="0"/>
+          <a:chOff x="0" y="0"/>
+          <a:chExt cx="0" cy="0"/>
+        </a:xfrm>
+      </p:grpSpPr>
       <p:sp>
         <p:nvSpPr>
           <p:cNvPr id="7" name="文本框 6"/>
@@ -3699,6 +3711,7 @@
           <a:bodyPr wrap="square" rtlCol="0" anchor="t">
             <a:spAutoFit/>
           </a:bodyPr>
+          <a:lstStyle/>
           <a:p>
             <a:r>
               <a:rPr lang="zh-CN" altLang="en-US">
@@ -3750,13 +3763,6 @@
               </a:rPr>
               <a:t>/mysterywolf/RT-Thread-wrapper-of-uCOS-III</a:t>
             </a:r>
-            <a:endParaRPr lang="zh-CN" altLang="en-US">
-              <a:solidFill>
-                <a:schemeClr val="tx1"/>
-              </a:solidFill>
-              <a:uFillTx/>
-              <a:latin typeface="Times New Roman" panose="02020603050405020304" charset="0"/>
-            </a:endParaRPr>
           </a:p>
         </p:txBody>
       </p:sp>
@@ -3780,12 +3786,12 @@
           <a:bodyPr wrap="square" rtlCol="0" anchor="t">
             <a:spAutoFit/>
           </a:bodyPr>
+          <a:lstStyle/>
           <a:p>
             <a:r>
               <a:rPr lang="zh-CN" altLang="en-US" sz="3600"/>
               <a:t>本兼容层适合于</a:t>
             </a:r>
-            <a:endParaRPr lang="zh-CN" altLang="en-US" sz="3600"/>
           </a:p>
         </p:txBody>
       </p:sp>
@@ -3809,6 +3815,7 @@
           <a:bodyPr wrap="square" rtlCol="0" anchor="t">
             <a:spAutoFit/>
           </a:bodyPr>
+          <a:lstStyle/>
           <a:p>
             <a:r>
               <a:rPr lang="en-US" altLang="zh-CN" sz="2400"/>
@@ -3818,7 +3825,6 @@
               <a:rPr lang="zh-CN" altLang="en-US" sz="2400"/>
               <a:t>现有任务（线程）模块采用μCOS-III编写，想要用在基于RT-Thread的工程上</a:t>
             </a:r>
-            <a:endParaRPr lang="zh-CN" altLang="en-US" sz="2400"/>
           </a:p>
         </p:txBody>
       </p:sp>
@@ -3842,6 +3848,7 @@
           <a:bodyPr wrap="square" rtlCol="0" anchor="t">
             <a:spAutoFit/>
           </a:bodyPr>
+          <a:lstStyle/>
           <a:p>
             <a:r>
               <a:rPr lang="en-US" altLang="zh-CN" sz="2400"/>
@@ -3851,7 +3858,6 @@
               <a:rPr lang="zh-CN" altLang="en-US" sz="2400"/>
               <a:t>老项目需要从μCOS-III操作系统向RT-Thread操作系统迁移</a:t>
             </a:r>
-            <a:endParaRPr lang="zh-CN" altLang="en-US" sz="2400"/>
           </a:p>
         </p:txBody>
       </p:sp>
@@ -3868,7 +3874,7 @@
           </p:nvPr>
         </p:nvPicPr>
         <p:blipFill>
-          <a:blip r:embed="rId2"/>
+          <a:blip r:embed="rId3"/>
           <a:stretch>
             <a:fillRect/>
           </a:stretch>
@@ -3900,7 +3906,14 @@
         <p:cNvGrpSpPr/>
         <p:nvPr/>
       </p:nvGrpSpPr>
-      <p:grpSpPr/>
+      <p:grpSpPr>
+        <a:xfrm>
+          <a:off x="0" y="0"/>
+          <a:ext cx="0" cy="0"/>
+          <a:chOff x="0" y="0"/>
+          <a:chExt cx="0" cy="0"/>
+        </a:xfrm>
+      </p:grpSpPr>
       <p:sp>
         <p:nvSpPr>
           <p:cNvPr id="7" name="文本框 6"/>
@@ -3921,6 +3934,7 @@
           <a:bodyPr wrap="square" rtlCol="0" anchor="t">
             <a:spAutoFit/>
           </a:bodyPr>
+          <a:lstStyle/>
           <a:p>
             <a:r>
               <a:rPr lang="zh-CN" altLang="en-US">
@@ -3972,13 +3986,6 @@
               </a:rPr>
               <a:t>/mysterywolf/RT-Thread-wrapper-of-uCOS-III</a:t>
             </a:r>
-            <a:endParaRPr lang="zh-CN" altLang="en-US">
-              <a:solidFill>
-                <a:schemeClr val="tx1"/>
-              </a:solidFill>
-              <a:uFillTx/>
-              <a:latin typeface="Times New Roman" panose="02020603050405020304" charset="0"/>
-            </a:endParaRPr>
           </a:p>
         </p:txBody>
       </p:sp>
@@ -4002,12 +4009,12 @@
           <a:bodyPr wrap="square" rtlCol="0" anchor="t">
             <a:spAutoFit/>
           </a:bodyPr>
+          <a:lstStyle/>
           <a:p>
             <a:r>
               <a:rPr lang="zh-CN" altLang="en-US" sz="3600"/>
               <a:t>本兼容层适合于</a:t>
             </a:r>
-            <a:endParaRPr lang="zh-CN" altLang="en-US" sz="3600"/>
           </a:p>
         </p:txBody>
       </p:sp>
@@ -4031,6 +4038,7 @@
           <a:bodyPr wrap="square" rtlCol="0" anchor="t">
             <a:spAutoFit/>
           </a:bodyPr>
+          <a:lstStyle/>
           <a:p>
             <a:r>
               <a:rPr lang="en-US" altLang="zh-CN" sz="2400"/>
@@ -4054,11 +4062,7 @@
             </a:r>
             <a:r>
               <a:rPr lang="zh-CN" altLang="en-US" sz="2400"/>
-              <a:t>时，</a:t>
-            </a:r>
-            <a:r>
-              <a:rPr lang="zh-CN" altLang="en-US" sz="2400"/>
-              <a:t>由于</a:t>
+              <a:t>时，由于</a:t>
             </a:r>
             <a:r>
               <a:rPr lang="en-US" altLang="zh-CN" sz="2400"/>
@@ -4068,7 +4072,6 @@
               <a:rPr lang="zh-CN" altLang="en-US" sz="2400"/>
               <a:t>的编程经验导致的思维定式引发的错误，这种错误一般很难被发现</a:t>
             </a:r>
-            <a:endParaRPr lang="zh-CN" altLang="en-US" sz="2400"/>
           </a:p>
           <a:p>
             <a:r>
@@ -4091,7 +4094,6 @@
               <a:rPr lang="zh-CN" altLang="en-US" sz="2400"/>
               <a:t>线程挂起、解挂函数的区别。</a:t>
             </a:r>
-            <a:endParaRPr lang="zh-CN" altLang="en-US" sz="2400"/>
           </a:p>
           <a:p>
             <a:r>
@@ -4102,7 +4104,6 @@
               <a:rPr lang="zh-CN" altLang="en-US" sz="2400"/>
               <a:t>不支持任务嵌套挂起、解挂</a:t>
             </a:r>
-            <a:endParaRPr lang="zh-CN" altLang="en-US" sz="2400"/>
           </a:p>
           <a:p>
             <a:r>
@@ -4113,7 +4114,6 @@
               <a:rPr lang="zh-CN" altLang="en-US" sz="2400"/>
               <a:t>支持任务嵌套挂起、解挂</a:t>
             </a:r>
-            <a:endParaRPr lang="zh-CN" altLang="en-US" sz="2400"/>
           </a:p>
           <a:p>
             <a:r>
@@ -4124,14 +4124,12 @@
               <a:rPr lang="zh-CN" altLang="en-US" sz="2400"/>
               <a:t>两个操作系统软定时器的延时参数</a:t>
             </a:r>
-            <a:endParaRPr lang="zh-CN" altLang="en-US" sz="2400"/>
           </a:p>
           <a:p>
             <a:r>
               <a:rPr lang="en-US" altLang="zh-CN" sz="2400"/>
               <a:t>                  3.任务堆栈的数据类型不同</a:t>
             </a:r>
-            <a:endParaRPr lang="en-US" altLang="zh-CN" sz="2400"/>
           </a:p>
         </p:txBody>
       </p:sp>
@@ -4152,7 +4150,14 @@
         <p:cNvGrpSpPr/>
         <p:nvPr/>
       </p:nvGrpSpPr>
-      <p:grpSpPr/>
+      <p:grpSpPr>
+        <a:xfrm>
+          <a:off x="0" y="0"/>
+          <a:ext cx="0" cy="0"/>
+          <a:chOff x="0" y="0"/>
+          <a:chExt cx="0" cy="0"/>
+        </a:xfrm>
+      </p:grpSpPr>
       <p:sp>
         <p:nvSpPr>
           <p:cNvPr id="7" name="文本框 6"/>
@@ -4173,6 +4178,7 @@
           <a:bodyPr wrap="square" rtlCol="0" anchor="t">
             <a:spAutoFit/>
           </a:bodyPr>
+          <a:lstStyle/>
           <a:p>
             <a:r>
               <a:rPr lang="zh-CN" altLang="en-US">
@@ -4224,13 +4230,6 @@
               </a:rPr>
               <a:t>/mysterywolf/RT-Thread-wrapper-of-uCOS-III</a:t>
             </a:r>
-            <a:endParaRPr lang="zh-CN" altLang="en-US">
-              <a:solidFill>
-                <a:schemeClr val="tx1"/>
-              </a:solidFill>
-              <a:uFillTx/>
-              <a:latin typeface="Times New Roman" panose="02020603050405020304" charset="0"/>
-            </a:endParaRPr>
           </a:p>
         </p:txBody>
       </p:sp>
@@ -4254,12 +4253,12 @@
           <a:bodyPr wrap="square" rtlCol="0" anchor="t">
             <a:spAutoFit/>
           </a:bodyPr>
+          <a:lstStyle/>
           <a:p>
             <a:r>
               <a:rPr lang="zh-CN" altLang="en-US" sz="3600"/>
               <a:t>本兼容层适合于</a:t>
             </a:r>
-            <a:endParaRPr lang="zh-CN" altLang="en-US" sz="3600"/>
           </a:p>
         </p:txBody>
       </p:sp>
@@ -4283,6 +4282,7 @@
           <a:bodyPr wrap="square" rtlCol="0" anchor="t">
             <a:spAutoFit/>
           </a:bodyPr>
+          <a:lstStyle/>
           <a:p>
             <a:r>
               <a:rPr lang="en-US" altLang="zh-CN" sz="2400"/>
@@ -4292,7 +4292,6 @@
               <a:rPr lang="zh-CN" altLang="en-US" sz="2400"/>
               <a:t>本兼容层实现了与Micriμm公司专门为其旗下产品μC/OS等开发的专用软件μC/Probe的对接，可以通过该软件以图像化形式查看、调试RT-Thread内核以及μCOS-III兼容层的相关信息</a:t>
             </a:r>
-            <a:endParaRPr lang="zh-CN" altLang="en-US" sz="2400"/>
           </a:p>
         </p:txBody>
       </p:sp>
@@ -4309,7 +4308,7 @@
           </p:nvPr>
         </p:nvPicPr>
         <p:blipFill>
-          <a:blip r:embed="rId2"/>
+          <a:blip r:embed="rId3"/>
           <a:stretch>
             <a:fillRect/>
           </a:stretch>
@@ -4363,6 +4362,7 @@
         </p:style>
         <p:txBody>
           <a:bodyPr rtlCol="0" anchor="ctr"/>
+          <a:lstStyle/>
           <a:p>
             <a:pPr algn="ctr"/>
             <a:endParaRPr lang="zh-CN" altLang="en-US"/>
@@ -4378,7 +4378,7 @@
           <p:nvPr/>
         </p:nvPicPr>
         <p:blipFill>
-          <a:blip r:embed="rId3"/>
+          <a:blip r:embed="rId4"/>
           <a:stretch>
             <a:fillRect/>
           </a:stretch>
@@ -4485,6 +4485,7 @@
           <a:bodyPr wrap="square" rtlCol="0" anchor="t">
             <a:spAutoFit/>
           </a:bodyPr>
+          <a:lstStyle/>
           <a:p>
             <a:r>
               <a:rPr lang="zh-CN" altLang="en-US" sz="2000"/>
@@ -4494,7 +4495,6 @@
               <a:rPr lang="en-US" altLang="zh-CN" sz="2000"/>
               <a:t>()....</a:t>
             </a:r>
-            <a:endParaRPr lang="en-US" altLang="zh-CN" sz="2000"/>
           </a:p>
         </p:txBody>
       </p:sp>
@@ -4503,13 +4503,6 @@
   <p:clrMapOvr>
     <a:masterClrMapping/>
   </p:clrMapOvr>
-  <p:timing>
-    <p:tnLst>
-      <p:par>
-        <p:cTn id="1" dur="indefinite" restart="never" nodeType="tmRoot"/>
-      </p:par>
-    </p:tnLst>
-  </p:timing>
 </p:sld>
 </file>
 
@@ -4522,7 +4515,14 @@
         <p:cNvGrpSpPr/>
         <p:nvPr/>
       </p:nvGrpSpPr>
-      <p:grpSpPr/>
+      <p:grpSpPr>
+        <a:xfrm>
+          <a:off x="0" y="0"/>
+          <a:ext cx="0" cy="0"/>
+          <a:chOff x="0" y="0"/>
+          <a:chExt cx="0" cy="0"/>
+        </a:xfrm>
+      </p:grpSpPr>
       <p:pic>
         <p:nvPicPr>
           <p:cNvPr id="4" name="图片 3" descr="KA-Screen-2"/>
@@ -4532,7 +4532,7 @@
           <p:nvPr/>
         </p:nvPicPr>
         <p:blipFill>
-          <a:blip r:embed="rId1"/>
+          <a:blip r:embed="rId2"/>
           <a:stretch>
             <a:fillRect/>
           </a:stretch>
@@ -4564,7 +4564,14 @@
         <p:cNvGrpSpPr/>
         <p:nvPr/>
       </p:nvGrpSpPr>
-      <p:grpSpPr/>
+      <p:grpSpPr>
+        <a:xfrm>
+          <a:off x="0" y="0"/>
+          <a:ext cx="0" cy="0"/>
+          <a:chOff x="0" y="0"/>
+          <a:chExt cx="0" cy="0"/>
+        </a:xfrm>
+      </p:grpSpPr>
       <p:pic>
         <p:nvPicPr>
           <p:cNvPr id="4" name="图片 3" descr="uC-Probe-Gauges"/>
@@ -4574,7 +4581,7 @@
           <p:nvPr/>
         </p:nvPicPr>
         <p:blipFill>
-          <a:blip r:embed="rId1"/>
+          <a:blip r:embed="rId2"/>
           <a:stretch>
             <a:fillRect/>
           </a:stretch>
@@ -4606,7 +4613,14 @@
         <p:cNvGrpSpPr/>
         <p:nvPr/>
       </p:nvGrpSpPr>
-      <p:grpSpPr/>
+      <p:grpSpPr>
+        <a:xfrm>
+          <a:off x="0" y="0"/>
+          <a:ext cx="0" cy="0"/>
+          <a:chOff x="0" y="0"/>
+          <a:chExt cx="0" cy="0"/>
+        </a:xfrm>
+      </p:grpSpPr>
       <p:pic>
         <p:nvPicPr>
           <p:cNvPr id="4" name="图片 3" descr="uC-Probe-Dashboard"/>
@@ -4616,7 +4630,7 @@
           <p:nvPr/>
         </p:nvPicPr>
         <p:blipFill>
-          <a:blip r:embed="rId1"/>
+          <a:blip r:embed="rId2"/>
           <a:stretch>
             <a:fillRect/>
           </a:stretch>
@@ -4648,7 +4662,14 @@
         <p:cNvGrpSpPr/>
         <p:nvPr/>
       </p:nvGrpSpPr>
-      <p:grpSpPr/>
+      <p:grpSpPr>
+        <a:xfrm>
+          <a:off x="0" y="0"/>
+          <a:ext cx="0" cy="0"/>
+          <a:chOff x="0" y="0"/>
+          <a:chExt cx="0" cy="0"/>
+        </a:xfrm>
+      </p:grpSpPr>
       <p:sp>
         <p:nvSpPr>
           <p:cNvPr id="2" name="文本框 1"/>
@@ -4669,6 +4690,7 @@
           <a:bodyPr wrap="square" rtlCol="0">
             <a:spAutoFit/>
           </a:bodyPr>
+          <a:lstStyle/>
           <a:p>
             <a:pPr algn="ctr"/>
             <a:r>
@@ -4691,7 +4713,6 @@
               <a:rPr lang="zh-CN" altLang="en-US" sz="3200"/>
               <a:t>文件</a:t>
             </a:r>
-            <a:endParaRPr lang="zh-CN" altLang="en-US" sz="3200"/>
           </a:p>
           <a:p>
             <a:pPr algn="ctr"/>
@@ -4735,9 +4756,6 @@
               </a:rPr>
               <a:t>版本</a:t>
             </a:r>
-            <a:endParaRPr lang="zh-CN" altLang="en-US" sz="3200">
-              <a:sym typeface="+mn-ea"/>
-            </a:endParaRPr>
           </a:p>
         </p:txBody>
       </p:sp>
@@ -4761,6 +4779,7 @@
           <a:bodyPr wrap="square" rtlCol="0" anchor="t">
             <a:spAutoFit/>
           </a:bodyPr>
+          <a:lstStyle/>
           <a:p>
             <a:r>
               <a:rPr lang="zh-CN" altLang="en-US">
@@ -4812,13 +4831,6 @@
               </a:rPr>
               <a:t>/mysterywolf/RT-Thread-wrapper-of-uCOS-III</a:t>
             </a:r>
-            <a:endParaRPr lang="zh-CN" altLang="en-US">
-              <a:solidFill>
-                <a:schemeClr val="tx1"/>
-              </a:solidFill>
-              <a:uFillTx/>
-              <a:latin typeface="Times New Roman" panose="02020603050405020304" charset="0"/>
-            </a:endParaRPr>
           </a:p>
         </p:txBody>
       </p:sp>
@@ -4839,7 +4851,14 @@
         <p:cNvGrpSpPr/>
         <p:nvPr/>
       </p:nvGrpSpPr>
-      <p:grpSpPr/>
+      <p:grpSpPr>
+        <a:xfrm>
+          <a:off x="0" y="0"/>
+          <a:ext cx="0" cy="0"/>
+          <a:chOff x="0" y="0"/>
+          <a:chExt cx="0" cy="0"/>
+        </a:xfrm>
+      </p:grpSpPr>
       <p:sp>
         <p:nvSpPr>
           <p:cNvPr id="3" name="文本框 2"/>
@@ -4860,6 +4879,7 @@
           <a:bodyPr wrap="square" rtlCol="0">
             <a:spAutoFit/>
           </a:bodyPr>
+          <a:lstStyle/>
           <a:p>
             <a:r>
               <a:rPr lang="zh-CN" altLang="en-US" sz="4000"/>
@@ -4885,7 +4905,6 @@
               <a:rPr lang="zh-CN" altLang="en-US" sz="3200"/>
               <a:t>兼容层</a:t>
             </a:r>
-            <a:endParaRPr lang="zh-CN" altLang="en-US" sz="3200"/>
           </a:p>
         </p:txBody>
       </p:sp>
@@ -4909,6 +4928,7 @@
           <a:bodyPr wrap="square" rtlCol="0">
             <a:spAutoFit/>
           </a:bodyPr>
+          <a:lstStyle/>
           <a:p>
             <a:r>
               <a:rPr lang="zh-CN" altLang="en-US" sz="4000"/>
@@ -4934,7 +4954,6 @@
               <a:rPr lang="zh-CN" altLang="en-US" sz="2800"/>
               <a:t>兼容层</a:t>
             </a:r>
-            <a:endParaRPr lang="zh-CN" altLang="en-US" sz="2800"/>
           </a:p>
         </p:txBody>
       </p:sp>
@@ -5034,7 +5053,14 @@
         <p:cNvGrpSpPr/>
         <p:nvPr/>
       </p:nvGrpSpPr>
-      <p:grpSpPr/>
+      <p:grpSpPr>
+        <a:xfrm>
+          <a:off x="0" y="0"/>
+          <a:ext cx="0" cy="0"/>
+          <a:chOff x="0" y="0"/>
+          <a:chExt cx="0" cy="0"/>
+        </a:xfrm>
+      </p:grpSpPr>
       <p:sp>
         <p:nvSpPr>
           <p:cNvPr id="4" name="文本框 3"/>
@@ -5055,6 +5081,7 @@
           <a:bodyPr wrap="square" rtlCol="0">
             <a:spAutoFit/>
           </a:bodyPr>
+          <a:lstStyle/>
           <a:p>
             <a:r>
               <a:rPr lang="zh-CN" altLang="en-US" sz="4000"/>
@@ -5076,7 +5103,6 @@
               <a:rPr lang="zh-CN" altLang="en-US" sz="4000"/>
               <a:t>接口封装层</a:t>
             </a:r>
-            <a:endParaRPr lang="zh-CN" altLang="en-US" sz="4000"/>
           </a:p>
         </p:txBody>
       </p:sp>
@@ -5100,12 +5126,12 @@
           <a:bodyPr wrap="square" rtlCol="0">
             <a:spAutoFit/>
           </a:bodyPr>
+          <a:lstStyle/>
           <a:p>
             <a:r>
               <a:rPr lang="zh-CN" altLang="en-US" sz="3200"/>
               <a:t>https://github.com/RT-Thread-packages/CMSIS</a:t>
             </a:r>
-            <a:endParaRPr lang="zh-CN" altLang="en-US" sz="3200"/>
           </a:p>
         </p:txBody>
       </p:sp>
@@ -5126,7 +5152,14 @@
         <p:cNvGrpSpPr/>
         <p:nvPr/>
       </p:nvGrpSpPr>
-      <p:grpSpPr/>
+      <p:grpSpPr>
+        <a:xfrm>
+          <a:off x="0" y="0"/>
+          <a:ext cx="0" cy="0"/>
+          <a:chOff x="0" y="0"/>
+          <a:chExt cx="0" cy="0"/>
+        </a:xfrm>
+      </p:grpSpPr>
       <p:sp>
         <p:nvSpPr>
           <p:cNvPr id="4" name="文本框 3"/>
@@ -5147,12 +5180,12 @@
           <a:bodyPr wrap="square" rtlCol="0" anchor="t">
             <a:spAutoFit/>
           </a:bodyPr>
+          <a:lstStyle/>
           <a:p>
             <a:r>
               <a:rPr lang="zh-CN" altLang="en-US" sz="7200"/>
               <a:t>μCOS-III Wrapper</a:t>
             </a:r>
-            <a:endParaRPr lang="zh-CN" altLang="en-US" sz="7200"/>
           </a:p>
         </p:txBody>
       </p:sp>
@@ -5176,13 +5209,13 @@
           <a:bodyPr wrap="square" rtlCol="0" anchor="t">
             <a:spAutoFit/>
           </a:bodyPr>
+          <a:lstStyle/>
           <a:p>
             <a:pPr algn="ctr"/>
             <a:r>
               <a:rPr lang="zh-CN" altLang="en-US" sz="4000"/>
               <a:t>RT-Thread操作系统的μC/OS-III兼容层</a:t>
             </a:r>
-            <a:endParaRPr lang="zh-CN" altLang="en-US" sz="4000"/>
           </a:p>
         </p:txBody>
       </p:sp>
@@ -5206,6 +5239,7 @@
           <a:bodyPr wrap="square" rtlCol="0">
             <a:spAutoFit/>
           </a:bodyPr>
+          <a:lstStyle/>
           <a:p>
             <a:pPr algn="ctr"/>
             <a:r>
@@ -5219,7 +5253,6 @@
               <a:rPr lang="en-US" altLang="zh-CN" sz="2400"/>
               <a:t>Meco Man</a:t>
             </a:r>
-            <a:endParaRPr lang="en-US" altLang="zh-CN" sz="2400"/>
           </a:p>
         </p:txBody>
       </p:sp>
@@ -5243,6 +5276,7 @@
           <a:bodyPr wrap="square" rtlCol="0" anchor="t">
             <a:spAutoFit/>
           </a:bodyPr>
+          <a:lstStyle/>
           <a:p>
             <a:r>
               <a:rPr lang="zh-CN" altLang="en-US">
@@ -5294,13 +5328,6 @@
               </a:rPr>
               <a:t>/mysterywolf/RT-Thread-wrapper-of-uCOS-III</a:t>
             </a:r>
-            <a:endParaRPr lang="zh-CN" altLang="en-US">
-              <a:solidFill>
-                <a:schemeClr val="tx1"/>
-              </a:solidFill>
-              <a:uFillTx/>
-              <a:latin typeface="Times New Roman" panose="02020603050405020304" charset="0"/>
-            </a:endParaRPr>
           </a:p>
         </p:txBody>
       </p:sp>
@@ -5321,7 +5348,14 @@
         <p:cNvGrpSpPr/>
         <p:nvPr/>
       </p:nvGrpSpPr>
-      <p:grpSpPr/>
+      <p:grpSpPr>
+        <a:xfrm>
+          <a:off x="0" y="0"/>
+          <a:ext cx="0" cy="0"/>
+          <a:chOff x="0" y="0"/>
+          <a:chExt cx="0" cy="0"/>
+        </a:xfrm>
+      </p:grpSpPr>
       <p:sp>
         <p:nvSpPr>
           <p:cNvPr id="2" name="文本框 1"/>
@@ -5342,12 +5376,12 @@
           <a:bodyPr wrap="square" rtlCol="0">
             <a:spAutoFit/>
           </a:bodyPr>
+          <a:lstStyle/>
           <a:p>
             <a:r>
               <a:rPr lang="zh-CN" altLang="en-US" sz="8800"/>
               <a:t>演示</a:t>
             </a:r>
-            <a:endParaRPr lang="zh-CN" altLang="en-US" sz="8800"/>
           </a:p>
         </p:txBody>
       </p:sp>
@@ -5371,6 +5405,7 @@
           <a:bodyPr wrap="square" rtlCol="0" anchor="t">
             <a:spAutoFit/>
           </a:bodyPr>
+          <a:lstStyle/>
           <a:p>
             <a:r>
               <a:rPr lang="zh-CN" altLang="en-US">
@@ -5422,13 +5457,6 @@
               </a:rPr>
               <a:t>/mysterywolf/RT-Thread-wrapper-of-uCOS-III</a:t>
             </a:r>
-            <a:endParaRPr lang="zh-CN" altLang="en-US">
-              <a:solidFill>
-                <a:schemeClr val="tx1"/>
-              </a:solidFill>
-              <a:uFillTx/>
-              <a:latin typeface="Times New Roman" panose="02020603050405020304" charset="0"/>
-            </a:endParaRPr>
           </a:p>
         </p:txBody>
       </p:sp>
@@ -5449,7 +5477,14 @@
         <p:cNvGrpSpPr/>
         <p:nvPr/>
       </p:nvGrpSpPr>
-      <p:grpSpPr/>
+      <p:grpSpPr>
+        <a:xfrm>
+          <a:off x="0" y="0"/>
+          <a:ext cx="0" cy="0"/>
+          <a:chOff x="0" y="0"/>
+          <a:chExt cx="0" cy="0"/>
+        </a:xfrm>
+      </p:grpSpPr>
       <p:sp>
         <p:nvSpPr>
           <p:cNvPr id="7" name="文本框 6"/>
@@ -5470,6 +5505,7 @@
           <a:bodyPr wrap="square" rtlCol="0" anchor="t">
             <a:spAutoFit/>
           </a:bodyPr>
+          <a:lstStyle/>
           <a:p>
             <a:r>
               <a:rPr lang="zh-CN" altLang="en-US">
@@ -5521,13 +5557,6 @@
               </a:rPr>
               <a:t>/mysterywolf/RT-Thread-wrapper-of-uCOS-III</a:t>
             </a:r>
-            <a:endParaRPr lang="zh-CN" altLang="en-US">
-              <a:solidFill>
-                <a:schemeClr val="tx1"/>
-              </a:solidFill>
-              <a:uFillTx/>
-              <a:latin typeface="Times New Roman" panose="02020603050405020304" charset="0"/>
-            </a:endParaRPr>
           </a:p>
         </p:txBody>
       </p:sp>
@@ -5540,7 +5569,7 @@
           <p:nvPr/>
         </p:nvPicPr>
         <p:blipFill>
-          <a:blip r:embed="rId1"/>
+          <a:blip r:embed="rId2"/>
           <a:stretch>
             <a:fillRect/>
           </a:stretch>
@@ -5575,6 +5604,7 @@
           <a:bodyPr wrap="square" rtlCol="0">
             <a:spAutoFit/>
           </a:bodyPr>
+          <a:lstStyle/>
           <a:p>
             <a:r>
               <a:rPr lang="en-US" altLang="zh-CN" sz="2400"/>
@@ -5584,7 +5614,6 @@
               <a:rPr lang="zh-CN" altLang="en-US" sz="2400"/>
               <a:t>年被清华大学邵贝贝教授引进国内</a:t>
             </a:r>
-            <a:endParaRPr lang="zh-CN" altLang="en-US" sz="2400"/>
           </a:p>
           <a:p>
             <a:endParaRPr lang="zh-CN" altLang="en-US" sz="2400"/>
@@ -5598,7 +5627,6 @@
               <a:rPr lang="en-US" altLang="zh-CN" sz="2400"/>
               <a:t>RTOS</a:t>
             </a:r>
-            <a:endParaRPr lang="en-US" altLang="zh-CN" sz="2400"/>
           </a:p>
           <a:p>
             <a:endParaRPr lang="en-US" altLang="zh-CN" sz="2400"/>
@@ -5614,11 +5642,7 @@
             </a:r>
             <a:r>
               <a:rPr lang="en-US" altLang="zh-CN" sz="2400"/>
-              <a:t>μ</a:t>
-            </a:r>
-            <a:r>
-              <a:rPr lang="en-US" altLang="zh-CN" sz="2400"/>
-              <a:t>C/OS</a:t>
+              <a:t>μC/OS</a:t>
             </a:r>
             <a:r>
               <a:rPr lang="zh-CN" altLang="en-US" sz="2400"/>
@@ -5645,7 +5669,14 @@
         <p:cNvGrpSpPr/>
         <p:nvPr/>
       </p:nvGrpSpPr>
-      <p:grpSpPr/>
+      <p:grpSpPr>
+        <a:xfrm>
+          <a:off x="0" y="0"/>
+          <a:ext cx="0" cy="0"/>
+          <a:chOff x="0" y="0"/>
+          <a:chExt cx="0" cy="0"/>
+        </a:xfrm>
+      </p:grpSpPr>
       <p:pic>
         <p:nvPicPr>
           <p:cNvPr id="4" name="图片 3" descr="architecturezh"/>
@@ -5659,7 +5690,7 @@
           </p:nvPr>
         </p:nvPicPr>
         <p:blipFill>
-          <a:blip r:embed="rId2"/>
+          <a:blip r:embed="rId4"/>
           <a:stretch>
             <a:fillRect/>
           </a:stretch>
@@ -5682,12 +5713,12 @@
           </p:cNvPicPr>
           <p:nvPr>
             <p:custDataLst>
-              <p:tags r:id="rId3"/>
+              <p:tags r:id="rId2"/>
             </p:custDataLst>
           </p:nvPr>
         </p:nvPicPr>
         <p:blipFill>
-          <a:blip r:embed="rId4"/>
+          <a:blip r:embed="rId5"/>
           <a:stretch>
             <a:fillRect/>
           </a:stretch>
@@ -5742,6 +5773,7 @@
         </p:style>
         <p:txBody>
           <a:bodyPr rtlCol="0" anchor="ctr"/>
+          <a:lstStyle/>
           <a:p>
             <a:pPr algn="ctr"/>
             <a:endParaRPr lang="zh-CN" altLang="en-US"/>
@@ -5853,7 +5885,14 @@
         <p:cNvGrpSpPr/>
         <p:nvPr/>
       </p:nvGrpSpPr>
-      <p:grpSpPr/>
+      <p:grpSpPr>
+        <a:xfrm>
+          <a:off x="0" y="0"/>
+          <a:ext cx="0" cy="0"/>
+          <a:chOff x="0" y="0"/>
+          <a:chExt cx="0" cy="0"/>
+        </a:xfrm>
+      </p:grpSpPr>
       <p:pic>
         <p:nvPicPr>
           <p:cNvPr id="4" name="图片 3" descr="framework"/>
@@ -5867,7 +5906,7 @@
           </p:nvPr>
         </p:nvPicPr>
         <p:blipFill>
-          <a:blip r:embed="rId2"/>
+          <a:blip r:embed="rId3"/>
           <a:stretch>
             <a:fillRect/>
           </a:stretch>
@@ -5902,12 +5941,12 @@
           <a:bodyPr wrap="square" rtlCol="0" anchor="t">
             <a:spAutoFit/>
           </a:bodyPr>
+          <a:lstStyle/>
           <a:p>
             <a:r>
               <a:rPr lang="zh-CN" altLang="en-US" sz="3600"/>
               <a:t>RT-Thread Nano  一个极简版的硬实时内核</a:t>
             </a:r>
-            <a:endParaRPr lang="zh-CN" altLang="en-US" sz="3600"/>
           </a:p>
         </p:txBody>
       </p:sp>
@@ -5931,6 +5970,7 @@
           <a:bodyPr wrap="square" rtlCol="0" anchor="t">
             <a:spAutoFit/>
           </a:bodyPr>
+          <a:lstStyle/>
           <a:p>
             <a:r>
               <a:rPr lang="zh-CN" altLang="en-US" sz="2800"/>
@@ -5944,7 +5984,6 @@
               <a:rPr lang="zh-CN" altLang="en-US" sz="2800"/>
               <a:t>github.com/RT-Thread/rtthread-nano</a:t>
             </a:r>
-            <a:endParaRPr lang="zh-CN" altLang="en-US" sz="2800"/>
           </a:p>
         </p:txBody>
       </p:sp>
@@ -6077,7 +6116,14 @@
         <p:cNvGrpSpPr/>
         <p:nvPr/>
       </p:nvGrpSpPr>
-      <p:grpSpPr/>
+      <p:grpSpPr>
+        <a:xfrm>
+          <a:off x="0" y="0"/>
+          <a:ext cx="0" cy="0"/>
+          <a:chOff x="0" y="0"/>
+          <a:chExt cx="0" cy="0"/>
+        </a:xfrm>
+      </p:grpSpPr>
       <p:sp>
         <p:nvSpPr>
           <p:cNvPr id="4" name="文本框 3"/>
@@ -6098,12 +6144,12 @@
           <a:bodyPr wrap="square" rtlCol="0" anchor="t">
             <a:spAutoFit/>
           </a:bodyPr>
+          <a:lstStyle/>
           <a:p>
             <a:r>
               <a:rPr lang="zh-CN" altLang="en-US" sz="7200"/>
               <a:t>μCOS-III Wrapper</a:t>
             </a:r>
-            <a:endParaRPr lang="zh-CN" altLang="en-US" sz="7200"/>
           </a:p>
         </p:txBody>
       </p:sp>
@@ -6127,13 +6173,13 @@
           <a:bodyPr wrap="square" rtlCol="0" anchor="t">
             <a:spAutoFit/>
           </a:bodyPr>
+          <a:lstStyle/>
           <a:p>
             <a:pPr algn="ctr"/>
             <a:r>
               <a:rPr lang="zh-CN" altLang="en-US" sz="4000"/>
               <a:t>RT-Thread操作系统的μC/OS-III兼容层</a:t>
             </a:r>
-            <a:endParaRPr lang="zh-CN" altLang="en-US" sz="4000"/>
           </a:p>
         </p:txBody>
       </p:sp>
@@ -6157,6 +6203,7 @@
           <a:bodyPr wrap="square" rtlCol="0" anchor="t">
             <a:spAutoFit/>
           </a:bodyPr>
+          <a:lstStyle/>
           <a:p>
             <a:r>
               <a:rPr lang="zh-CN" altLang="en-US">
@@ -6208,13 +6255,6 @@
               </a:rPr>
               <a:t>/mysterywolf/RT-Thread-wrapper-of-uCOS-III</a:t>
             </a:r>
-            <a:endParaRPr lang="zh-CN" altLang="en-US">
-              <a:solidFill>
-                <a:schemeClr val="tx1"/>
-              </a:solidFill>
-              <a:uFillTx/>
-              <a:latin typeface="Times New Roman" panose="02020603050405020304" charset="0"/>
-            </a:endParaRPr>
           </a:p>
         </p:txBody>
       </p:sp>
@@ -6238,6 +6278,7 @@
           <a:bodyPr wrap="square" rtlCol="0">
             <a:spAutoFit/>
           </a:bodyPr>
+          <a:lstStyle/>
           <a:p>
             <a:r>
               <a:rPr lang="zh-CN" altLang="en-US" sz="3200"/>
@@ -6273,7 +6314,6 @@
               <a:rPr lang="zh-CN" altLang="en-US" sz="3200"/>
               <a:t>操作系统</a:t>
             </a:r>
-            <a:endParaRPr lang="zh-CN" altLang="en-US" sz="3200"/>
           </a:p>
         </p:txBody>
       </p:sp>
@@ -6297,6 +6337,7 @@
           <a:bodyPr wrap="square" rtlCol="0">
             <a:spAutoFit/>
           </a:bodyPr>
+          <a:lstStyle/>
           <a:p>
             <a:pPr algn="ctr"/>
             <a:r>
@@ -6311,7 +6352,6 @@
               <a:rPr lang="zh-CN" altLang="zh-CN" sz="3200"/>
               <a:t>，</a:t>
             </a:r>
-            <a:endParaRPr lang="zh-CN" altLang="zh-CN" sz="3200"/>
           </a:p>
           <a:p>
             <a:pPr algn="ctr"/>
@@ -6335,11 +6375,6 @@
               </a:rPr>
               <a:t>原汁原味</a:t>
             </a:r>
-            <a:endParaRPr lang="zh-CN" altLang="en-US" sz="3200">
-              <a:solidFill>
-                <a:srgbClr val="FF0000"/>
-              </a:solidFill>
-            </a:endParaRPr>
           </a:p>
         </p:txBody>
       </p:sp>
@@ -6360,7 +6395,14 @@
         <p:cNvGrpSpPr/>
         <p:nvPr/>
       </p:nvGrpSpPr>
-      <p:grpSpPr/>
+      <p:grpSpPr>
+        <a:xfrm>
+          <a:off x="0" y="0"/>
+          <a:ext cx="0" cy="0"/>
+          <a:chOff x="0" y="0"/>
+          <a:chExt cx="0" cy="0"/>
+        </a:xfrm>
+      </p:grpSpPr>
       <p:sp>
         <p:nvSpPr>
           <p:cNvPr id="7" name="文本框 6"/>
@@ -6381,6 +6423,7 @@
           <a:bodyPr wrap="square" rtlCol="0" anchor="t">
             <a:spAutoFit/>
           </a:bodyPr>
+          <a:lstStyle/>
           <a:p>
             <a:r>
               <a:rPr lang="zh-CN" altLang="en-US">
@@ -6432,13 +6475,6 @@
               </a:rPr>
               <a:t>/mysterywolf/RT-Thread-wrapper-of-uCOS-III</a:t>
             </a:r>
-            <a:endParaRPr lang="zh-CN" altLang="en-US">
-              <a:solidFill>
-                <a:schemeClr val="tx1"/>
-              </a:solidFill>
-              <a:uFillTx/>
-              <a:latin typeface="Times New Roman" panose="02020603050405020304" charset="0"/>
-            </a:endParaRPr>
           </a:p>
         </p:txBody>
       </p:sp>
@@ -6462,6 +6498,7 @@
           <a:bodyPr wrap="square" rtlCol="0" anchor="t">
             <a:spAutoFit/>
           </a:bodyPr>
+          <a:lstStyle/>
           <a:p>
             <a:r>
               <a:rPr lang="zh-CN" altLang="en-US" sz="3200"/>
@@ -6475,7 +6512,6 @@
               <a:rPr lang="zh-CN" altLang="en-US" sz="3200"/>
               <a:t>个</a:t>
             </a:r>
-            <a:endParaRPr lang="zh-CN" altLang="en-US" sz="3200"/>
           </a:p>
         </p:txBody>
       </p:sp>
@@ -6499,12 +6535,12 @@
           <a:bodyPr wrap="square" rtlCol="0" anchor="t">
             <a:spAutoFit/>
           </a:bodyPr>
+          <a:lstStyle/>
           <a:p>
             <a:r>
               <a:rPr lang="zh-CN" altLang="en-US" sz="2400"/>
               <a:t>void  OSTaskTimeQuantaSet (OS_TCB *p_tcb, OS_TICK time_quanta, OS_ERR *p_err);</a:t>
             </a:r>
-            <a:endParaRPr lang="zh-CN" altLang="en-US" sz="2400"/>
           </a:p>
         </p:txBody>
       </p:sp>
@@ -6528,6 +6564,7 @@
           <a:bodyPr wrap="square" rtlCol="0">
             <a:spAutoFit/>
           </a:bodyPr>
+          <a:lstStyle/>
           <a:p>
             <a:r>
               <a:rPr lang="zh-CN" altLang="en-US" sz="2800"/>
@@ -6539,19 +6576,11 @@
             </a:r>
             <a:r>
               <a:rPr lang="zh-CN" altLang="en-US" sz="2800"/>
-              <a:t>基础上</a:t>
-            </a:r>
-            <a:r>
-              <a:rPr lang="zh-CN" altLang="en-US" sz="2800"/>
-              <a:t>，实现</a:t>
+              <a:t>基础上，实现</a:t>
             </a:r>
             <a:r>
               <a:rPr lang="en-US" altLang="zh-CN" sz="2800"/>
-              <a:t>μ</a:t>
-            </a:r>
-            <a:r>
-              <a:rPr lang="en-US" altLang="zh-CN" sz="2800"/>
-              <a:t>COS-III</a:t>
+              <a:t>μCOS-III</a:t>
             </a:r>
             <a:r>
               <a:rPr lang="zh-CN" altLang="en-US" sz="4800"/>
@@ -6569,7 +6598,6 @@
               <a:rPr lang="zh-CN" altLang="en-US" sz="2800"/>
               <a:t>）</a:t>
             </a:r>
-            <a:endParaRPr lang="zh-CN" altLang="en-US" sz="2800"/>
           </a:p>
         </p:txBody>
       </p:sp>
@@ -6590,7 +6618,14 @@
         <p:cNvGrpSpPr/>
         <p:nvPr/>
       </p:nvGrpSpPr>
-      <p:grpSpPr/>
+      <p:grpSpPr>
+        <a:xfrm>
+          <a:off x="0" y="0"/>
+          <a:ext cx="0" cy="0"/>
+          <a:chOff x="0" y="0"/>
+          <a:chExt cx="0" cy="0"/>
+        </a:xfrm>
+      </p:grpSpPr>
       <p:sp>
         <p:nvSpPr>
           <p:cNvPr id="7" name="文本框 6"/>
@@ -6611,6 +6646,7 @@
           <a:bodyPr wrap="square" rtlCol="0" anchor="t">
             <a:spAutoFit/>
           </a:bodyPr>
+          <a:lstStyle/>
           <a:p>
             <a:r>
               <a:rPr lang="zh-CN" altLang="en-US">
@@ -6662,13 +6698,6 @@
               </a:rPr>
               <a:t>/mysterywolf/RT-Thread-wrapper-of-uCOS-III</a:t>
             </a:r>
-            <a:endParaRPr lang="zh-CN" altLang="en-US">
-              <a:solidFill>
-                <a:schemeClr val="tx1"/>
-              </a:solidFill>
-              <a:uFillTx/>
-              <a:latin typeface="Times New Roman" panose="02020603050405020304" charset="0"/>
-            </a:endParaRPr>
           </a:p>
         </p:txBody>
       </p:sp>
@@ -6692,12 +6721,12 @@
           <a:bodyPr wrap="square" rtlCol="0" anchor="t">
             <a:spAutoFit/>
           </a:bodyPr>
+          <a:lstStyle/>
           <a:p>
             <a:r>
               <a:rPr lang="zh-CN" altLang="en-US" sz="3600"/>
               <a:t>本兼容层实现了</a:t>
             </a:r>
-            <a:endParaRPr lang="zh-CN" altLang="en-US" sz="3600"/>
           </a:p>
         </p:txBody>
       </p:sp>
@@ -6721,6 +6750,7 @@
           <a:bodyPr wrap="square" rtlCol="0">
             <a:spAutoFit/>
           </a:bodyPr>
+          <a:lstStyle/>
           <a:p>
             <a:r>
               <a:rPr lang="en-US" altLang="zh-CN" sz="2800"/>
@@ -6773,6 +6803,47 @@
                 </a:solidFill>
               </a:rPr>
               <a:t>）</a:t>
+            </a:r>
+          </a:p>
+        </p:txBody>
+      </p:sp>
+      <p:sp>
+        <p:nvSpPr>
+          <p:cNvPr id="6" name="文本框 5"/>
+          <p:cNvSpPr txBox="1"/>
+          <p:nvPr/>
+        </p:nvSpPr>
+        <p:spPr>
+          <a:xfrm>
+            <a:off x="1014095" y="1740535"/>
+            <a:ext cx="10781665" cy="521970"/>
+          </a:xfrm>
+          <a:prstGeom prst="rect">
+            <a:avLst/>
+          </a:prstGeom>
+          <a:noFill/>
+        </p:spPr>
+        <p:txBody>
+          <a:bodyPr wrap="square" rtlCol="0">
+            <a:spAutoFit/>
+          </a:bodyPr>
+          <a:lstStyle/>
+          <a:p>
+            <a:r>
+              <a:rPr lang="en-US" sz="2800"/>
+              <a:t>2. </a:t>
+            </a:r>
+            <a:r>
+              <a:rPr lang="zh-CN" altLang="en-US" sz="2800"/>
+              <a:t>任务内建消息队列、任务内建信号量机制的相关</a:t>
+            </a:r>
+            <a:r>
+              <a:rPr lang="en-US" altLang="zh-CN" sz="2800"/>
+              <a:t>API</a:t>
+            </a:r>
+            <a:r>
+              <a:rPr lang="zh-CN" altLang="en-US" sz="2800"/>
+              <a:t>全部实现</a:t>
             </a:r>
             <a:endParaRPr lang="zh-CN" altLang="en-US" sz="2800">
               <a:solidFill>
@@ -6784,14 +6855,14 @@
       </p:sp>
       <p:sp>
         <p:nvSpPr>
-          <p:cNvPr id="6" name="文本框 5"/>
+          <p:cNvPr id="8" name="文本框 7"/>
           <p:cNvSpPr txBox="1"/>
           <p:nvPr/>
         </p:nvSpPr>
         <p:spPr>
           <a:xfrm>
-            <a:off x="1014095" y="1740535"/>
-            <a:ext cx="10781665" cy="521970"/>
+            <a:off x="1014095" y="2262505"/>
+            <a:ext cx="9525000" cy="521970"/>
           </a:xfrm>
           <a:prstGeom prst="rect">
             <a:avLst/>
@@ -6802,22 +6873,19 @@
           <a:bodyPr wrap="square" rtlCol="0">
             <a:spAutoFit/>
           </a:bodyPr>
+          <a:lstStyle/>
           <a:p>
             <a:r>
               <a:rPr lang="en-US" sz="2800"/>
-              <a:t>2. </a:t>
+              <a:t>3. </a:t>
+            </a:r>
+            <a:r>
+              <a:rPr lang="zh-CN" sz="2800"/>
+              <a:t>任务</a:t>
             </a:r>
             <a:r>
               <a:rPr lang="zh-CN" altLang="en-US" sz="2800"/>
-              <a:t>任务内建消息队列、任务内建信号量机制的相关</a:t>
-            </a:r>
-            <a:r>
-              <a:rPr lang="en-US" altLang="zh-CN" sz="2800"/>
-              <a:t>API</a:t>
-            </a:r>
-            <a:r>
-              <a:rPr lang="zh-CN" altLang="en-US" sz="2800"/>
-              <a:t>全部实现</a:t>
+              <a:t>嵌套挂起</a:t>
             </a:r>
             <a:endParaRPr lang="zh-CN" altLang="en-US" sz="2800">
               <a:solidFill>
@@ -6829,14 +6897,14 @@
       </p:sp>
       <p:sp>
         <p:nvSpPr>
-          <p:cNvPr id="8" name="文本框 7"/>
+          <p:cNvPr id="2" name="文本框 1"/>
           <p:cNvSpPr txBox="1"/>
           <p:nvPr/>
         </p:nvSpPr>
         <p:spPr>
           <a:xfrm>
-            <a:off x="1014095" y="2262505"/>
-            <a:ext cx="9525000" cy="521970"/>
+            <a:off x="1014095" y="4350385"/>
+            <a:ext cx="10781665" cy="1814830"/>
           </a:xfrm>
           <a:prstGeom prst="rect">
             <a:avLst/>
@@ -6847,18 +6915,88 @@
           <a:bodyPr wrap="square" rtlCol="0">
             <a:spAutoFit/>
           </a:bodyPr>
+          <a:lstStyle/>
           <a:p>
             <a:r>
               <a:rPr lang="en-US" sz="2800"/>
-              <a:t>3. </a:t>
-            </a:r>
-            <a:r>
-              <a:rPr lang="zh-CN" sz="2800"/>
-              <a:t>任务</a:t>
+              <a:t>7. </a:t>
             </a:r>
             <a:r>
               <a:rPr lang="zh-CN" altLang="en-US" sz="2800"/>
-              <a:t>嵌套挂起</a:t>
+              <a:t>统计任务（OS_StatTask()、os_stat.c）</a:t>
+            </a:r>
+          </a:p>
+          <a:p>
+            <a:r>
+              <a:rPr lang="zh-CN" altLang="en-US" sz="2800"/>
+              <a:t>    CPU使用率的计算策略和原版μCOS-III</a:t>
+            </a:r>
+            <a:r>
+              <a:rPr lang="zh-CN" altLang="en-US" sz="2800">
+                <a:solidFill>
+                  <a:srgbClr val="FF0000"/>
+                </a:solidFill>
+              </a:rPr>
+              <a:t>完全一致</a:t>
+            </a:r>
+          </a:p>
+          <a:p>
+            <a:r>
+              <a:rPr lang="zh-CN" altLang="en-US" sz="2800">
+                <a:solidFill>
+                  <a:srgbClr val="FF0000"/>
+                </a:solidFill>
+              </a:rPr>
+              <a:t>    </a:t>
+            </a:r>
+            <a:r>
+              <a:rPr lang="zh-CN" altLang="en-US" sz="2800">
+                <a:solidFill>
+                  <a:schemeClr val="tx1"/>
+                </a:solidFill>
+              </a:rPr>
+              <a:t>用户仅需调用OSStatTaskCPUUsage全局变量即可获取当前的CPU使用率</a:t>
+            </a:r>
+          </a:p>
+        </p:txBody>
+      </p:sp>
+      <p:sp>
+        <p:nvSpPr>
+          <p:cNvPr id="3" name="文本框 2"/>
+          <p:cNvSpPr txBox="1"/>
+          <p:nvPr/>
+        </p:nvSpPr>
+        <p:spPr>
+          <a:xfrm>
+            <a:off x="1014095" y="2784475"/>
+            <a:ext cx="9525000" cy="521970"/>
+          </a:xfrm>
+          <a:prstGeom prst="rect">
+            <a:avLst/>
+          </a:prstGeom>
+          <a:noFill/>
+        </p:spPr>
+        <p:txBody>
+          <a:bodyPr wrap="square" rtlCol="0">
+            <a:spAutoFit/>
+          </a:bodyPr>
+          <a:lstStyle/>
+          <a:p>
+            <a:r>
+              <a:rPr lang="en-US" sz="2800"/>
+              <a:t>4. </a:t>
+            </a:r>
+            <a:r>
+              <a:rPr lang="zh-CN" altLang="en-US" sz="2800"/>
+              <a:t>消息队列清空 OSQFlush</a:t>
+            </a:r>
+            <a:r>
+              <a:rPr lang="en-US" altLang="zh-CN" sz="2800"/>
+              <a:t>()</a:t>
+            </a:r>
+            <a:r>
+              <a:rPr lang="zh-CN" altLang="en-US" sz="2800"/>
+              <a:t> </a:t>
             </a:r>
             <a:endParaRPr lang="zh-CN" altLang="en-US" sz="2800">
               <a:solidFill>
@@ -6870,14 +7008,14 @@
       </p:sp>
       <p:sp>
         <p:nvSpPr>
-          <p:cNvPr id="2" name="文本框 1"/>
+          <p:cNvPr id="9" name="文本框 8"/>
           <p:cNvSpPr txBox="1"/>
           <p:nvPr/>
         </p:nvSpPr>
         <p:spPr>
           <a:xfrm>
-            <a:off x="1014095" y="4350385"/>
-            <a:ext cx="10781665" cy="1814830"/>
+            <a:off x="1014095" y="3306445"/>
+            <a:ext cx="11177905" cy="521970"/>
           </a:xfrm>
           <a:prstGeom prst="rect">
             <a:avLst/>
@@ -6888,52 +7026,31 @@
           <a:bodyPr wrap="square" rtlCol="0">
             <a:spAutoFit/>
           </a:bodyPr>
+          <a:lstStyle/>
           <a:p>
             <a:r>
               <a:rPr lang="en-US" sz="2800"/>
-              <a:t>7. </a:t>
+              <a:t>5. </a:t>
             </a:r>
             <a:r>
               <a:rPr lang="zh-CN" altLang="en-US" sz="2800"/>
-              <a:t>统计任务（OS_StatTask()、os_stat.c）</a:t>
-            </a:r>
-            <a:endParaRPr lang="zh-CN" altLang="en-US" sz="2800"/>
-          </a:p>
-          <a:p>
+              <a:t>内核对象放弃等待 OS</a:t>
+            </a:r>
+            <a:r>
+              <a:rPr lang="en-US" altLang="zh-CN" sz="2800"/>
+              <a:t>xxxPendAbort()  </a:t>
+            </a:r>
             <a:r>
               <a:rPr lang="zh-CN" altLang="en-US" sz="2800"/>
-              <a:t>    CPU使用率的计算策略和原版μCOS-III</a:t>
-            </a:r>
-            <a:r>
-              <a:rPr lang="zh-CN" altLang="en-US" sz="2800">
-                <a:solidFill>
-                  <a:srgbClr val="FF0000"/>
-                </a:solidFill>
-              </a:rPr>
-              <a:t>完全一致</a:t>
-            </a:r>
-            <a:endParaRPr lang="zh-CN" altLang="en-US" sz="2800">
-              <a:solidFill>
-                <a:srgbClr val="FF0000"/>
-              </a:solidFill>
-            </a:endParaRPr>
-          </a:p>
-          <a:p>
-            <a:r>
-              <a:rPr lang="zh-CN" altLang="en-US" sz="2800">
-                <a:solidFill>
-                  <a:srgbClr val="FF0000"/>
-                </a:solidFill>
-              </a:rPr>
-              <a:t>    </a:t>
-            </a:r>
-            <a:r>
-              <a:rPr lang="zh-CN" altLang="en-US" sz="2800">
-                <a:solidFill>
-                  <a:schemeClr val="tx1"/>
-                </a:solidFill>
-              </a:rPr>
-              <a:t>用户仅需调用OSStatTaskCPUUsage全局变量即可获取当前的CPU使用率</a:t>
+              <a:t>放弃一个</a:t>
+            </a:r>
+            <a:r>
+              <a:rPr lang="en-US" altLang="zh-CN" sz="2800"/>
+              <a:t>/</a:t>
+            </a:r>
+            <a:r>
+              <a:rPr lang="zh-CN" altLang="en-US" sz="2800"/>
+              <a:t>放弃所有 </a:t>
             </a:r>
             <a:endParaRPr lang="zh-CN" altLang="en-US" sz="2800">
               <a:solidFill>
@@ -6945,13 +7062,13 @@
       </p:sp>
       <p:sp>
         <p:nvSpPr>
-          <p:cNvPr id="3" name="文本框 2"/>
+          <p:cNvPr id="10" name="文本框 9"/>
           <p:cNvSpPr txBox="1"/>
           <p:nvPr/>
         </p:nvSpPr>
         <p:spPr>
           <a:xfrm>
-            <a:off x="1014095" y="2784475"/>
+            <a:off x="1014095" y="3828415"/>
             <a:ext cx="9525000" cy="521970"/>
           </a:xfrm>
           <a:prstGeom prst="rect">
@@ -6963,108 +7080,7 @@
           <a:bodyPr wrap="square" rtlCol="0">
             <a:spAutoFit/>
           </a:bodyPr>
-          <a:p>
-            <a:r>
-              <a:rPr lang="en-US" sz="2800"/>
-              <a:t>4. </a:t>
-            </a:r>
-            <a:r>
-              <a:rPr lang="zh-CN" altLang="en-US" sz="2800"/>
-              <a:t>消息队列清空 OSQFlush</a:t>
-            </a:r>
-            <a:r>
-              <a:rPr lang="en-US" altLang="zh-CN" sz="2800"/>
-              <a:t>()</a:t>
-            </a:r>
-            <a:r>
-              <a:rPr lang="zh-CN" altLang="en-US" sz="2800"/>
-              <a:t> </a:t>
-            </a:r>
-            <a:endParaRPr lang="zh-CN" altLang="en-US" sz="2800">
-              <a:solidFill>
-                <a:schemeClr val="tx1"/>
-              </a:solidFill>
-            </a:endParaRPr>
-          </a:p>
-        </p:txBody>
-      </p:sp>
-      <p:sp>
-        <p:nvSpPr>
-          <p:cNvPr id="9" name="文本框 8"/>
-          <p:cNvSpPr txBox="1"/>
-          <p:nvPr/>
-        </p:nvSpPr>
-        <p:spPr>
-          <a:xfrm>
-            <a:off x="1014095" y="3306445"/>
-            <a:ext cx="11177905" cy="521970"/>
-          </a:xfrm>
-          <a:prstGeom prst="rect">
-            <a:avLst/>
-          </a:prstGeom>
-          <a:noFill/>
-        </p:spPr>
-        <p:txBody>
-          <a:bodyPr wrap="square" rtlCol="0">
-            <a:spAutoFit/>
-          </a:bodyPr>
-          <a:p>
-            <a:r>
-              <a:rPr lang="en-US" sz="2800"/>
-              <a:t>5. </a:t>
-            </a:r>
-            <a:r>
-              <a:rPr lang="zh-CN" altLang="en-US" sz="2800"/>
-              <a:t>内核对象放弃等待 OS</a:t>
-            </a:r>
-            <a:r>
-              <a:rPr lang="en-US" altLang="zh-CN" sz="2800"/>
-              <a:t>xxxPendAbort()  </a:t>
-            </a:r>
-            <a:r>
-              <a:rPr lang="zh-CN" altLang="en-US" sz="2800"/>
-              <a:t>放弃一个</a:t>
-            </a:r>
-            <a:r>
-              <a:rPr lang="en-US" altLang="zh-CN" sz="2800"/>
-              <a:t>/</a:t>
-            </a:r>
-            <a:r>
-              <a:rPr lang="zh-CN" altLang="en-US" sz="2800"/>
-              <a:t>放弃所有</a:t>
-            </a:r>
-            <a:r>
-              <a:rPr lang="zh-CN" altLang="en-US" sz="2800"/>
-              <a:t> </a:t>
-            </a:r>
-            <a:endParaRPr lang="zh-CN" altLang="en-US" sz="2800">
-              <a:solidFill>
-                <a:schemeClr val="tx1"/>
-              </a:solidFill>
-            </a:endParaRPr>
-          </a:p>
-        </p:txBody>
-      </p:sp>
-      <p:sp>
-        <p:nvSpPr>
-          <p:cNvPr id="10" name="文本框 9"/>
-          <p:cNvSpPr txBox="1"/>
-          <p:nvPr/>
-        </p:nvSpPr>
-        <p:spPr>
-          <a:xfrm>
-            <a:off x="1014095" y="3828415"/>
-            <a:ext cx="9525000" cy="521970"/>
-          </a:xfrm>
-          <a:prstGeom prst="rect">
-            <a:avLst/>
-          </a:prstGeom>
-          <a:noFill/>
-        </p:spPr>
-        <p:txBody>
-          <a:bodyPr wrap="square" rtlCol="0">
-            <a:spAutoFit/>
-          </a:bodyPr>
+          <a:lstStyle/>
           <a:p>
             <a:r>
               <a:rPr lang="en-US" sz="2800"/>
@@ -7115,7 +7131,14 @@
         <p:cNvGrpSpPr/>
         <p:nvPr/>
       </p:nvGrpSpPr>
-      <p:grpSpPr/>
+      <p:grpSpPr>
+        <a:xfrm>
+          <a:off x="0" y="0"/>
+          <a:ext cx="0" cy="0"/>
+          <a:chOff x="0" y="0"/>
+          <a:chExt cx="0" cy="0"/>
+        </a:xfrm>
+      </p:grpSpPr>
       <p:sp>
         <p:nvSpPr>
           <p:cNvPr id="9" name="文本框 8"/>
@@ -7136,6 +7159,7 @@
           <a:bodyPr wrap="square" rtlCol="0" anchor="t">
             <a:spAutoFit/>
           </a:bodyPr>
+          <a:lstStyle/>
           <a:p>
             <a:pPr algn="ctr"/>
             <a:r>
@@ -7170,7 +7194,6 @@
               <a:rPr lang="zh-CN" altLang="en-US" sz="2400"/>
               <a:t>无法使用OS_OPT_POST_NO_SCHED选项</a:t>
             </a:r>
-            <a:endParaRPr lang="zh-CN" altLang="en-US" sz="2400"/>
           </a:p>
           <a:p>
             <a:pPr algn="ctr"/>
@@ -7192,9 +7215,6 @@
               </a:rPr>
               <a:t>OS_OPT_POST_ALL</a:t>
             </a:r>
-            <a:endParaRPr lang="en-US" altLang="zh-CN" sz="2400">
-              <a:sym typeface="+mn-ea"/>
-            </a:endParaRPr>
           </a:p>
           <a:p>
             <a:pPr algn="ctr"/>
@@ -7210,7 +7230,6 @@
               <a:rPr lang="zh-CN" altLang="en-US" sz="2400"/>
               <a:t>置1为事件发生</a:t>
             </a:r>
-            <a:endParaRPr lang="zh-CN" altLang="en-US" sz="2400"/>
           </a:p>
         </p:txBody>
       </p:sp>
@@ -7234,6 +7253,7 @@
           <a:bodyPr wrap="square" rtlCol="0" anchor="t">
             <a:spAutoFit/>
           </a:bodyPr>
+          <a:lstStyle/>
           <a:p>
             <a:r>
               <a:rPr lang="zh-CN" altLang="en-US">
@@ -7285,13 +7305,6 @@
               </a:rPr>
               <a:t>/mysterywolf/RT-Thread-wrapper-of-uCOS-III</a:t>
             </a:r>
-            <a:endParaRPr lang="zh-CN" altLang="en-US">
-              <a:solidFill>
-                <a:schemeClr val="tx1"/>
-              </a:solidFill>
-              <a:uFillTx/>
-              <a:latin typeface="Times New Roman" panose="02020603050405020304" charset="0"/>
-            </a:endParaRPr>
           </a:p>
         </p:txBody>
       </p:sp>
@@ -7304,31 +7317,31 @@
 </file>
 
 <file path=ppt/tags/tag1.xml><?xml version="1.0" encoding="utf-8"?>
-<p:tagLst xmlns:p="http://schemas.openxmlformats.org/presentationml/2006/main">
+<p:tagLst xmlns:a="http://schemas.openxmlformats.org/drawingml/2006/main" xmlns:r="http://schemas.openxmlformats.org/officeDocument/2006/relationships" xmlns:p="http://schemas.openxmlformats.org/presentationml/2006/main">
   <p:tag name="KSO_WM_UNIT_PLACING_PICTURE_USER_VIEWPORT" val="{&quot;height&quot;:10815,&quot;width&quot;:13665}"/>
 </p:tagLst>
 </file>
 
 <file path=ppt/tags/tag2.xml><?xml version="1.0" encoding="utf-8"?>
-<p:tagLst xmlns:p="http://schemas.openxmlformats.org/presentationml/2006/main">
+<p:tagLst xmlns:a="http://schemas.openxmlformats.org/drawingml/2006/main" xmlns:r="http://schemas.openxmlformats.org/officeDocument/2006/relationships" xmlns:p="http://schemas.openxmlformats.org/presentationml/2006/main">
   <p:tag name="KSO_WM_UNIT_PLACING_PICTURE_USER_VIEWPORT" val="{&quot;height&quot;:2405,&quot;width&quot;:6466}"/>
 </p:tagLst>
 </file>
 
 <file path=ppt/tags/tag3.xml><?xml version="1.0" encoding="utf-8"?>
-<p:tagLst xmlns:p="http://schemas.openxmlformats.org/presentationml/2006/main">
+<p:tagLst xmlns:a="http://schemas.openxmlformats.org/drawingml/2006/main" xmlns:r="http://schemas.openxmlformats.org/officeDocument/2006/relationships" xmlns:p="http://schemas.openxmlformats.org/presentationml/2006/main">
   <p:tag name="KSO_WM_UNIT_PLACING_PICTURE_USER_VIEWPORT" val="{&quot;height&quot;:4410,&quot;width&quot;:7740}"/>
 </p:tagLst>
 </file>
 
 <file path=ppt/tags/tag4.xml><?xml version="1.0" encoding="utf-8"?>
-<p:tagLst xmlns:p="http://schemas.openxmlformats.org/presentationml/2006/main">
+<p:tagLst xmlns:a="http://schemas.openxmlformats.org/drawingml/2006/main" xmlns:r="http://schemas.openxmlformats.org/officeDocument/2006/relationships" xmlns:p="http://schemas.openxmlformats.org/presentationml/2006/main">
   <p:tag name="KSO_WM_UNIT_PLACING_PICTURE_USER_VIEWPORT" val="{&quot;height&quot;:6945,&quot;width&quot;:15450}"/>
 </p:tagLst>
 </file>
 
 <file path=ppt/tags/tag5.xml><?xml version="1.0" encoding="utf-8"?>
-<p:tagLst xmlns:p="http://schemas.openxmlformats.org/presentationml/2006/main">
+<p:tagLst xmlns:a="http://schemas.openxmlformats.org/drawingml/2006/main" xmlns:r="http://schemas.openxmlformats.org/officeDocument/2006/relationships" xmlns:p="http://schemas.openxmlformats.org/presentationml/2006/main">
   <p:tag name="KSO_WM_UNIT_PLACING_PICTURE_USER_VIEWPORT" val="{&quot;height&quot;:6945,&quot;width&quot;:15450}"/>
 </p:tagLst>
 </file>
@@ -7584,6 +7597,8 @@
       </a:bgFillStyleLst>
     </a:fmtScheme>
   </a:themeElements>
+  <a:objectDefaults/>
+  <a:extraClrSchemeLst/>
   <a:extLst>
     <a:ext uri="{05A4C25C-085E-4340-85A3-A5531E510DB2}">
       <thm15:themeFamily xmlns:thm15="http://schemas.microsoft.com/office/thememl/2012/main" name="Office Theme" id="{62F939B6-93AF-4DB8-9C6B-D6C7DFDC589F}" vid="{4A3C46E8-61CC-4603-A589-7422A47A8E4A}"/>
@@ -7843,6 +7858,8 @@
       </a:bgFillStyleLst>
     </a:fmtScheme>
   </a:themeElements>
+  <a:objectDefaults/>
+  <a:extraClrSchemeLst/>
   <a:extLst>
     <a:ext uri="{05A4C25C-085E-4340-85A3-A5531E510DB2}">
       <thm15:themeFamily xmlns:thm15="http://schemas.microsoft.com/office/thememl/2012/main" name="Office Theme" id="{62F939B6-93AF-4DB8-9C6B-D6C7DFDC589F}" vid="{4A3C46E8-61CC-4603-A589-7422A47A8E4A}"/>
